--- a/neveau_poster.pptx
+++ b/neveau_poster.pptx
@@ -16413,7 +16413,7 @@
         </p:nvSpPr>
         <p:spPr>
           <a:xfrm>
-            <a:off x="10725219" y="26499491"/>
+            <a:off x="10696934" y="26489069"/>
             <a:ext cx="17819029" cy="4270010"/>
           </a:xfrm>
           <a:prstGeom prst="rect">
@@ -16446,6 +16446,490 @@
           <a:p>
             <a:pPr algn="ctr"/>
             <a:endParaRPr lang="en-US" dirty="0"/>
+          </a:p>
+        </p:txBody>
+      </p:sp>
+      <p:pic>
+        <p:nvPicPr>
+          <p:cNvPr id="387" name="Picture 2">
+            <a:extLst>
+              <a:ext uri="{FF2B5EF4-FFF2-40B4-BE49-F238E27FC236}">
+                <a16:creationId xmlns:a16="http://schemas.microsoft.com/office/drawing/2014/main" id="{9496D576-1058-4685-BC92-8AFB3CF1BCE9}"/>
+              </a:ext>
+            </a:extLst>
+          </p:cNvPr>
+          <p:cNvPicPr>
+            <a:picLocks noChangeAspect="1" noChangeArrowheads="1"/>
+          </p:cNvPicPr>
+          <p:nvPr/>
+        </p:nvPicPr>
+        <p:blipFill rotWithShape="1">
+          <a:blip r:embed="rId10">
+            <a:extLst>
+              <a:ext uri="{28A0092B-C50C-407E-A947-70E740481C1C}">
+                <a14:useLocalDpi xmlns:a14="http://schemas.microsoft.com/office/drawing/2010/main" val="0"/>
+              </a:ext>
+            </a:extLst>
+          </a:blip>
+          <a:srcRect l="24217" t="5361" r="13465" b="10690"/>
+          <a:stretch/>
+        </p:blipFill>
+        <p:spPr bwMode="auto">
+          <a:xfrm>
+            <a:off x="12538374" y="26738987"/>
+            <a:ext cx="5414090" cy="3070537"/>
+          </a:xfrm>
+          <a:prstGeom prst="rect">
+            <a:avLst/>
+          </a:prstGeom>
+          <a:noFill/>
+          <a:ln>
+            <a:noFill/>
+          </a:ln>
+          <a:extLst>
+            <a:ext uri="{909E8E84-426E-40DD-AFC4-6F175D3DCCD1}">
+              <a14:hiddenFill xmlns:a14="http://schemas.microsoft.com/office/drawing/2010/main">
+                <a:solidFill>
+                  <a:schemeClr val="accent1"/>
+                </a:solidFill>
+              </a14:hiddenFill>
+            </a:ext>
+            <a:ext uri="{91240B29-F687-4F45-9708-019B960494DF}">
+              <a14:hiddenLine xmlns:a14="http://schemas.microsoft.com/office/drawing/2010/main" w="9525">
+                <a:solidFill>
+                  <a:schemeClr val="tx1"/>
+                </a:solidFill>
+                <a:miter lim="800000"/>
+                <a:headEnd/>
+                <a:tailEnd/>
+              </a14:hiddenLine>
+            </a:ext>
+          </a:extLst>
+        </p:spPr>
+      </p:pic>
+      <p:pic>
+        <p:nvPicPr>
+          <p:cNvPr id="388" name="Picture 2">
+            <a:extLst>
+              <a:ext uri="{FF2B5EF4-FFF2-40B4-BE49-F238E27FC236}">
+                <a16:creationId xmlns:a16="http://schemas.microsoft.com/office/drawing/2014/main" id="{DEEA6ADE-1C24-4A56-BB79-B97BA078D0BF}"/>
+              </a:ext>
+            </a:extLst>
+          </p:cNvPr>
+          <p:cNvPicPr>
+            <a:picLocks noChangeAspect="1" noChangeArrowheads="1"/>
+          </p:cNvPicPr>
+          <p:nvPr/>
+        </p:nvPicPr>
+        <p:blipFill rotWithShape="1">
+          <a:blip r:embed="rId11">
+            <a:extLst>
+              <a:ext uri="{28A0092B-C50C-407E-A947-70E740481C1C}">
+                <a14:useLocalDpi xmlns:a14="http://schemas.microsoft.com/office/drawing/2010/main" val="0"/>
+              </a:ext>
+            </a:extLst>
+          </a:blip>
+          <a:srcRect l="23927" t="5123" r="14301" b="14246"/>
+          <a:stretch/>
+        </p:blipFill>
+        <p:spPr bwMode="auto">
+          <a:xfrm>
+            <a:off x="20756403" y="26716044"/>
+            <a:ext cx="6329425" cy="3072384"/>
+          </a:xfrm>
+          <a:prstGeom prst="rect">
+            <a:avLst/>
+          </a:prstGeom>
+          <a:noFill/>
+          <a:ln>
+            <a:noFill/>
+          </a:ln>
+          <a:extLst>
+            <a:ext uri="{909E8E84-426E-40DD-AFC4-6F175D3DCCD1}">
+              <a14:hiddenFill xmlns:a14="http://schemas.microsoft.com/office/drawing/2010/main">
+                <a:solidFill>
+                  <a:schemeClr val="accent1"/>
+                </a:solidFill>
+              </a14:hiddenFill>
+            </a:ext>
+            <a:ext uri="{91240B29-F687-4F45-9708-019B960494DF}">
+              <a14:hiddenLine xmlns:a14="http://schemas.microsoft.com/office/drawing/2010/main" w="9525">
+                <a:solidFill>
+                  <a:schemeClr val="tx1"/>
+                </a:solidFill>
+                <a:miter lim="800000"/>
+                <a:headEnd/>
+                <a:tailEnd/>
+              </a14:hiddenLine>
+            </a:ext>
+          </a:extLst>
+        </p:spPr>
+      </p:pic>
+      <p:pic>
+        <p:nvPicPr>
+          <p:cNvPr id="389" name="Content Placeholder 4">
+            <a:extLst>
+              <a:ext uri="{FF2B5EF4-FFF2-40B4-BE49-F238E27FC236}">
+                <a16:creationId xmlns:a16="http://schemas.microsoft.com/office/drawing/2014/main" id="{DB15AD8A-7151-4648-B98F-56510C449BBB}"/>
+              </a:ext>
+            </a:extLst>
+          </p:cNvPr>
+          <p:cNvPicPr>
+            <a:picLocks noChangeAspect="1"/>
+          </p:cNvPicPr>
+          <p:nvPr/>
+        </p:nvPicPr>
+        <p:blipFill rotWithShape="1">
+          <a:blip r:embed="rId7">
+            <a:extLst>
+              <a:ext uri="{28A0092B-C50C-407E-A947-70E740481C1C}">
+                <a14:useLocalDpi xmlns:a14="http://schemas.microsoft.com/office/drawing/2010/main" val="0"/>
+              </a:ext>
+            </a:extLst>
+          </a:blip>
+          <a:srcRect l="71504" t="25240" r="2804" b="31451"/>
+          <a:stretch/>
+        </p:blipFill>
+        <p:spPr>
+          <a:xfrm>
+            <a:off x="17972144" y="27663180"/>
+            <a:ext cx="1138305" cy="1222149"/>
+          </a:xfrm>
+          <a:prstGeom prst="rect">
+            <a:avLst/>
+          </a:prstGeom>
+        </p:spPr>
+      </p:pic>
+      <p:pic>
+        <p:nvPicPr>
+          <p:cNvPr id="390" name="Content Placeholder 4">
+            <a:extLst>
+              <a:ext uri="{FF2B5EF4-FFF2-40B4-BE49-F238E27FC236}">
+                <a16:creationId xmlns:a16="http://schemas.microsoft.com/office/drawing/2014/main" id="{87A9242A-755A-463F-8167-4FCF4666DE9F}"/>
+              </a:ext>
+            </a:extLst>
+          </p:cNvPr>
+          <p:cNvPicPr>
+            <a:picLocks noChangeAspect="1"/>
+          </p:cNvPicPr>
+          <p:nvPr/>
+        </p:nvPicPr>
+        <p:blipFill rotWithShape="1">
+          <a:blip r:embed="rId7">
+            <a:extLst>
+              <a:ext uri="{28A0092B-C50C-407E-A947-70E740481C1C}">
+                <a14:useLocalDpi xmlns:a14="http://schemas.microsoft.com/office/drawing/2010/main" val="0"/>
+              </a:ext>
+            </a:extLst>
+          </a:blip>
+          <a:srcRect l="71504" t="25240" r="2804" b="31451"/>
+          <a:stretch/>
+        </p:blipFill>
+        <p:spPr>
+          <a:xfrm>
+            <a:off x="27163673" y="27663179"/>
+            <a:ext cx="1138305" cy="1222149"/>
+          </a:xfrm>
+          <a:prstGeom prst="rect">
+            <a:avLst/>
+          </a:prstGeom>
+        </p:spPr>
+      </p:pic>
+      <p:sp>
+        <p:nvSpPr>
+          <p:cNvPr id="392" name="TextBox 391">
+            <a:extLst>
+              <a:ext uri="{FF2B5EF4-FFF2-40B4-BE49-F238E27FC236}">
+                <a16:creationId xmlns:a16="http://schemas.microsoft.com/office/drawing/2014/main" id="{F9C45C75-6130-44AF-AD39-CB3BCC8A1C62}"/>
+              </a:ext>
+            </a:extLst>
+          </p:cNvPr>
+          <p:cNvSpPr txBox="1"/>
+          <p:nvPr/>
+        </p:nvSpPr>
+        <p:spPr>
+          <a:xfrm>
+            <a:off x="19018788" y="26821266"/>
+            <a:ext cx="2895600" cy="3385542"/>
+          </a:xfrm>
+          <a:prstGeom prst="rect">
+            <a:avLst/>
+          </a:prstGeom>
+          <a:noFill/>
+        </p:spPr>
+        <p:txBody>
+          <a:bodyPr wrap="square" rtlCol="0">
+            <a:spAutoFit/>
+          </a:bodyPr>
+          <a:lstStyle/>
+          <a:p>
+            <a:pPr>
+              <a:spcBef>
+                <a:spcPts val="1200"/>
+              </a:spcBef>
+            </a:pPr>
+            <a:r>
+              <a:rPr lang="en-US" dirty="0"/>
+              <a:t>Zm00001d045909</a:t>
+            </a:r>
+          </a:p>
+          <a:p>
+            <a:pPr>
+              <a:spcBef>
+                <a:spcPts val="1200"/>
+              </a:spcBef>
+            </a:pPr>
+            <a:r>
+              <a:rPr lang="en-US" dirty="0"/>
+              <a:t>Zm00001d036345_PSY1_T2</a:t>
+            </a:r>
+          </a:p>
+          <a:p>
+            <a:pPr>
+              <a:spcBef>
+                <a:spcPts val="1200"/>
+              </a:spcBef>
+            </a:pPr>
+            <a:r>
+              <a:rPr lang="en-US" dirty="0"/>
+              <a:t>ZM00001d036345_PSY1_T1</a:t>
+            </a:r>
+          </a:p>
+          <a:p>
+            <a:pPr>
+              <a:spcBef>
+                <a:spcPts val="1200"/>
+              </a:spcBef>
+            </a:pPr>
+            <a:r>
+              <a:rPr lang="en-US" dirty="0"/>
+              <a:t>Zm00001d033547</a:t>
+            </a:r>
+          </a:p>
+          <a:p>
+            <a:pPr>
+              <a:spcBef>
+                <a:spcPts val="1200"/>
+              </a:spcBef>
+            </a:pPr>
+            <a:r>
+              <a:rPr lang="en-US" dirty="0"/>
+              <a:t>Zm00001d026188</a:t>
+            </a:r>
+          </a:p>
+          <a:p>
+            <a:pPr>
+              <a:spcBef>
+                <a:spcPts val="1200"/>
+              </a:spcBef>
+            </a:pPr>
+            <a:r>
+              <a:rPr lang="en-US" dirty="0"/>
+              <a:t>Zm00001d025531</a:t>
+            </a:r>
+          </a:p>
+          <a:p>
+            <a:pPr>
+              <a:spcBef>
+                <a:spcPts val="1200"/>
+              </a:spcBef>
+            </a:pPr>
+            <a:r>
+              <a:rPr lang="en-US" dirty="0"/>
+              <a:t>Zm00001d012394_PSY2</a:t>
+            </a:r>
+          </a:p>
+          <a:p>
+            <a:pPr>
+              <a:spcBef>
+                <a:spcPts val="1200"/>
+              </a:spcBef>
+            </a:pPr>
+            <a:endParaRPr lang="en-US" dirty="0"/>
+          </a:p>
+        </p:txBody>
+      </p:sp>
+      <p:sp>
+        <p:nvSpPr>
+          <p:cNvPr id="393" name="TextBox 392">
+            <a:extLst>
+              <a:ext uri="{FF2B5EF4-FFF2-40B4-BE49-F238E27FC236}">
+                <a16:creationId xmlns:a16="http://schemas.microsoft.com/office/drawing/2014/main" id="{6848FF10-A7CF-4C43-85C2-E76E729DC458}"/>
+              </a:ext>
+            </a:extLst>
+          </p:cNvPr>
+          <p:cNvSpPr txBox="1"/>
+          <p:nvPr/>
+        </p:nvSpPr>
+        <p:spPr>
+          <a:xfrm>
+            <a:off x="10679795" y="26821266"/>
+            <a:ext cx="2895600" cy="3385542"/>
+          </a:xfrm>
+          <a:prstGeom prst="rect">
+            <a:avLst/>
+          </a:prstGeom>
+          <a:noFill/>
+        </p:spPr>
+        <p:txBody>
+          <a:bodyPr wrap="square" rtlCol="0">
+            <a:spAutoFit/>
+          </a:bodyPr>
+          <a:lstStyle/>
+          <a:p>
+            <a:pPr>
+              <a:spcBef>
+                <a:spcPts val="1200"/>
+              </a:spcBef>
+            </a:pPr>
+            <a:r>
+              <a:rPr lang="en-US" dirty="0"/>
+              <a:t>Zm00001d045909</a:t>
+            </a:r>
+          </a:p>
+          <a:p>
+            <a:pPr>
+              <a:spcBef>
+                <a:spcPts val="1200"/>
+              </a:spcBef>
+            </a:pPr>
+            <a:r>
+              <a:rPr lang="en-US" dirty="0"/>
+              <a:t>Zm00001d036345_PSY1_T2</a:t>
+            </a:r>
+          </a:p>
+          <a:p>
+            <a:pPr>
+              <a:spcBef>
+                <a:spcPts val="1200"/>
+              </a:spcBef>
+            </a:pPr>
+            <a:r>
+              <a:rPr lang="en-US" dirty="0"/>
+              <a:t>ZM00001d036345_PSY1_T1</a:t>
+            </a:r>
+          </a:p>
+          <a:p>
+            <a:pPr>
+              <a:spcBef>
+                <a:spcPts val="1200"/>
+              </a:spcBef>
+            </a:pPr>
+            <a:r>
+              <a:rPr lang="en-US" dirty="0"/>
+              <a:t>Zm00001d033547</a:t>
+            </a:r>
+          </a:p>
+          <a:p>
+            <a:pPr>
+              <a:spcBef>
+                <a:spcPts val="1200"/>
+              </a:spcBef>
+            </a:pPr>
+            <a:r>
+              <a:rPr lang="en-US" dirty="0"/>
+              <a:t>Zm00001d026188</a:t>
+            </a:r>
+          </a:p>
+          <a:p>
+            <a:pPr>
+              <a:spcBef>
+                <a:spcPts val="1200"/>
+              </a:spcBef>
+            </a:pPr>
+            <a:r>
+              <a:rPr lang="en-US" dirty="0"/>
+              <a:t>Zm00001d025531</a:t>
+            </a:r>
+          </a:p>
+          <a:p>
+            <a:pPr>
+              <a:spcBef>
+                <a:spcPts val="1200"/>
+              </a:spcBef>
+            </a:pPr>
+            <a:r>
+              <a:rPr lang="en-US" dirty="0"/>
+              <a:t>Zm00001d012394_PSY2</a:t>
+            </a:r>
+          </a:p>
+          <a:p>
+            <a:pPr>
+              <a:spcBef>
+                <a:spcPts val="1200"/>
+              </a:spcBef>
+            </a:pPr>
+            <a:endParaRPr lang="en-US" dirty="0"/>
+          </a:p>
+        </p:txBody>
+      </p:sp>
+      <p:sp>
+        <p:nvSpPr>
+          <p:cNvPr id="394" name="TextBox 393">
+            <a:extLst>
+              <a:ext uri="{FF2B5EF4-FFF2-40B4-BE49-F238E27FC236}">
+                <a16:creationId xmlns:a16="http://schemas.microsoft.com/office/drawing/2014/main" id="{00569DF6-330B-418C-BEB4-4D16D67E6813}"/>
+              </a:ext>
+            </a:extLst>
+          </p:cNvPr>
+          <p:cNvSpPr txBox="1"/>
+          <p:nvPr/>
+        </p:nvSpPr>
+        <p:spPr>
+          <a:xfrm>
+            <a:off x="12500975" y="29774954"/>
+            <a:ext cx="5451489" cy="307777"/>
+          </a:xfrm>
+          <a:prstGeom prst="rect">
+            <a:avLst/>
+          </a:prstGeom>
+          <a:noFill/>
+        </p:spPr>
+        <p:txBody>
+          <a:bodyPr wrap="square" rtlCol="0">
+            <a:spAutoFit/>
+          </a:bodyPr>
+          <a:lstStyle/>
+          <a:p>
+            <a:r>
+              <a:rPr lang="en-US" sz="1400" dirty="0"/>
+              <a:t>ND207  A679 CH70130 CML322 CML341 Florida32 IL14H   Ki21      NC206</a:t>
+            </a:r>
+          </a:p>
+        </p:txBody>
+      </p:sp>
+      <p:sp>
+        <p:nvSpPr>
+          <p:cNvPr id="395" name="TextBox 394">
+            <a:extLst>
+              <a:ext uri="{FF2B5EF4-FFF2-40B4-BE49-F238E27FC236}">
+                <a16:creationId xmlns:a16="http://schemas.microsoft.com/office/drawing/2014/main" id="{A34BEEB2-C81A-4811-A304-6C2B77297BCA}"/>
+              </a:ext>
+            </a:extLst>
+          </p:cNvPr>
+          <p:cNvSpPr txBox="1"/>
+          <p:nvPr/>
+        </p:nvSpPr>
+        <p:spPr>
+          <a:xfrm>
+            <a:off x="20750914" y="29774954"/>
+            <a:ext cx="6329425" cy="369332"/>
+          </a:xfrm>
+          <a:prstGeom prst="rect">
+            <a:avLst/>
+          </a:prstGeom>
+          <a:noFill/>
+        </p:spPr>
+        <p:txBody>
+          <a:bodyPr wrap="square" rtlCol="0">
+            <a:spAutoFit/>
+          </a:bodyPr>
+          <a:lstStyle/>
+          <a:p>
+            <a:r>
+              <a:rPr lang="en-US" dirty="0"/>
+              <a:t>   B68         B97   CML341 Florida32   K64     KY228       LH52        T8</a:t>
+            </a:r>
           </a:p>
         </p:txBody>
       </p:sp>

--- a/neveau_poster.pptx
+++ b/neveau_poster.pptx
@@ -14246,9 +14246,9 @@
         <p:grpSpPr>
           <a:xfrm>
             <a:off x="28804561" y="5074436"/>
-            <a:ext cx="11150846" cy="7527642"/>
+            <a:ext cx="11150848" cy="5625648"/>
             <a:chOff x="28804561" y="5074436"/>
-            <a:chExt cx="10903638" cy="7527642"/>
+            <a:chExt cx="10903640" cy="5625648"/>
           </a:xfrm>
         </p:grpSpPr>
         <p:grpSp>
@@ -14266,9 +14266,9 @@
           <p:grpSpPr>
             <a:xfrm>
               <a:off x="28804561" y="5074436"/>
-              <a:ext cx="10903638" cy="7527642"/>
+              <a:ext cx="10903640" cy="5625648"/>
               <a:chOff x="27851886" y="4788659"/>
-              <a:chExt cx="10903638" cy="7527642"/>
+              <a:chExt cx="10903640" cy="5625648"/>
             </a:xfrm>
           </p:grpSpPr>
           <p:grpSp>
@@ -14416,8 +14416,8 @@
             </p:nvSpPr>
             <p:spPr>
               <a:xfrm>
-                <a:off x="27864332" y="6191212"/>
-                <a:ext cx="10891192" cy="6111228"/>
+                <a:off x="27864334" y="6191212"/>
+                <a:ext cx="10891192" cy="4223095"/>
               </a:xfrm>
               <a:prstGeom prst="rect">
                 <a:avLst/>
@@ -14466,8 +14466,8 @@
             </p:nvSpPr>
             <p:spPr>
               <a:xfrm>
-                <a:off x="27999155" y="11064400"/>
-                <a:ext cx="10601707" cy="958119"/>
+                <a:off x="32666976" y="8186871"/>
+                <a:ext cx="5967705" cy="1800198"/>
               </a:xfrm>
               <a:prstGeom prst="rect">
                 <a:avLst/>
@@ -14525,8 +14525,8 @@
             </p:nvSpPr>
             <p:spPr>
               <a:xfrm>
-                <a:off x="27931752" y="11118305"/>
-                <a:ext cx="10601707" cy="1197996"/>
+                <a:off x="32633159" y="8186870"/>
+                <a:ext cx="5967704" cy="2031325"/>
               </a:xfrm>
               <a:prstGeom prst="rect">
                 <a:avLst/>
@@ -14634,13 +14634,13 @@
                 </a:ext>
               </a:extLst>
             </a:blip>
-            <a:srcRect l="26028" t="2225" r="4144" b="8475"/>
+            <a:srcRect l="26028" t="2225" r="25974" b="8475"/>
             <a:stretch/>
           </p:blipFill>
           <p:spPr>
             <a:xfrm>
-              <a:off x="31293910" y="6629038"/>
-              <a:ext cx="2921600" cy="3566160"/>
+              <a:off x="31501279" y="6645891"/>
+              <a:ext cx="1802234" cy="3200400"/>
             </a:xfrm>
             <a:prstGeom prst="rect">
               <a:avLst/>
@@ -14661,8 +14661,8 @@
           </p:nvSpPr>
           <p:spPr>
             <a:xfrm>
-              <a:off x="28817007" y="6749292"/>
-              <a:ext cx="2719985" cy="4431983"/>
+              <a:off x="28954663" y="6703113"/>
+              <a:ext cx="2719985" cy="2954655"/>
             </a:xfrm>
             <a:prstGeom prst="rect">
               <a:avLst/>
@@ -14676,7 +14676,7 @@
             <a:p>
               <a:pPr>
                 <a:spcAft>
-                  <a:spcPts val="1800"/>
+                  <a:spcPts val="1200"/>
                 </a:spcAft>
               </a:pPr>
               <a:r>
@@ -14687,7 +14687,7 @@
             <a:p>
               <a:pPr>
                 <a:spcAft>
-                  <a:spcPts val="1800"/>
+                  <a:spcPts val="1200"/>
                 </a:spcAft>
               </a:pPr>
               <a:r>
@@ -14698,7 +14698,7 @@
             <a:p>
               <a:pPr>
                 <a:spcAft>
-                  <a:spcPts val="1800"/>
+                  <a:spcPts val="1200"/>
                 </a:spcAft>
               </a:pPr>
               <a:r>
@@ -14729,7 +14729,7 @@
             <a:p>
               <a:pPr>
                 <a:spcAft>
-                  <a:spcPts val="1800"/>
+                  <a:spcPts val="1200"/>
                 </a:spcAft>
               </a:pPr>
               <a:r>
@@ -14745,7 +14745,7 @@
             <a:p>
               <a:pPr>
                 <a:spcAft>
-                  <a:spcPts val="1800"/>
+                  <a:spcPts val="1200"/>
                 </a:spcAft>
               </a:pPr>
               <a:r>
@@ -14776,7 +14776,7 @@
             <a:p>
               <a:pPr>
                 <a:spcAft>
-                  <a:spcPts val="1800"/>
+                  <a:spcPts val="1200"/>
                 </a:spcAft>
               </a:pPr>
               <a:r>
@@ -14792,7 +14792,7 @@
             <a:p>
               <a:pPr>
                 <a:spcAft>
-                  <a:spcPts val="1800"/>
+                  <a:spcPts val="1200"/>
                 </a:spcAft>
               </a:pPr>
               <a:r>
@@ -14806,44 +14806,6 @@
               <a:r>
                 <a:rPr lang="en-US" dirty="0"/>
                 <a:t>)</a:t>
-              </a:r>
-            </a:p>
-            <a:p>
-              <a:pPr>
-                <a:spcAft>
-                  <a:spcPts val="1800"/>
-                </a:spcAft>
-              </a:pPr>
-              <a:r>
-                <a:rPr lang="en-US" dirty="0">
-                  <a:solidFill>
-                    <a:schemeClr val="bg1">
-                      <a:lumMod val="65000"/>
-                    </a:schemeClr>
-                  </a:solidFill>
-                </a:rPr>
-                <a:t>Zm00001d025531</a:t>
-              </a:r>
-              <a:r>
-                <a:rPr lang="en-US" dirty="0"/>
-                <a:t>  </a:t>
-              </a:r>
-            </a:p>
-            <a:p>
-              <a:pPr>
-                <a:spcAft>
-                  <a:spcPts val="1800"/>
-                </a:spcAft>
-              </a:pPr>
-              <a:r>
-                <a:rPr lang="en-US" dirty="0">
-                  <a:solidFill>
-                    <a:schemeClr val="bg1">
-                      <a:lumMod val="65000"/>
-                    </a:schemeClr>
-                  </a:solidFill>
-                </a:rPr>
-                <a:t>Zm00001d035106</a:t>
               </a:r>
             </a:p>
           </p:txBody>
@@ -14862,7 +14824,7 @@
           </p:nvSpPr>
           <p:spPr>
             <a:xfrm>
-              <a:off x="31501280" y="10146385"/>
+              <a:off x="31501280" y="9903513"/>
               <a:ext cx="1802233" cy="369332"/>
             </a:xfrm>
             <a:prstGeom prst="rect">
@@ -14886,10 +14848,10 @@
       </p:grpSp>
       <p:grpSp>
         <p:nvGrpSpPr>
-          <p:cNvPr id="108" name="Group 107">
+          <p:cNvPr id="3" name="Group 2">
             <a:extLst>
               <a:ext uri="{FF2B5EF4-FFF2-40B4-BE49-F238E27FC236}">
-                <a16:creationId xmlns:a16="http://schemas.microsoft.com/office/drawing/2014/main" id="{12843E90-C2C2-4075-9F45-1EE0529DA74F}"/>
+                <a16:creationId xmlns:a16="http://schemas.microsoft.com/office/drawing/2014/main" id="{780868A0-5A75-4368-94AE-7770E5733B31}"/>
               </a:ext>
             </a:extLst>
           </p:cNvPr>
@@ -14898,18 +14860,18 @@
         </p:nvGrpSpPr>
         <p:grpSpPr>
           <a:xfrm>
-            <a:off x="10735366" y="18776552"/>
+            <a:off x="10816567" y="30074095"/>
             <a:ext cx="17780676" cy="5999910"/>
-            <a:chOff x="10849662" y="18883214"/>
+            <a:chOff x="10735366" y="18776552"/>
             <a:chExt cx="17780676" cy="5999910"/>
           </a:xfrm>
         </p:grpSpPr>
         <p:grpSp>
           <p:nvGrpSpPr>
-            <p:cNvPr id="234" name="Group 233">
+            <p:cNvPr id="108" name="Group 107">
               <a:extLst>
                 <a:ext uri="{FF2B5EF4-FFF2-40B4-BE49-F238E27FC236}">
-                  <a16:creationId xmlns:a16="http://schemas.microsoft.com/office/drawing/2014/main" id="{488EB461-E41D-4AE0-9DF3-AF2230E279D4}"/>
+                  <a16:creationId xmlns:a16="http://schemas.microsoft.com/office/drawing/2014/main" id="{12843E90-C2C2-4075-9F45-1EE0529DA74F}"/>
                 </a:ext>
               </a:extLst>
             </p:cNvPr>
@@ -14918,18 +14880,149 @@
           </p:nvGrpSpPr>
           <p:grpSpPr>
             <a:xfrm>
-              <a:off x="10863060" y="18883214"/>
-              <a:ext cx="17757132" cy="1402553"/>
-              <a:chOff x="379445" y="5065570"/>
-              <a:chExt cx="11017897" cy="1402553"/>
+              <a:off x="10735366" y="18776552"/>
+              <a:ext cx="17780676" cy="5999910"/>
+              <a:chOff x="10849662" y="18883214"/>
+              <a:chExt cx="17780676" cy="5999910"/>
             </a:xfrm>
           </p:grpSpPr>
+          <p:grpSp>
+            <p:nvGrpSpPr>
+              <p:cNvPr id="234" name="Group 233">
+                <a:extLst>
+                  <a:ext uri="{FF2B5EF4-FFF2-40B4-BE49-F238E27FC236}">
+                    <a16:creationId xmlns:a16="http://schemas.microsoft.com/office/drawing/2014/main" id="{488EB461-E41D-4AE0-9DF3-AF2230E279D4}"/>
+                  </a:ext>
+                </a:extLst>
+              </p:cNvPr>
+              <p:cNvGrpSpPr/>
+              <p:nvPr/>
+            </p:nvGrpSpPr>
+            <p:grpSpPr>
+              <a:xfrm>
+                <a:off x="10863060" y="18883214"/>
+                <a:ext cx="17757132" cy="1402553"/>
+                <a:chOff x="379445" y="5065570"/>
+                <a:chExt cx="11017897" cy="1402553"/>
+              </a:xfrm>
+            </p:grpSpPr>
+            <p:sp>
+              <p:nvSpPr>
+                <p:cNvPr id="235" name="Rectangle 234">
+                  <a:extLst>
+                    <a:ext uri="{FF2B5EF4-FFF2-40B4-BE49-F238E27FC236}">
+                      <a16:creationId xmlns:a16="http://schemas.microsoft.com/office/drawing/2014/main" id="{BD926064-BEF2-4D9A-B899-612EB29F25EE}"/>
+                    </a:ext>
+                  </a:extLst>
+                </p:cNvPr>
+                <p:cNvSpPr/>
+                <p:nvPr/>
+              </p:nvSpPr>
+              <p:spPr>
+                <a:xfrm>
+                  <a:off x="379445" y="5065570"/>
+                  <a:ext cx="11017897" cy="1402553"/>
+                </a:xfrm>
+                <a:prstGeom prst="rect">
+                  <a:avLst/>
+                </a:prstGeom>
+                <a:solidFill>
+                  <a:srgbClr val="2A4C7D"/>
+                </a:solidFill>
+              </p:spPr>
+              <p:style>
+                <a:lnRef idx="2">
+                  <a:schemeClr val="accent1">
+                    <a:shade val="50000"/>
+                  </a:schemeClr>
+                </a:lnRef>
+                <a:fillRef idx="1">
+                  <a:schemeClr val="accent1"/>
+                </a:fillRef>
+                <a:effectRef idx="0">
+                  <a:schemeClr val="accent1"/>
+                </a:effectRef>
+                <a:fontRef idx="minor">
+                  <a:schemeClr val="lt1"/>
+                </a:fontRef>
+              </p:style>
+              <p:txBody>
+                <a:bodyPr rot="0" spcFirstLastPara="0" vertOverflow="overflow" horzOverflow="overflow" vert="horz" wrap="square" lIns="91440" tIns="45720" rIns="91440" bIns="45720" numCol="1" spcCol="0" rtlCol="0" fromWordArt="0" anchor="ctr" anchorCtr="0" forceAA="0" compatLnSpc="1">
+                  <a:prstTxWarp prst="textNoShape">
+                    <a:avLst/>
+                  </a:prstTxWarp>
+                  <a:noAutofit/>
+                </a:bodyPr>
+                <a:lstStyle/>
+                <a:p>
+                  <a:pPr algn="ctr"/>
+                  <a:endParaRPr lang="en-US"/>
+                </a:p>
+              </p:txBody>
+            </p:sp>
+            <p:sp>
+              <p:nvSpPr>
+                <p:cNvPr id="236" name="TextBox 235">
+                  <a:extLst>
+                    <a:ext uri="{FF2B5EF4-FFF2-40B4-BE49-F238E27FC236}">
+                      <a16:creationId xmlns:a16="http://schemas.microsoft.com/office/drawing/2014/main" id="{4732D5EC-7A39-48BA-A444-9DE8FD591000}"/>
+                    </a:ext>
+                  </a:extLst>
+                </p:cNvPr>
+                <p:cNvSpPr txBox="1"/>
+                <p:nvPr/>
+              </p:nvSpPr>
+              <p:spPr>
+                <a:xfrm>
+                  <a:off x="1544993" y="5351347"/>
+                  <a:ext cx="8686800" cy="830997"/>
+                </a:xfrm>
+                <a:prstGeom prst="rect">
+                  <a:avLst/>
+                </a:prstGeom>
+                <a:noFill/>
+              </p:spPr>
+              <p:txBody>
+                <a:bodyPr wrap="square" rtlCol="0">
+                  <a:spAutoFit/>
+                </a:bodyPr>
+                <a:lstStyle/>
+                <a:p>
+                  <a:pPr algn="ctr"/>
+                  <a:r>
+                    <a:rPr lang="en-US" sz="4800" dirty="0">
+                      <a:solidFill>
+                        <a:schemeClr val="bg1"/>
+                      </a:solidFill>
+                    </a:rPr>
+                    <a:t>Above Ground Tissue (</a:t>
+                  </a:r>
+                  <a:r>
+                    <a:rPr lang="en-US" sz="4800" dirty="0" err="1">
+                      <a:solidFill>
+                        <a:schemeClr val="bg1"/>
+                      </a:solidFill>
+                    </a:rPr>
+                    <a:t>RNASeq</a:t>
+                  </a:r>
+                  <a:r>
+                    <a:rPr lang="en-US" sz="4800" dirty="0">
+                      <a:solidFill>
+                        <a:schemeClr val="bg1"/>
+                      </a:solidFill>
+                    </a:rPr>
+                    <a:t>)</a:t>
+                  </a:r>
+                </a:p>
+              </p:txBody>
+            </p:sp>
+          </p:grpSp>
           <p:sp>
             <p:nvSpPr>
-              <p:cNvPr id="235" name="Rectangle 234">
+              <p:cNvPr id="237" name="Rectangle 236">
                 <a:extLst>
                   <a:ext uri="{FF2B5EF4-FFF2-40B4-BE49-F238E27FC236}">
-                    <a16:creationId xmlns:a16="http://schemas.microsoft.com/office/drawing/2014/main" id="{BD926064-BEF2-4D9A-B899-612EB29F25EE}"/>
+                    <a16:creationId xmlns:a16="http://schemas.microsoft.com/office/drawing/2014/main" id="{31FD0F99-819E-4A7D-86C2-194D32ACC0A3}"/>
                   </a:ext>
                 </a:extLst>
               </p:cNvPr>
@@ -14938,15 +15031,16 @@
             </p:nvSpPr>
             <p:spPr>
               <a:xfrm>
-                <a:off x="379445" y="5065570"/>
-                <a:ext cx="11017897" cy="1402553"/>
+                <a:off x="10849662" y="20285765"/>
+                <a:ext cx="17780676" cy="4421538"/>
               </a:xfrm>
               <a:prstGeom prst="rect">
                 <a:avLst/>
               </a:prstGeom>
               <a:solidFill>
-                <a:srgbClr val="2A4C7D"/>
+                <a:schemeClr val="bg1"/>
               </a:solidFill>
+              <a:ln w="38100"/>
             </p:spPr>
             <p:style>
               <a:lnRef idx="2">
@@ -14965,12 +15059,956 @@
               </a:fontRef>
             </p:style>
             <p:txBody>
-              <a:bodyPr rot="0" spcFirstLastPara="0" vertOverflow="overflow" horzOverflow="overflow" vert="horz" wrap="square" lIns="91440" tIns="45720" rIns="91440" bIns="45720" numCol="1" spcCol="0" rtlCol="0" fromWordArt="0" anchor="ctr" anchorCtr="0" forceAA="0" compatLnSpc="1">
-                <a:prstTxWarp prst="textNoShape">
+              <a:bodyPr rtlCol="0" anchor="ctr"/>
+              <a:lstStyle/>
+              <a:p>
+                <a:pPr algn="ctr"/>
+                <a:endParaRPr lang="en-US" dirty="0"/>
+              </a:p>
+            </p:txBody>
+          </p:sp>
+          <p:sp>
+            <p:nvSpPr>
+              <p:cNvPr id="239" name="Rectangle 238">
+                <a:extLst>
+                  <a:ext uri="{FF2B5EF4-FFF2-40B4-BE49-F238E27FC236}">
+                    <a16:creationId xmlns:a16="http://schemas.microsoft.com/office/drawing/2014/main" id="{C1B4B5EE-AFE4-4A93-9E0D-164C7E78A295}"/>
+                  </a:ext>
+                </a:extLst>
+              </p:cNvPr>
+              <p:cNvSpPr/>
+              <p:nvPr/>
+            </p:nvSpPr>
+            <p:spPr>
+              <a:xfrm>
+                <a:off x="10946481" y="23972495"/>
+                <a:ext cx="17582087" cy="615926"/>
+              </a:xfrm>
+              <a:prstGeom prst="rect">
+                <a:avLst/>
+              </a:prstGeom>
+              <a:noFill/>
+              <a:ln w="38100">
+                <a:solidFill>
+                  <a:srgbClr val="2A4C7D"/>
+                </a:solidFill>
+              </a:ln>
+            </p:spPr>
+            <p:style>
+              <a:lnRef idx="2">
+                <a:schemeClr val="accent1">
+                  <a:shade val="50000"/>
+                </a:schemeClr>
+              </a:lnRef>
+              <a:fillRef idx="1">
+                <a:schemeClr val="accent1"/>
+              </a:fillRef>
+              <a:effectRef idx="0">
+                <a:schemeClr val="accent1"/>
+              </a:effectRef>
+              <a:fontRef idx="minor">
+                <a:schemeClr val="lt1"/>
+              </a:fontRef>
+            </p:style>
+            <p:txBody>
+              <a:bodyPr rtlCol="0" anchor="ctr"/>
+              <a:lstStyle/>
+              <a:p>
+                <a:pPr algn="ctr"/>
+                <a:endParaRPr lang="en-US">
+                  <a:ln>
+                    <a:solidFill>
+                      <a:srgbClr val="2A4C7D"/>
+                    </a:solidFill>
+                  </a:ln>
+                  <a:noFill/>
+                </a:endParaRPr>
+              </a:p>
+            </p:txBody>
+          </p:sp>
+          <p:sp>
+            <p:nvSpPr>
+              <p:cNvPr id="240" name="TextBox 239">
+                <a:extLst>
+                  <a:ext uri="{FF2B5EF4-FFF2-40B4-BE49-F238E27FC236}">
+                    <a16:creationId xmlns:a16="http://schemas.microsoft.com/office/drawing/2014/main" id="{45FF1DC0-A5BA-4CF3-85E4-91CD60DD2A75}"/>
+                  </a:ext>
+                </a:extLst>
+              </p:cNvPr>
+              <p:cNvSpPr txBox="1"/>
+              <p:nvPr/>
+            </p:nvSpPr>
+            <p:spPr>
+              <a:xfrm>
+                <a:off x="10914170" y="23959794"/>
+                <a:ext cx="17706022" cy="923330"/>
+              </a:xfrm>
+              <a:prstGeom prst="rect">
+                <a:avLst/>
+              </a:prstGeom>
+              <a:noFill/>
+            </p:spPr>
+            <p:txBody>
+              <a:bodyPr wrap="square" rtlCol="0">
+                <a:spAutoFit/>
+              </a:bodyPr>
+              <a:lstStyle/>
+              <a:p>
+                <a:r>
+                  <a:rPr lang="en-US" b="1" dirty="0">
+                    <a:solidFill>
+                      <a:srgbClr val="0D0D0D"/>
+                    </a:solidFill>
+                    <a:ea typeface="Calibri"/>
+                    <a:cs typeface="Calibri"/>
+                    <a:sym typeface="Calibri"/>
+                  </a:rPr>
+                  <a:t>RNA-</a:t>
+                </a:r>
+                <a:r>
+                  <a:rPr lang="en-US" b="1" dirty="0" err="1">
+                    <a:solidFill>
+                      <a:srgbClr val="0D0D0D"/>
+                    </a:solidFill>
+                    <a:ea typeface="Calibri"/>
+                    <a:cs typeface="Calibri"/>
+                    <a:sym typeface="Calibri"/>
+                  </a:rPr>
+                  <a:t>seq</a:t>
+                </a:r>
+                <a:r>
+                  <a:rPr lang="en-US" b="1" dirty="0">
+                    <a:solidFill>
+                      <a:srgbClr val="0D0D0D"/>
+                    </a:solidFill>
+                    <a:ea typeface="Calibri"/>
+                    <a:cs typeface="Calibri"/>
+                    <a:sym typeface="Calibri"/>
+                  </a:rPr>
+                  <a:t> analyses were performed using the Tuxedo workflow at </a:t>
+                </a:r>
+                <a:r>
+                  <a:rPr lang="en-US" b="1" dirty="0" err="1">
+                    <a:solidFill>
+                      <a:srgbClr val="0D0D0D"/>
+                    </a:solidFill>
+                    <a:ea typeface="Calibri"/>
+                    <a:cs typeface="Calibri"/>
+                    <a:sym typeface="Calibri"/>
+                  </a:rPr>
+                  <a:t>CyVerse’s</a:t>
+                </a:r>
+                <a:r>
+                  <a:rPr lang="en-US" b="1" dirty="0">
+                    <a:solidFill>
+                      <a:srgbClr val="0D0D0D"/>
+                    </a:solidFill>
+                    <a:ea typeface="Calibri"/>
+                    <a:cs typeface="Calibri"/>
+                    <a:sym typeface="Calibri"/>
+                  </a:rPr>
+                  <a:t> Discovery Environment (http://www.cyverse.org/discovery- environment) and the maize reference genome AGPv4. </a:t>
+                </a:r>
+                <a:r>
+                  <a:rPr lang="en-US" b="1" dirty="0">
+                    <a:solidFill>
+                      <a:srgbClr val="FF0000"/>
+                    </a:solidFill>
+                    <a:ea typeface="Calibri"/>
+                    <a:cs typeface="Calibri"/>
+                    <a:sym typeface="Calibri"/>
+                  </a:rPr>
+                  <a:t>Genes names highlighted in red are statistically  different in B73 compared to Mo17 or W22 samples, or among root zones (q &lt; 0.05).</a:t>
+                </a:r>
+              </a:p>
+              <a:p>
+                <a:endParaRPr lang="en-US" dirty="0"/>
+              </a:p>
+            </p:txBody>
+          </p:sp>
+          <p:grpSp>
+            <p:nvGrpSpPr>
+              <p:cNvPr id="105" name="Group 104">
+                <a:extLst>
+                  <a:ext uri="{FF2B5EF4-FFF2-40B4-BE49-F238E27FC236}">
+                    <a16:creationId xmlns:a16="http://schemas.microsoft.com/office/drawing/2014/main" id="{7FB230BD-1A50-4AAC-9E18-31569E3BE7F5}"/>
+                  </a:ext>
+                </a:extLst>
+              </p:cNvPr>
+              <p:cNvGrpSpPr/>
+              <p:nvPr/>
+            </p:nvGrpSpPr>
+            <p:grpSpPr>
+              <a:xfrm>
+                <a:off x="10958963" y="20396840"/>
+                <a:ext cx="5407281" cy="3110445"/>
+                <a:chOff x="11016933" y="20523699"/>
+                <a:chExt cx="5407281" cy="3110445"/>
+              </a:xfrm>
+            </p:grpSpPr>
+            <p:grpSp>
+              <p:nvGrpSpPr>
+                <p:cNvPr id="102" name="Group 101">
+                  <a:extLst>
+                    <a:ext uri="{FF2B5EF4-FFF2-40B4-BE49-F238E27FC236}">
+                      <a16:creationId xmlns:a16="http://schemas.microsoft.com/office/drawing/2014/main" id="{BFEAA388-57A7-462C-83C7-33FF4CAF8B4E}"/>
+                    </a:ext>
+                  </a:extLst>
+                </p:cNvPr>
+                <p:cNvGrpSpPr/>
+                <p:nvPr/>
+              </p:nvGrpSpPr>
+              <p:grpSpPr>
+                <a:xfrm>
+                  <a:off x="13314573" y="20523699"/>
+                  <a:ext cx="3109641" cy="2834640"/>
+                  <a:chOff x="12325233" y="20571544"/>
+                  <a:chExt cx="3109641" cy="2834640"/>
+                </a:xfrm>
+              </p:grpSpPr>
+              <p:pic>
+                <p:nvPicPr>
+                  <p:cNvPr id="370" name="Content Placeholder 4">
+                    <a:extLst>
+                      <a:ext uri="{FF2B5EF4-FFF2-40B4-BE49-F238E27FC236}">
+                        <a16:creationId xmlns:a16="http://schemas.microsoft.com/office/drawing/2014/main" id="{8956D69A-1F5A-4A1A-9251-7711B992A2FB}"/>
+                      </a:ext>
+                    </a:extLst>
+                  </p:cNvPr>
+                  <p:cNvPicPr>
+                    <a:picLocks noChangeAspect="1"/>
+                  </p:cNvPicPr>
+                  <p:nvPr/>
+                </p:nvPicPr>
+                <p:blipFill rotWithShape="1">
+                  <a:blip r:embed="rId7">
+                    <a:extLst>
+                      <a:ext uri="{28A0092B-C50C-407E-A947-70E740481C1C}">
+                        <a14:useLocalDpi xmlns:a14="http://schemas.microsoft.com/office/drawing/2010/main" val="0"/>
+                      </a:ext>
+                    </a:extLst>
+                  </a:blip>
+                  <a:srcRect l="31388" t="2585" r="29908" b="10038"/>
+                  <a:stretch/>
+                </p:blipFill>
+                <p:spPr>
+                  <a:xfrm>
+                    <a:off x="12325233" y="20571544"/>
+                    <a:ext cx="1971336" cy="2834640"/>
+                  </a:xfrm>
+                  <a:prstGeom prst="rect">
+                    <a:avLst/>
+                  </a:prstGeom>
+                </p:spPr>
+              </p:pic>
+              <p:pic>
+                <p:nvPicPr>
+                  <p:cNvPr id="373" name="Content Placeholder 4">
+                    <a:extLst>
+                      <a:ext uri="{FF2B5EF4-FFF2-40B4-BE49-F238E27FC236}">
+                        <a16:creationId xmlns:a16="http://schemas.microsoft.com/office/drawing/2014/main" id="{719AA162-8850-43D9-98CB-3E8A23C83F39}"/>
+                      </a:ext>
+                    </a:extLst>
+                  </p:cNvPr>
+                  <p:cNvPicPr>
+                    <a:picLocks noChangeAspect="1"/>
+                  </p:cNvPicPr>
+                  <p:nvPr/>
+                </p:nvPicPr>
+                <p:blipFill rotWithShape="1">
+                  <a:blip r:embed="rId7">
+                    <a:extLst>
+                      <a:ext uri="{28A0092B-C50C-407E-A947-70E740481C1C}">
+                        <a14:useLocalDpi xmlns:a14="http://schemas.microsoft.com/office/drawing/2010/main" val="0"/>
+                      </a:ext>
+                    </a:extLst>
+                  </a:blip>
+                  <a:srcRect l="71504" t="25240" r="2804" b="31451"/>
+                  <a:stretch/>
+                </p:blipFill>
+                <p:spPr>
+                  <a:xfrm>
+                    <a:off x="14296569" y="21377788"/>
+                    <a:ext cx="1138305" cy="1222149"/>
+                  </a:xfrm>
+                  <a:prstGeom prst="rect">
+                    <a:avLst/>
+                  </a:prstGeom>
+                </p:spPr>
+              </p:pic>
+            </p:grpSp>
+            <p:sp>
+              <p:nvSpPr>
+                <p:cNvPr id="103" name="Rectangle 102">
+                  <a:extLst>
+                    <a:ext uri="{FF2B5EF4-FFF2-40B4-BE49-F238E27FC236}">
+                      <a16:creationId xmlns:a16="http://schemas.microsoft.com/office/drawing/2014/main" id="{59B5D820-979D-41A4-8106-71C42282C9D7}"/>
+                    </a:ext>
+                  </a:extLst>
+                </p:cNvPr>
+                <p:cNvSpPr/>
+                <p:nvPr/>
+              </p:nvSpPr>
+              <p:spPr>
+                <a:xfrm>
+                  <a:off x="11016933" y="20661477"/>
+                  <a:ext cx="2606642" cy="2539157"/>
+                </a:xfrm>
+                <a:prstGeom prst="rect">
                   <a:avLst/>
-                </a:prstTxWarp>
-                <a:noAutofit/>
-              </a:bodyPr>
+                </a:prstGeom>
+              </p:spPr>
+              <p:txBody>
+                <a:bodyPr wrap="square">
+                  <a:spAutoFit/>
+                </a:bodyPr>
+                <a:lstStyle/>
+                <a:p>
+                  <a:pPr>
+                    <a:lnSpc>
+                      <a:spcPct val="200000"/>
+                    </a:lnSpc>
+                    <a:spcBef>
+                      <a:spcPts val="600"/>
+                    </a:spcBef>
+                  </a:pPr>
+                  <a:r>
+                    <a:rPr lang="en-US" dirty="0"/>
+                    <a:t>Zm00001d045909 </a:t>
+                  </a:r>
+                  <a:endParaRPr lang="en-US" dirty="0">
+                    <a:solidFill>
+                      <a:srgbClr val="FF0000"/>
+                    </a:solidFill>
+                  </a:endParaRPr>
+                </a:p>
+                <a:p>
+                  <a:pPr>
+                    <a:lnSpc>
+                      <a:spcPct val="200000"/>
+                    </a:lnSpc>
+                    <a:spcBef>
+                      <a:spcPts val="600"/>
+                    </a:spcBef>
+                  </a:pPr>
+                  <a:r>
+                    <a:rPr lang="en-US" dirty="0">
+                      <a:solidFill>
+                        <a:srgbClr val="FF0000"/>
+                      </a:solidFill>
+                    </a:rPr>
+                    <a:t>Zm00001d036345_PSY1</a:t>
+                  </a:r>
+                </a:p>
+                <a:p>
+                  <a:pPr>
+                    <a:lnSpc>
+                      <a:spcPct val="200000"/>
+                    </a:lnSpc>
+                    <a:spcBef>
+                      <a:spcPts val="600"/>
+                    </a:spcBef>
+                  </a:pPr>
+                  <a:r>
+                    <a:rPr lang="en-US" dirty="0"/>
+                    <a:t>Zm00001d021410_PSY3</a:t>
+                  </a:r>
+                  <a:endParaRPr lang="en-US" dirty="0">
+                    <a:solidFill>
+                      <a:srgbClr val="FF0000"/>
+                    </a:solidFill>
+                  </a:endParaRPr>
+                </a:p>
+                <a:p>
+                  <a:pPr>
+                    <a:lnSpc>
+                      <a:spcPct val="200000"/>
+                    </a:lnSpc>
+                    <a:spcBef>
+                      <a:spcPts val="600"/>
+                    </a:spcBef>
+                  </a:pPr>
+                  <a:r>
+                    <a:rPr lang="en-US" dirty="0">
+                      <a:solidFill>
+                        <a:srgbClr val="FF0000"/>
+                      </a:solidFill>
+                    </a:rPr>
+                    <a:t>Zm00001d012394_PSY2</a:t>
+                  </a:r>
+                </a:p>
+              </p:txBody>
+            </p:sp>
+            <p:sp>
+              <p:nvSpPr>
+                <p:cNvPr id="104" name="TextBox 103">
+                  <a:extLst>
+                    <a:ext uri="{FF2B5EF4-FFF2-40B4-BE49-F238E27FC236}">
+                      <a16:creationId xmlns:a16="http://schemas.microsoft.com/office/drawing/2014/main" id="{95854F98-B7C9-4484-8D28-1B2BE47592BC}"/>
+                    </a:ext>
+                  </a:extLst>
+                </p:cNvPr>
+                <p:cNvSpPr txBox="1"/>
+                <p:nvPr/>
+              </p:nvSpPr>
+              <p:spPr>
+                <a:xfrm>
+                  <a:off x="13379758" y="23264812"/>
+                  <a:ext cx="1733210" cy="369332"/>
+                </a:xfrm>
+                <a:prstGeom prst="rect">
+                  <a:avLst/>
+                </a:prstGeom>
+                <a:noFill/>
+              </p:spPr>
+              <p:txBody>
+                <a:bodyPr wrap="square" rtlCol="0">
+                  <a:spAutoFit/>
+                </a:bodyPr>
+                <a:lstStyle/>
+                <a:p>
+                  <a:r>
+                    <a:rPr lang="en-US" dirty="0"/>
+                    <a:t>Ear    Leaf   Stem</a:t>
+                  </a:r>
+                </a:p>
+              </p:txBody>
+            </p:sp>
+          </p:grpSp>
+          <p:grpSp>
+            <p:nvGrpSpPr>
+              <p:cNvPr id="106" name="Group 105">
+                <a:extLst>
+                  <a:ext uri="{FF2B5EF4-FFF2-40B4-BE49-F238E27FC236}">
+                    <a16:creationId xmlns:a16="http://schemas.microsoft.com/office/drawing/2014/main" id="{2BAB59DD-22E4-4880-AA08-03AC732B7EE9}"/>
+                  </a:ext>
+                </a:extLst>
+              </p:cNvPr>
+              <p:cNvGrpSpPr/>
+              <p:nvPr/>
+            </p:nvGrpSpPr>
+            <p:grpSpPr>
+              <a:xfrm>
+                <a:off x="16439293" y="20571544"/>
+                <a:ext cx="6086744" cy="2352346"/>
+                <a:chOff x="16477393" y="20571544"/>
+                <a:chExt cx="6086744" cy="2352346"/>
+              </a:xfrm>
+            </p:grpSpPr>
+            <p:grpSp>
+              <p:nvGrpSpPr>
+                <p:cNvPr id="101" name="Group 100">
+                  <a:extLst>
+                    <a:ext uri="{FF2B5EF4-FFF2-40B4-BE49-F238E27FC236}">
+                      <a16:creationId xmlns:a16="http://schemas.microsoft.com/office/drawing/2014/main" id="{B7FF9BBD-060A-40B7-8BDA-4493261C193A}"/>
+                    </a:ext>
+                  </a:extLst>
+                </p:cNvPr>
+                <p:cNvGrpSpPr/>
+                <p:nvPr/>
+              </p:nvGrpSpPr>
+              <p:grpSpPr>
+                <a:xfrm>
+                  <a:off x="18817931" y="20571544"/>
+                  <a:ext cx="3746206" cy="2103120"/>
+                  <a:chOff x="16423253" y="20616924"/>
+                  <a:chExt cx="3746206" cy="2103120"/>
+                </a:xfrm>
+              </p:grpSpPr>
+              <p:pic>
+                <p:nvPicPr>
+                  <p:cNvPr id="371" name="Content Placeholder 4">
+                    <a:extLst>
+                      <a:ext uri="{FF2B5EF4-FFF2-40B4-BE49-F238E27FC236}">
+                        <a16:creationId xmlns:a16="http://schemas.microsoft.com/office/drawing/2014/main" id="{3ED16B21-1684-438F-800F-17E4B152B442}"/>
+                      </a:ext>
+                    </a:extLst>
+                  </p:cNvPr>
+                  <p:cNvPicPr>
+                    <a:picLocks noChangeAspect="1"/>
+                  </p:cNvPicPr>
+                  <p:nvPr/>
+                </p:nvPicPr>
+                <p:blipFill rotWithShape="1">
+                  <a:blip r:embed="rId8">
+                    <a:extLst>
+                      <a:ext uri="{28A0092B-C50C-407E-A947-70E740481C1C}">
+                        <a14:useLocalDpi xmlns:a14="http://schemas.microsoft.com/office/drawing/2010/main" val="0"/>
+                      </a:ext>
+                    </a:extLst>
+                  </a:blip>
+                  <a:srcRect l="24846" t="4710" r="23045" b="9727"/>
+                  <a:stretch/>
+                </p:blipFill>
+                <p:spPr>
+                  <a:xfrm>
+                    <a:off x="16423253" y="20616924"/>
+                    <a:ext cx="2613322" cy="2103120"/>
+                  </a:xfrm>
+                  <a:prstGeom prst="rect">
+                    <a:avLst/>
+                  </a:prstGeom>
+                </p:spPr>
+              </p:pic>
+              <p:pic>
+                <p:nvPicPr>
+                  <p:cNvPr id="375" name="Content Placeholder 4">
+                    <a:extLst>
+                      <a:ext uri="{FF2B5EF4-FFF2-40B4-BE49-F238E27FC236}">
+                        <a16:creationId xmlns:a16="http://schemas.microsoft.com/office/drawing/2014/main" id="{65007B4B-E7DC-46C0-87FC-413A38F3BF74}"/>
+                      </a:ext>
+                    </a:extLst>
+                  </p:cNvPr>
+                  <p:cNvPicPr>
+                    <a:picLocks noChangeAspect="1"/>
+                  </p:cNvPicPr>
+                  <p:nvPr/>
+                </p:nvPicPr>
+                <p:blipFill rotWithShape="1">
+                  <a:blip r:embed="rId7">
+                    <a:extLst>
+                      <a:ext uri="{28A0092B-C50C-407E-A947-70E740481C1C}">
+                        <a14:useLocalDpi xmlns:a14="http://schemas.microsoft.com/office/drawing/2010/main" val="0"/>
+                      </a:ext>
+                    </a:extLst>
+                  </a:blip>
+                  <a:srcRect l="71504" t="25240" r="2804" b="31451"/>
+                  <a:stretch/>
+                </p:blipFill>
+                <p:spPr>
+                  <a:xfrm>
+                    <a:off x="19031154" y="21377789"/>
+                    <a:ext cx="1138305" cy="1222149"/>
+                  </a:xfrm>
+                  <a:prstGeom prst="rect">
+                    <a:avLst/>
+                  </a:prstGeom>
+                </p:spPr>
+              </p:pic>
+            </p:grpSp>
+            <p:sp>
+              <p:nvSpPr>
+                <p:cNvPr id="377" name="Rectangle 376">
+                  <a:extLst>
+                    <a:ext uri="{FF2B5EF4-FFF2-40B4-BE49-F238E27FC236}">
+                      <a16:creationId xmlns:a16="http://schemas.microsoft.com/office/drawing/2014/main" id="{758DE261-6462-4608-ABF1-08DD1C90F5D9}"/>
+                    </a:ext>
+                  </a:extLst>
+                </p:cNvPr>
+                <p:cNvSpPr/>
+                <p:nvPr/>
+              </p:nvSpPr>
+              <p:spPr>
+                <a:xfrm>
+                  <a:off x="16477393" y="20582892"/>
+                  <a:ext cx="2606642" cy="1908215"/>
+                </a:xfrm>
+                <a:prstGeom prst="rect">
+                  <a:avLst/>
+                </a:prstGeom>
+              </p:spPr>
+              <p:txBody>
+                <a:bodyPr wrap="square">
+                  <a:spAutoFit/>
+                </a:bodyPr>
+                <a:lstStyle/>
+                <a:p>
+                  <a:pPr>
+                    <a:lnSpc>
+                      <a:spcPct val="200000"/>
+                    </a:lnSpc>
+                    <a:spcBef>
+                      <a:spcPts val="600"/>
+                    </a:spcBef>
+                  </a:pPr>
+                  <a:r>
+                    <a:rPr lang="en-US" dirty="0"/>
+                    <a:t> </a:t>
+                  </a:r>
+                  <a:r>
+                    <a:rPr lang="en-US" dirty="0">
+                      <a:solidFill>
+                        <a:srgbClr val="FF0000"/>
+                      </a:solidFill>
+                    </a:rPr>
+                    <a:t>Zm00001d036345_PSY1</a:t>
+                  </a:r>
+                </a:p>
+                <a:p>
+                  <a:pPr>
+                    <a:lnSpc>
+                      <a:spcPct val="200000"/>
+                    </a:lnSpc>
+                    <a:spcBef>
+                      <a:spcPts val="600"/>
+                    </a:spcBef>
+                  </a:pPr>
+                  <a:r>
+                    <a:rPr lang="en-US" dirty="0"/>
+                    <a:t>Zm00001d021410_PSY3</a:t>
+                  </a:r>
+                  <a:endParaRPr lang="en-US" dirty="0">
+                    <a:solidFill>
+                      <a:srgbClr val="FF0000"/>
+                    </a:solidFill>
+                  </a:endParaRPr>
+                </a:p>
+                <a:p>
+                  <a:pPr>
+                    <a:lnSpc>
+                      <a:spcPct val="200000"/>
+                    </a:lnSpc>
+                    <a:spcBef>
+                      <a:spcPts val="600"/>
+                    </a:spcBef>
+                  </a:pPr>
+                  <a:r>
+                    <a:rPr lang="en-US" dirty="0">
+                      <a:solidFill>
+                        <a:srgbClr val="FF0000"/>
+                      </a:solidFill>
+                    </a:rPr>
+                    <a:t>Zm00001d012394_PSY2</a:t>
+                  </a:r>
+                </a:p>
+              </p:txBody>
+            </p:sp>
+            <p:sp>
+              <p:nvSpPr>
+                <p:cNvPr id="378" name="TextBox 377">
+                  <a:extLst>
+                    <a:ext uri="{FF2B5EF4-FFF2-40B4-BE49-F238E27FC236}">
+                      <a16:creationId xmlns:a16="http://schemas.microsoft.com/office/drawing/2014/main" id="{F26921A8-8BF2-4A70-B5AE-6B5D42AFE6EC}"/>
+                    </a:ext>
+                  </a:extLst>
+                </p:cNvPr>
+                <p:cNvSpPr txBox="1"/>
+                <p:nvPr/>
+              </p:nvSpPr>
+              <p:spPr>
+                <a:xfrm>
+                  <a:off x="18880560" y="22554558"/>
+                  <a:ext cx="2393400" cy="369332"/>
+                </a:xfrm>
+                <a:prstGeom prst="rect">
+                  <a:avLst/>
+                </a:prstGeom>
+                <a:noFill/>
+              </p:spPr>
+              <p:txBody>
+                <a:bodyPr wrap="square" rtlCol="0">
+                  <a:spAutoFit/>
+                </a:bodyPr>
+                <a:lstStyle/>
+                <a:p>
+                  <a:r>
+                    <a:rPr lang="en-US" dirty="0"/>
+                    <a:t>   Ear          Leaf       Stem</a:t>
+                  </a:r>
+                </a:p>
+              </p:txBody>
+            </p:sp>
+          </p:grpSp>
+          <p:grpSp>
+            <p:nvGrpSpPr>
+              <p:cNvPr id="107" name="Group 106">
+                <a:extLst>
+                  <a:ext uri="{FF2B5EF4-FFF2-40B4-BE49-F238E27FC236}">
+                    <a16:creationId xmlns:a16="http://schemas.microsoft.com/office/drawing/2014/main" id="{82E1612C-7274-4E95-9FB8-6BE947B1B506}"/>
+                  </a:ext>
+                </a:extLst>
+              </p:cNvPr>
+              <p:cNvGrpSpPr/>
+              <p:nvPr/>
+            </p:nvGrpSpPr>
+            <p:grpSpPr>
+              <a:xfrm>
+                <a:off x="22526245" y="20548926"/>
+                <a:ext cx="6002323" cy="2374964"/>
+                <a:chOff x="22526245" y="20548926"/>
+                <a:chExt cx="6002323" cy="2374964"/>
+              </a:xfrm>
+            </p:grpSpPr>
+            <p:grpSp>
+              <p:nvGrpSpPr>
+                <p:cNvPr id="100" name="Group 99">
+                  <a:extLst>
+                    <a:ext uri="{FF2B5EF4-FFF2-40B4-BE49-F238E27FC236}">
+                      <a16:creationId xmlns:a16="http://schemas.microsoft.com/office/drawing/2014/main" id="{9A1AB8B0-81F7-441F-8930-AB1E8CD71824}"/>
+                    </a:ext>
+                  </a:extLst>
+                </p:cNvPr>
+                <p:cNvGrpSpPr/>
+                <p:nvPr/>
+              </p:nvGrpSpPr>
+              <p:grpSpPr>
+                <a:xfrm>
+                  <a:off x="24874753" y="20548926"/>
+                  <a:ext cx="3653815" cy="2103120"/>
+                  <a:chOff x="21592357" y="20595659"/>
+                  <a:chExt cx="3653815" cy="2103120"/>
+                </a:xfrm>
+              </p:grpSpPr>
+              <p:pic>
+                <p:nvPicPr>
+                  <p:cNvPr id="372" name="Content Placeholder 4">
+                    <a:extLst>
+                      <a:ext uri="{FF2B5EF4-FFF2-40B4-BE49-F238E27FC236}">
+                        <a16:creationId xmlns:a16="http://schemas.microsoft.com/office/drawing/2014/main" id="{019A0F55-A0FF-4E1B-98BD-73F2CDC33EEE}"/>
+                      </a:ext>
+                    </a:extLst>
+                  </p:cNvPr>
+                  <p:cNvPicPr>
+                    <a:picLocks noChangeAspect="1"/>
+                  </p:cNvPicPr>
+                  <p:nvPr/>
+                </p:nvPicPr>
+                <p:blipFill rotWithShape="1">
+                  <a:blip r:embed="rId9">
+                    <a:extLst>
+                      <a:ext uri="{28A0092B-C50C-407E-A947-70E740481C1C}">
+                        <a14:useLocalDpi xmlns:a14="http://schemas.microsoft.com/office/drawing/2010/main" val="0"/>
+                      </a:ext>
+                    </a:extLst>
+                  </a:blip>
+                  <a:srcRect l="24596" t="6077" r="24938" b="11508"/>
+                  <a:stretch/>
+                </p:blipFill>
+                <p:spPr>
+                  <a:xfrm>
+                    <a:off x="21592357" y="20595659"/>
+                    <a:ext cx="2370006" cy="2103120"/>
+                  </a:xfrm>
+                  <a:prstGeom prst="rect">
+                    <a:avLst/>
+                  </a:prstGeom>
+                </p:spPr>
+              </p:pic>
+              <p:pic>
+                <p:nvPicPr>
+                  <p:cNvPr id="376" name="Content Placeholder 4">
+                    <a:extLst>
+                      <a:ext uri="{FF2B5EF4-FFF2-40B4-BE49-F238E27FC236}">
+                        <a16:creationId xmlns:a16="http://schemas.microsoft.com/office/drawing/2014/main" id="{44E08A18-2117-499A-90D0-C926F6851A3B}"/>
+                      </a:ext>
+                    </a:extLst>
+                  </p:cNvPr>
+                  <p:cNvPicPr>
+                    <a:picLocks noChangeAspect="1"/>
+                  </p:cNvPicPr>
+                  <p:nvPr/>
+                </p:nvPicPr>
+                <p:blipFill rotWithShape="1">
+                  <a:blip r:embed="rId7">
+                    <a:extLst>
+                      <a:ext uri="{28A0092B-C50C-407E-A947-70E740481C1C}">
+                        <a14:useLocalDpi xmlns:a14="http://schemas.microsoft.com/office/drawing/2010/main" val="0"/>
+                      </a:ext>
+                    </a:extLst>
+                  </a:blip>
+                  <a:srcRect l="71504" t="25240" r="2804" b="31451"/>
+                  <a:stretch/>
+                </p:blipFill>
+                <p:spPr>
+                  <a:xfrm>
+                    <a:off x="24107867" y="21377788"/>
+                    <a:ext cx="1138305" cy="1222149"/>
+                  </a:xfrm>
+                  <a:prstGeom prst="rect">
+                    <a:avLst/>
+                  </a:prstGeom>
+                </p:spPr>
+              </p:pic>
+            </p:grpSp>
+            <p:sp>
+              <p:nvSpPr>
+                <p:cNvPr id="379" name="Rectangle 378">
+                  <a:extLst>
+                    <a:ext uri="{FF2B5EF4-FFF2-40B4-BE49-F238E27FC236}">
+                      <a16:creationId xmlns:a16="http://schemas.microsoft.com/office/drawing/2014/main" id="{3FD806C0-5CF5-4BA2-AD12-F9590CC7CC2B}"/>
+                    </a:ext>
+                  </a:extLst>
+                </p:cNvPr>
+                <p:cNvSpPr/>
+                <p:nvPr/>
+              </p:nvSpPr>
+              <p:spPr>
+                <a:xfrm>
+                  <a:off x="22526245" y="20582891"/>
+                  <a:ext cx="2606642" cy="1908215"/>
+                </a:xfrm>
+                <a:prstGeom prst="rect">
+                  <a:avLst/>
+                </a:prstGeom>
+              </p:spPr>
+              <p:txBody>
+                <a:bodyPr wrap="square">
+                  <a:spAutoFit/>
+                </a:bodyPr>
+                <a:lstStyle/>
+                <a:p>
+                  <a:pPr>
+                    <a:lnSpc>
+                      <a:spcPct val="200000"/>
+                    </a:lnSpc>
+                    <a:spcBef>
+                      <a:spcPts val="600"/>
+                    </a:spcBef>
+                  </a:pPr>
+                  <a:r>
+                    <a:rPr lang="en-US" dirty="0"/>
+                    <a:t> </a:t>
+                  </a:r>
+                  <a:r>
+                    <a:rPr lang="en-US" dirty="0">
+                      <a:solidFill>
+                        <a:srgbClr val="FF0000"/>
+                      </a:solidFill>
+                    </a:rPr>
+                    <a:t>Zm00001d036345_PSY1</a:t>
+                  </a:r>
+                </a:p>
+                <a:p>
+                  <a:pPr>
+                    <a:lnSpc>
+                      <a:spcPct val="200000"/>
+                    </a:lnSpc>
+                    <a:spcBef>
+                      <a:spcPts val="600"/>
+                    </a:spcBef>
+                  </a:pPr>
+                  <a:r>
+                    <a:rPr lang="en-US" dirty="0"/>
+                    <a:t>Zm00001d021410_PSY3</a:t>
+                  </a:r>
+                  <a:endParaRPr lang="en-US" dirty="0">
+                    <a:solidFill>
+                      <a:srgbClr val="FF0000"/>
+                    </a:solidFill>
+                  </a:endParaRPr>
+                </a:p>
+                <a:p>
+                  <a:pPr>
+                    <a:lnSpc>
+                      <a:spcPct val="200000"/>
+                    </a:lnSpc>
+                    <a:spcBef>
+                      <a:spcPts val="600"/>
+                    </a:spcBef>
+                  </a:pPr>
+                  <a:r>
+                    <a:rPr lang="en-US" dirty="0">
+                      <a:solidFill>
+                        <a:srgbClr val="FF0000"/>
+                      </a:solidFill>
+                    </a:rPr>
+                    <a:t>Zm00001d012394_PSY2</a:t>
+                  </a:r>
+                </a:p>
+              </p:txBody>
+            </p:sp>
+            <p:sp>
+              <p:nvSpPr>
+                <p:cNvPr id="380" name="TextBox 379">
+                  <a:extLst>
+                    <a:ext uri="{FF2B5EF4-FFF2-40B4-BE49-F238E27FC236}">
+                      <a16:creationId xmlns:a16="http://schemas.microsoft.com/office/drawing/2014/main" id="{DBBADDEC-8D0D-4D0E-A110-FC6C3D46955A}"/>
+                    </a:ext>
+                  </a:extLst>
+                </p:cNvPr>
+                <p:cNvSpPr txBox="1"/>
+                <p:nvPr/>
+              </p:nvSpPr>
+              <p:spPr>
+                <a:xfrm>
+                  <a:off x="24851359" y="22554558"/>
+                  <a:ext cx="2393400" cy="369332"/>
+                </a:xfrm>
+                <a:prstGeom prst="rect">
+                  <a:avLst/>
+                </a:prstGeom>
+                <a:noFill/>
+              </p:spPr>
+              <p:txBody>
+                <a:bodyPr wrap="square" rtlCol="0">
+                  <a:spAutoFit/>
+                </a:bodyPr>
+                <a:lstStyle/>
+                <a:p>
+                  <a:r>
+                    <a:rPr lang="en-US" dirty="0"/>
+                    <a:t>   Ear          Leaf       Stem</a:t>
+                  </a:r>
+                </a:p>
+              </p:txBody>
+            </p:sp>
+          </p:grpSp>
+        </p:grpSp>
+        <p:grpSp>
+          <p:nvGrpSpPr>
+            <p:cNvPr id="115" name="Group 114">
+              <a:extLst>
+                <a:ext uri="{FF2B5EF4-FFF2-40B4-BE49-F238E27FC236}">
+                  <a16:creationId xmlns:a16="http://schemas.microsoft.com/office/drawing/2014/main" id="{E1E7793D-A7C1-459F-BB52-51DAB9D026B7}"/>
+                </a:ext>
+              </a:extLst>
+            </p:cNvPr>
+            <p:cNvGrpSpPr/>
+            <p:nvPr/>
+          </p:nvGrpSpPr>
+          <p:grpSpPr>
+            <a:xfrm>
+              <a:off x="10832186" y="20290178"/>
+              <a:ext cx="5356218" cy="3545387"/>
+              <a:chOff x="10832186" y="20290178"/>
+              <a:chExt cx="5356218" cy="3545387"/>
+            </a:xfrm>
+          </p:grpSpPr>
+          <p:sp>
+            <p:nvSpPr>
+              <p:cNvPr id="109" name="Rectangle 108">
+                <a:extLst>
+                  <a:ext uri="{FF2B5EF4-FFF2-40B4-BE49-F238E27FC236}">
+                    <a16:creationId xmlns:a16="http://schemas.microsoft.com/office/drawing/2014/main" id="{21243DE7-4310-4C28-9D96-C406276617E4}"/>
+                  </a:ext>
+                </a:extLst>
+              </p:cNvPr>
+              <p:cNvSpPr/>
+              <p:nvPr/>
+            </p:nvSpPr>
+            <p:spPr>
+              <a:xfrm>
+                <a:off x="10832186" y="20290178"/>
+                <a:ext cx="5356218" cy="3110446"/>
+              </a:xfrm>
+              <a:prstGeom prst="rect">
+                <a:avLst/>
+              </a:prstGeom>
+              <a:noFill/>
+              <a:ln w="57150">
+                <a:solidFill>
+                  <a:srgbClr val="00B050"/>
+                </a:solidFill>
+              </a:ln>
+            </p:spPr>
+            <p:style>
+              <a:lnRef idx="2">
+                <a:schemeClr val="accent1">
+                  <a:shade val="50000"/>
+                </a:schemeClr>
+              </a:lnRef>
+              <a:fillRef idx="1">
+                <a:schemeClr val="accent1"/>
+              </a:fillRef>
+              <a:effectRef idx="0">
+                <a:schemeClr val="accent1"/>
+              </a:effectRef>
+              <a:fontRef idx="minor">
+                <a:schemeClr val="lt1"/>
+              </a:fontRef>
+            </p:style>
+            <p:txBody>
+              <a:bodyPr rtlCol="0" anchor="ctr"/>
               <a:lstStyle/>
               <a:p>
                 <a:pPr algn="ctr"/>
@@ -14980,10 +16018,10 @@
           </p:sp>
           <p:sp>
             <p:nvSpPr>
-              <p:cNvPr id="236" name="TextBox 235">
+              <p:cNvPr id="112" name="TextBox 111">
                 <a:extLst>
                   <a:ext uri="{FF2B5EF4-FFF2-40B4-BE49-F238E27FC236}">
-                    <a16:creationId xmlns:a16="http://schemas.microsoft.com/office/drawing/2014/main" id="{4732D5EC-7A39-48BA-A444-9DE8FD591000}"/>
+                    <a16:creationId xmlns:a16="http://schemas.microsoft.com/office/drawing/2014/main" id="{BBB1FBD6-54C6-45F0-9747-7F6213E1CA3E}"/>
                   </a:ext>
                 </a:extLst>
               </p:cNvPr>
@@ -14992,8 +16030,8 @@
             </p:nvSpPr>
             <p:spPr>
               <a:xfrm>
-                <a:off x="1544993" y="5351347"/>
-                <a:ext cx="8686800" cy="830997"/>
+                <a:off x="13090358" y="23435455"/>
+                <a:ext cx="629664" cy="400110"/>
               </a:xfrm>
               <a:prstGeom prst="rect">
                 <a:avLst/>
@@ -15008,39 +16046,258 @@
               <a:p>
                 <a:pPr algn="ctr"/>
                 <a:r>
-                  <a:rPr lang="en-US" sz="4800" dirty="0">
-                    <a:solidFill>
-                      <a:schemeClr val="bg1"/>
-                    </a:solidFill>
-                  </a:rPr>
-                  <a:t>Above Ground Tissue (</a:t>
-                </a:r>
-                <a:r>
-                  <a:rPr lang="en-US" sz="4800" dirty="0" err="1">
-                    <a:solidFill>
-                      <a:schemeClr val="bg1"/>
-                    </a:solidFill>
-                  </a:rPr>
-                  <a:t>RNASeq</a:t>
-                </a:r>
-                <a:r>
-                  <a:rPr lang="en-US" sz="4800" dirty="0">
-                    <a:solidFill>
-                      <a:schemeClr val="bg1"/>
-                    </a:solidFill>
-                  </a:rPr>
-                  <a:t>)</a:t>
+                  <a:rPr lang="en-US" sz="2000" b="1" dirty="0"/>
+                  <a:t>B73</a:t>
                 </a:r>
               </a:p>
             </p:txBody>
           </p:sp>
         </p:grpSp>
+        <p:grpSp>
+          <p:nvGrpSpPr>
+            <p:cNvPr id="114" name="Group 113">
+              <a:extLst>
+                <a:ext uri="{FF2B5EF4-FFF2-40B4-BE49-F238E27FC236}">
+                  <a16:creationId xmlns:a16="http://schemas.microsoft.com/office/drawing/2014/main" id="{CBB9B7B5-3B27-458A-BC4D-DD58EDF0FCF6}"/>
+                </a:ext>
+              </a:extLst>
+            </p:cNvPr>
+            <p:cNvGrpSpPr/>
+            <p:nvPr/>
+          </p:nvGrpSpPr>
+          <p:grpSpPr>
+            <a:xfrm>
+              <a:off x="16292219" y="20307442"/>
+              <a:ext cx="6030830" cy="3519491"/>
+              <a:chOff x="16292219" y="20307442"/>
+              <a:chExt cx="6030830" cy="3519491"/>
+            </a:xfrm>
+          </p:grpSpPr>
+          <p:sp>
+            <p:nvSpPr>
+              <p:cNvPr id="381" name="Rectangle 380">
+                <a:extLst>
+                  <a:ext uri="{FF2B5EF4-FFF2-40B4-BE49-F238E27FC236}">
+                    <a16:creationId xmlns:a16="http://schemas.microsoft.com/office/drawing/2014/main" id="{F72CA97F-44D3-4C71-99D8-F28E919F46FF}"/>
+                  </a:ext>
+                </a:extLst>
+              </p:cNvPr>
+              <p:cNvSpPr/>
+              <p:nvPr/>
+            </p:nvSpPr>
+            <p:spPr>
+              <a:xfrm>
+                <a:off x="16292219" y="20307442"/>
+                <a:ext cx="6030830" cy="3110446"/>
+              </a:xfrm>
+              <a:prstGeom prst="rect">
+                <a:avLst/>
+              </a:prstGeom>
+              <a:noFill/>
+              <a:ln w="57150">
+                <a:solidFill>
+                  <a:srgbClr val="7030A0"/>
+                </a:solidFill>
+              </a:ln>
+            </p:spPr>
+            <p:style>
+              <a:lnRef idx="2">
+                <a:schemeClr val="accent1">
+                  <a:shade val="50000"/>
+                </a:schemeClr>
+              </a:lnRef>
+              <a:fillRef idx="1">
+                <a:schemeClr val="accent1"/>
+              </a:fillRef>
+              <a:effectRef idx="0">
+                <a:schemeClr val="accent1"/>
+              </a:effectRef>
+              <a:fontRef idx="minor">
+                <a:schemeClr val="lt1"/>
+              </a:fontRef>
+            </p:style>
+            <p:txBody>
+              <a:bodyPr rtlCol="0" anchor="ctr"/>
+              <a:lstStyle/>
+              <a:p>
+                <a:pPr algn="ctr"/>
+                <a:endParaRPr lang="en-US"/>
+              </a:p>
+            </p:txBody>
+          </p:sp>
+          <p:sp>
+            <p:nvSpPr>
+              <p:cNvPr id="383" name="TextBox 382">
+                <a:extLst>
+                  <a:ext uri="{FF2B5EF4-FFF2-40B4-BE49-F238E27FC236}">
+                    <a16:creationId xmlns:a16="http://schemas.microsoft.com/office/drawing/2014/main" id="{D11C669E-7644-41ED-9D1F-EF7E134EB20F}"/>
+                  </a:ext>
+                </a:extLst>
+              </p:cNvPr>
+              <p:cNvSpPr txBox="1"/>
+              <p:nvPr/>
+            </p:nvSpPr>
+            <p:spPr>
+              <a:xfrm>
+                <a:off x="19014285" y="23426823"/>
+                <a:ext cx="885922" cy="400110"/>
+              </a:xfrm>
+              <a:prstGeom prst="rect">
+                <a:avLst/>
+              </a:prstGeom>
+              <a:noFill/>
+            </p:spPr>
+            <p:txBody>
+              <a:bodyPr wrap="square" rtlCol="0">
+                <a:spAutoFit/>
+              </a:bodyPr>
+              <a:lstStyle/>
+              <a:p>
+                <a:pPr algn="ctr"/>
+                <a:r>
+                  <a:rPr lang="en-US" sz="2000" b="1" dirty="0"/>
+                  <a:t>Mo17</a:t>
+                </a:r>
+              </a:p>
+            </p:txBody>
+          </p:sp>
+        </p:grpSp>
+        <p:grpSp>
+          <p:nvGrpSpPr>
+            <p:cNvPr id="113" name="Group 112">
+              <a:extLst>
+                <a:ext uri="{FF2B5EF4-FFF2-40B4-BE49-F238E27FC236}">
+                  <a16:creationId xmlns:a16="http://schemas.microsoft.com/office/drawing/2014/main" id="{B7577384-0103-40A6-AA88-946C1EB495E1}"/>
+                </a:ext>
+              </a:extLst>
+            </p:cNvPr>
+            <p:cNvGrpSpPr/>
+            <p:nvPr/>
+          </p:nvGrpSpPr>
+          <p:grpSpPr>
+            <a:xfrm>
+              <a:off x="22411741" y="20303086"/>
+              <a:ext cx="6040631" cy="3487463"/>
+              <a:chOff x="22411741" y="20303086"/>
+              <a:chExt cx="6040631" cy="3487463"/>
+            </a:xfrm>
+          </p:grpSpPr>
+          <p:sp>
+            <p:nvSpPr>
+              <p:cNvPr id="382" name="Rectangle 381">
+                <a:extLst>
+                  <a:ext uri="{FF2B5EF4-FFF2-40B4-BE49-F238E27FC236}">
+                    <a16:creationId xmlns:a16="http://schemas.microsoft.com/office/drawing/2014/main" id="{9016D31D-D360-46E9-94CC-029898F6EC8B}"/>
+                  </a:ext>
+                </a:extLst>
+              </p:cNvPr>
+              <p:cNvSpPr/>
+              <p:nvPr/>
+            </p:nvSpPr>
+            <p:spPr>
+              <a:xfrm>
+                <a:off x="22411741" y="20303086"/>
+                <a:ext cx="6040631" cy="3114802"/>
+              </a:xfrm>
+              <a:prstGeom prst="rect">
+                <a:avLst/>
+              </a:prstGeom>
+              <a:noFill/>
+              <a:ln w="57150">
+                <a:solidFill>
+                  <a:srgbClr val="00B0F0"/>
+                </a:solidFill>
+              </a:ln>
+            </p:spPr>
+            <p:style>
+              <a:lnRef idx="2">
+                <a:schemeClr val="accent1">
+                  <a:shade val="50000"/>
+                </a:schemeClr>
+              </a:lnRef>
+              <a:fillRef idx="1">
+                <a:schemeClr val="accent1"/>
+              </a:fillRef>
+              <a:effectRef idx="0">
+                <a:schemeClr val="accent1"/>
+              </a:effectRef>
+              <a:fontRef idx="minor">
+                <a:schemeClr val="lt1"/>
+              </a:fontRef>
+            </p:style>
+            <p:txBody>
+              <a:bodyPr rtlCol="0" anchor="ctr"/>
+              <a:lstStyle/>
+              <a:p>
+                <a:pPr algn="ctr"/>
+                <a:endParaRPr lang="en-US"/>
+              </a:p>
+            </p:txBody>
+          </p:sp>
+          <p:sp>
+            <p:nvSpPr>
+              <p:cNvPr id="384" name="TextBox 383">
+                <a:extLst>
+                  <a:ext uri="{FF2B5EF4-FFF2-40B4-BE49-F238E27FC236}">
+                    <a16:creationId xmlns:a16="http://schemas.microsoft.com/office/drawing/2014/main" id="{522C3FDE-0BC4-44F4-B526-32D812DE756A}"/>
+                  </a:ext>
+                </a:extLst>
+              </p:cNvPr>
+              <p:cNvSpPr txBox="1"/>
+              <p:nvPr/>
+            </p:nvSpPr>
+            <p:spPr>
+              <a:xfrm>
+                <a:off x="25178902" y="23390439"/>
+                <a:ext cx="885922" cy="400110"/>
+              </a:xfrm>
+              <a:prstGeom prst="rect">
+                <a:avLst/>
+              </a:prstGeom>
+              <a:noFill/>
+            </p:spPr>
+            <p:txBody>
+              <a:bodyPr wrap="square" rtlCol="0">
+                <a:spAutoFit/>
+              </a:bodyPr>
+              <a:lstStyle/>
+              <a:p>
+                <a:pPr algn="ctr"/>
+                <a:r>
+                  <a:rPr lang="en-US" sz="2000" b="1" dirty="0"/>
+                  <a:t>W22</a:t>
+                </a:r>
+              </a:p>
+            </p:txBody>
+          </p:sp>
+        </p:grpSp>
+      </p:grpSp>
+      <p:grpSp>
+        <p:nvGrpSpPr>
+          <p:cNvPr id="7" name="Group 6">
+            <a:extLst>
+              <a:ext uri="{FF2B5EF4-FFF2-40B4-BE49-F238E27FC236}">
+                <a16:creationId xmlns:a16="http://schemas.microsoft.com/office/drawing/2014/main" id="{5ADCB866-8259-4DAC-B906-574E612C33BD}"/>
+              </a:ext>
+            </a:extLst>
+          </p:cNvPr>
+          <p:cNvGrpSpPr/>
+          <p:nvPr/>
+        </p:nvGrpSpPr>
+        <p:grpSpPr>
+          <a:xfrm>
+            <a:off x="10747598" y="23685855"/>
+            <a:ext cx="17836168" cy="6106345"/>
+            <a:chOff x="10679795" y="25096938"/>
+            <a:chExt cx="17836168" cy="6106345"/>
+          </a:xfrm>
+        </p:grpSpPr>
         <p:sp>
           <p:nvSpPr>
-            <p:cNvPr id="237" name="Rectangle 236">
+            <p:cNvPr id="374" name="Rectangle 373">
               <a:extLst>
                 <a:ext uri="{FF2B5EF4-FFF2-40B4-BE49-F238E27FC236}">
-                  <a16:creationId xmlns:a16="http://schemas.microsoft.com/office/drawing/2014/main" id="{31FD0F99-819E-4A7D-86C2-194D32ACC0A3}"/>
+                  <a16:creationId xmlns:a16="http://schemas.microsoft.com/office/drawing/2014/main" id="{02FF92E4-DEE7-403E-A8FA-502AE113A660}"/>
                 </a:ext>
               </a:extLst>
             </p:cNvPr>
@@ -15049,8 +16306,118 @@
           </p:nvSpPr>
           <p:spPr>
             <a:xfrm>
-              <a:off x="10849662" y="20285765"/>
-              <a:ext cx="17780676" cy="4421538"/>
+              <a:off x="10748764" y="25096938"/>
+              <a:ext cx="17757132" cy="1402553"/>
+            </a:xfrm>
+            <a:prstGeom prst="rect">
+              <a:avLst/>
+            </a:prstGeom>
+            <a:solidFill>
+              <a:srgbClr val="2A4C7D"/>
+            </a:solidFill>
+          </p:spPr>
+          <p:style>
+            <a:lnRef idx="2">
+              <a:schemeClr val="accent1">
+                <a:shade val="50000"/>
+              </a:schemeClr>
+            </a:lnRef>
+            <a:fillRef idx="1">
+              <a:schemeClr val="accent1"/>
+            </a:fillRef>
+            <a:effectRef idx="0">
+              <a:schemeClr val="accent1"/>
+            </a:effectRef>
+            <a:fontRef idx="minor">
+              <a:schemeClr val="lt1"/>
+            </a:fontRef>
+          </p:style>
+          <p:txBody>
+            <a:bodyPr rot="0" spcFirstLastPara="0" vertOverflow="overflow" horzOverflow="overflow" vert="horz" wrap="square" lIns="91440" tIns="45720" rIns="91440" bIns="45720" numCol="1" spcCol="0" rtlCol="0" fromWordArt="0" anchor="ctr" anchorCtr="0" forceAA="0" compatLnSpc="1">
+              <a:prstTxWarp prst="textNoShape">
+                <a:avLst/>
+              </a:prstTxWarp>
+              <a:noAutofit/>
+            </a:bodyPr>
+            <a:lstStyle/>
+            <a:p>
+              <a:pPr algn="ctr"/>
+              <a:endParaRPr lang="en-US"/>
+            </a:p>
+          </p:txBody>
+        </p:sp>
+        <p:sp>
+          <p:nvSpPr>
+            <p:cNvPr id="385" name="TextBox 384">
+              <a:extLst>
+                <a:ext uri="{FF2B5EF4-FFF2-40B4-BE49-F238E27FC236}">
+                  <a16:creationId xmlns:a16="http://schemas.microsoft.com/office/drawing/2014/main" id="{1E5E2B9D-25D0-4560-BBA0-2F747F204BD0}"/>
+                </a:ext>
+              </a:extLst>
+            </p:cNvPr>
+            <p:cNvSpPr txBox="1"/>
+            <p:nvPr/>
+          </p:nvSpPr>
+          <p:spPr>
+            <a:xfrm>
+              <a:off x="12900112" y="25361494"/>
+              <a:ext cx="14000190" cy="830997"/>
+            </a:xfrm>
+            <a:prstGeom prst="rect">
+              <a:avLst/>
+            </a:prstGeom>
+            <a:noFill/>
+          </p:spPr>
+          <p:txBody>
+            <a:bodyPr wrap="square" rtlCol="0">
+              <a:spAutoFit/>
+            </a:bodyPr>
+            <a:lstStyle/>
+            <a:p>
+              <a:pPr algn="ctr"/>
+              <a:r>
+                <a:rPr lang="en-US" sz="4800" dirty="0">
+                  <a:solidFill>
+                    <a:schemeClr val="bg1"/>
+                  </a:solidFill>
+                </a:rPr>
+                <a:t>Inbred Lines (</a:t>
+              </a:r>
+              <a:r>
+                <a:rPr lang="en-US" sz="4800" dirty="0" err="1">
+                  <a:solidFill>
+                    <a:schemeClr val="bg1"/>
+                  </a:solidFill>
+                </a:rPr>
+                <a:t>RNASeq</a:t>
+              </a:r>
+              <a:r>
+                <a:rPr lang="en-US" sz="4800" dirty="0">
+                  <a:solidFill>
+                    <a:schemeClr val="bg1"/>
+                  </a:solidFill>
+                </a:rPr>
+                <a:t>)</a:t>
+              </a:r>
+            </a:p>
+          </p:txBody>
+        </p:sp>
+        <p:sp>
+          <p:nvSpPr>
+            <p:cNvPr id="386" name="Rectangle 385">
+              <a:extLst>
+                <a:ext uri="{FF2B5EF4-FFF2-40B4-BE49-F238E27FC236}">
+                  <a16:creationId xmlns:a16="http://schemas.microsoft.com/office/drawing/2014/main" id="{24785566-C3EE-406D-A14A-B66D53C83596}"/>
+                </a:ext>
+              </a:extLst>
+            </p:cNvPr>
+            <p:cNvSpPr/>
+            <p:nvPr/>
+          </p:nvSpPr>
+          <p:spPr>
+            <a:xfrm>
+              <a:off x="10696934" y="26489068"/>
+              <a:ext cx="17819029" cy="4714215"/>
             </a:xfrm>
             <a:prstGeom prst="rect">
               <a:avLst/>
@@ -15085,12 +16452,517 @@
             </a:p>
           </p:txBody>
         </p:sp>
+        <p:pic>
+          <p:nvPicPr>
+            <p:cNvPr id="387" name="Picture 2">
+              <a:extLst>
+                <a:ext uri="{FF2B5EF4-FFF2-40B4-BE49-F238E27FC236}">
+                  <a16:creationId xmlns:a16="http://schemas.microsoft.com/office/drawing/2014/main" id="{9496D576-1058-4685-BC92-8AFB3CF1BCE9}"/>
+                </a:ext>
+              </a:extLst>
+            </p:cNvPr>
+            <p:cNvPicPr>
+              <a:picLocks noChangeAspect="1" noChangeArrowheads="1"/>
+            </p:cNvPicPr>
+            <p:nvPr/>
+          </p:nvPicPr>
+          <p:blipFill rotWithShape="1">
+            <a:blip r:embed="rId10">
+              <a:extLst>
+                <a:ext uri="{28A0092B-C50C-407E-A947-70E740481C1C}">
+                  <a14:useLocalDpi xmlns:a14="http://schemas.microsoft.com/office/drawing/2010/main" val="0"/>
+                </a:ext>
+              </a:extLst>
+            </a:blip>
+            <a:srcRect l="24217" t="5361" r="13465" b="10690"/>
+            <a:stretch/>
+          </p:blipFill>
+          <p:spPr bwMode="auto">
+            <a:xfrm>
+              <a:off x="12538374" y="26738987"/>
+              <a:ext cx="5414090" cy="3070537"/>
+            </a:xfrm>
+            <a:prstGeom prst="rect">
+              <a:avLst/>
+            </a:prstGeom>
+            <a:noFill/>
+            <a:ln>
+              <a:noFill/>
+            </a:ln>
+            <a:extLst>
+              <a:ext uri="{909E8E84-426E-40DD-AFC4-6F175D3DCCD1}">
+                <a14:hiddenFill xmlns:a14="http://schemas.microsoft.com/office/drawing/2010/main">
+                  <a:solidFill>
+                    <a:schemeClr val="accent1"/>
+                  </a:solidFill>
+                </a14:hiddenFill>
+              </a:ext>
+              <a:ext uri="{91240B29-F687-4F45-9708-019B960494DF}">
+                <a14:hiddenLine xmlns:a14="http://schemas.microsoft.com/office/drawing/2010/main" w="9525">
+                  <a:solidFill>
+                    <a:schemeClr val="tx1"/>
+                  </a:solidFill>
+                  <a:miter lim="800000"/>
+                  <a:headEnd/>
+                  <a:tailEnd/>
+                </a14:hiddenLine>
+              </a:ext>
+            </a:extLst>
+          </p:spPr>
+        </p:pic>
+        <p:pic>
+          <p:nvPicPr>
+            <p:cNvPr id="388" name="Picture 2">
+              <a:extLst>
+                <a:ext uri="{FF2B5EF4-FFF2-40B4-BE49-F238E27FC236}">
+                  <a16:creationId xmlns:a16="http://schemas.microsoft.com/office/drawing/2014/main" id="{DEEA6ADE-1C24-4A56-BB79-B97BA078D0BF}"/>
+                </a:ext>
+              </a:extLst>
+            </p:cNvPr>
+            <p:cNvPicPr>
+              <a:picLocks noChangeAspect="1" noChangeArrowheads="1"/>
+            </p:cNvPicPr>
+            <p:nvPr/>
+          </p:nvPicPr>
+          <p:blipFill rotWithShape="1">
+            <a:blip r:embed="rId11">
+              <a:extLst>
+                <a:ext uri="{28A0092B-C50C-407E-A947-70E740481C1C}">
+                  <a14:useLocalDpi xmlns:a14="http://schemas.microsoft.com/office/drawing/2010/main" val="0"/>
+                </a:ext>
+              </a:extLst>
+            </a:blip>
+            <a:srcRect l="23927" t="5123" r="14301" b="14246"/>
+            <a:stretch/>
+          </p:blipFill>
+          <p:spPr bwMode="auto">
+            <a:xfrm>
+              <a:off x="20756403" y="26716044"/>
+              <a:ext cx="6329425" cy="3072384"/>
+            </a:xfrm>
+            <a:prstGeom prst="rect">
+              <a:avLst/>
+            </a:prstGeom>
+            <a:noFill/>
+            <a:ln>
+              <a:noFill/>
+            </a:ln>
+            <a:extLst>
+              <a:ext uri="{909E8E84-426E-40DD-AFC4-6F175D3DCCD1}">
+                <a14:hiddenFill xmlns:a14="http://schemas.microsoft.com/office/drawing/2010/main">
+                  <a:solidFill>
+                    <a:schemeClr val="accent1"/>
+                  </a:solidFill>
+                </a14:hiddenFill>
+              </a:ext>
+              <a:ext uri="{91240B29-F687-4F45-9708-019B960494DF}">
+                <a14:hiddenLine xmlns:a14="http://schemas.microsoft.com/office/drawing/2010/main" w="9525">
+                  <a:solidFill>
+                    <a:schemeClr val="tx1"/>
+                  </a:solidFill>
+                  <a:miter lim="800000"/>
+                  <a:headEnd/>
+                  <a:tailEnd/>
+                </a14:hiddenLine>
+              </a:ext>
+            </a:extLst>
+          </p:spPr>
+        </p:pic>
+        <p:pic>
+          <p:nvPicPr>
+            <p:cNvPr id="389" name="Content Placeholder 4">
+              <a:extLst>
+                <a:ext uri="{FF2B5EF4-FFF2-40B4-BE49-F238E27FC236}">
+                  <a16:creationId xmlns:a16="http://schemas.microsoft.com/office/drawing/2014/main" id="{DB15AD8A-7151-4648-B98F-56510C449BBB}"/>
+                </a:ext>
+              </a:extLst>
+            </p:cNvPr>
+            <p:cNvPicPr>
+              <a:picLocks noChangeAspect="1"/>
+            </p:cNvPicPr>
+            <p:nvPr/>
+          </p:nvPicPr>
+          <p:blipFill rotWithShape="1">
+            <a:blip r:embed="rId7">
+              <a:extLst>
+                <a:ext uri="{28A0092B-C50C-407E-A947-70E740481C1C}">
+                  <a14:useLocalDpi xmlns:a14="http://schemas.microsoft.com/office/drawing/2010/main" val="0"/>
+                </a:ext>
+              </a:extLst>
+            </a:blip>
+            <a:srcRect l="71504" t="25240" r="2804" b="31451"/>
+            <a:stretch/>
+          </p:blipFill>
+          <p:spPr>
+            <a:xfrm>
+              <a:off x="17972144" y="27663180"/>
+              <a:ext cx="1138305" cy="1222149"/>
+            </a:xfrm>
+            <a:prstGeom prst="rect">
+              <a:avLst/>
+            </a:prstGeom>
+          </p:spPr>
+        </p:pic>
+        <p:pic>
+          <p:nvPicPr>
+            <p:cNvPr id="390" name="Content Placeholder 4">
+              <a:extLst>
+                <a:ext uri="{FF2B5EF4-FFF2-40B4-BE49-F238E27FC236}">
+                  <a16:creationId xmlns:a16="http://schemas.microsoft.com/office/drawing/2014/main" id="{87A9242A-755A-463F-8167-4FCF4666DE9F}"/>
+                </a:ext>
+              </a:extLst>
+            </p:cNvPr>
+            <p:cNvPicPr>
+              <a:picLocks noChangeAspect="1"/>
+            </p:cNvPicPr>
+            <p:nvPr/>
+          </p:nvPicPr>
+          <p:blipFill rotWithShape="1">
+            <a:blip r:embed="rId7">
+              <a:extLst>
+                <a:ext uri="{28A0092B-C50C-407E-A947-70E740481C1C}">
+                  <a14:useLocalDpi xmlns:a14="http://schemas.microsoft.com/office/drawing/2010/main" val="0"/>
+                </a:ext>
+              </a:extLst>
+            </a:blip>
+            <a:srcRect l="71504" t="25240" r="2804" b="31451"/>
+            <a:stretch/>
+          </p:blipFill>
+          <p:spPr>
+            <a:xfrm>
+              <a:off x="27163673" y="27663179"/>
+              <a:ext cx="1138305" cy="1222149"/>
+            </a:xfrm>
+            <a:prstGeom prst="rect">
+              <a:avLst/>
+            </a:prstGeom>
+          </p:spPr>
+        </p:pic>
         <p:sp>
           <p:nvSpPr>
-            <p:cNvPr id="239" name="Rectangle 238">
+            <p:cNvPr id="392" name="TextBox 391">
               <a:extLst>
                 <a:ext uri="{FF2B5EF4-FFF2-40B4-BE49-F238E27FC236}">
-                  <a16:creationId xmlns:a16="http://schemas.microsoft.com/office/drawing/2014/main" id="{C1B4B5EE-AFE4-4A93-9E0D-164C7E78A295}"/>
+                  <a16:creationId xmlns:a16="http://schemas.microsoft.com/office/drawing/2014/main" id="{F9C45C75-6130-44AF-AD39-CB3BCC8A1C62}"/>
+                </a:ext>
+              </a:extLst>
+            </p:cNvPr>
+            <p:cNvSpPr txBox="1"/>
+            <p:nvPr/>
+          </p:nvSpPr>
+          <p:spPr>
+            <a:xfrm>
+              <a:off x="19018788" y="26821266"/>
+              <a:ext cx="2895600" cy="3385542"/>
+            </a:xfrm>
+            <a:prstGeom prst="rect">
+              <a:avLst/>
+            </a:prstGeom>
+            <a:noFill/>
+          </p:spPr>
+          <p:txBody>
+            <a:bodyPr wrap="square" rtlCol="0">
+              <a:spAutoFit/>
+            </a:bodyPr>
+            <a:lstStyle/>
+            <a:p>
+              <a:pPr>
+                <a:spcBef>
+                  <a:spcPts val="1200"/>
+                </a:spcBef>
+              </a:pPr>
+              <a:r>
+                <a:rPr lang="en-US" dirty="0"/>
+                <a:t>Zm00001d045909</a:t>
+              </a:r>
+            </a:p>
+            <a:p>
+              <a:pPr>
+                <a:spcBef>
+                  <a:spcPts val="1200"/>
+                </a:spcBef>
+              </a:pPr>
+              <a:r>
+                <a:rPr lang="en-US" dirty="0"/>
+                <a:t>Zm00001d036345_PSY1_T2</a:t>
+              </a:r>
+            </a:p>
+            <a:p>
+              <a:pPr>
+                <a:spcBef>
+                  <a:spcPts val="1200"/>
+                </a:spcBef>
+              </a:pPr>
+              <a:r>
+                <a:rPr lang="en-US" dirty="0"/>
+                <a:t>ZM00001d036345_PSY1_T1</a:t>
+              </a:r>
+            </a:p>
+            <a:p>
+              <a:pPr>
+                <a:spcBef>
+                  <a:spcPts val="1200"/>
+                </a:spcBef>
+              </a:pPr>
+              <a:r>
+                <a:rPr lang="en-US" dirty="0"/>
+                <a:t>Zm00001d033547</a:t>
+              </a:r>
+            </a:p>
+            <a:p>
+              <a:pPr>
+                <a:spcBef>
+                  <a:spcPts val="1200"/>
+                </a:spcBef>
+              </a:pPr>
+              <a:r>
+                <a:rPr lang="en-US" dirty="0"/>
+                <a:t>Zm00001d026188</a:t>
+              </a:r>
+            </a:p>
+            <a:p>
+              <a:pPr>
+                <a:spcBef>
+                  <a:spcPts val="1200"/>
+                </a:spcBef>
+              </a:pPr>
+              <a:r>
+                <a:rPr lang="en-US" dirty="0"/>
+                <a:t>Zm00001d025531</a:t>
+              </a:r>
+            </a:p>
+            <a:p>
+              <a:pPr>
+                <a:spcBef>
+                  <a:spcPts val="1200"/>
+                </a:spcBef>
+              </a:pPr>
+              <a:r>
+                <a:rPr lang="en-US" dirty="0"/>
+                <a:t>Zm00001d012394_PSY2</a:t>
+              </a:r>
+            </a:p>
+            <a:p>
+              <a:pPr>
+                <a:spcBef>
+                  <a:spcPts val="1200"/>
+                </a:spcBef>
+              </a:pPr>
+              <a:endParaRPr lang="en-US" dirty="0"/>
+            </a:p>
+          </p:txBody>
+        </p:sp>
+        <p:sp>
+          <p:nvSpPr>
+            <p:cNvPr id="393" name="TextBox 392">
+              <a:extLst>
+                <a:ext uri="{FF2B5EF4-FFF2-40B4-BE49-F238E27FC236}">
+                  <a16:creationId xmlns:a16="http://schemas.microsoft.com/office/drawing/2014/main" id="{6848FF10-A7CF-4C43-85C2-E76E729DC458}"/>
+                </a:ext>
+              </a:extLst>
+            </p:cNvPr>
+            <p:cNvSpPr txBox="1"/>
+            <p:nvPr/>
+          </p:nvSpPr>
+          <p:spPr>
+            <a:xfrm>
+              <a:off x="10679795" y="26821266"/>
+              <a:ext cx="2895600" cy="3385542"/>
+            </a:xfrm>
+            <a:prstGeom prst="rect">
+              <a:avLst/>
+            </a:prstGeom>
+            <a:noFill/>
+          </p:spPr>
+          <p:txBody>
+            <a:bodyPr wrap="square" rtlCol="0">
+              <a:spAutoFit/>
+            </a:bodyPr>
+            <a:lstStyle/>
+            <a:p>
+              <a:pPr>
+                <a:spcBef>
+                  <a:spcPts val="1200"/>
+                </a:spcBef>
+              </a:pPr>
+              <a:r>
+                <a:rPr lang="en-US" dirty="0"/>
+                <a:t>Zm00001d045909</a:t>
+              </a:r>
+            </a:p>
+            <a:p>
+              <a:pPr>
+                <a:spcBef>
+                  <a:spcPts val="1200"/>
+                </a:spcBef>
+              </a:pPr>
+              <a:r>
+                <a:rPr lang="en-US" dirty="0"/>
+                <a:t>Zm00001d036345_PSY1_T2</a:t>
+              </a:r>
+            </a:p>
+            <a:p>
+              <a:pPr>
+                <a:spcBef>
+                  <a:spcPts val="1200"/>
+                </a:spcBef>
+              </a:pPr>
+              <a:r>
+                <a:rPr lang="en-US" dirty="0"/>
+                <a:t>ZM00001d036345_PSY1_T1</a:t>
+              </a:r>
+            </a:p>
+            <a:p>
+              <a:pPr>
+                <a:spcBef>
+                  <a:spcPts val="1200"/>
+                </a:spcBef>
+              </a:pPr>
+              <a:r>
+                <a:rPr lang="en-US" dirty="0"/>
+                <a:t>Zm00001d033547</a:t>
+              </a:r>
+            </a:p>
+            <a:p>
+              <a:pPr>
+                <a:spcBef>
+                  <a:spcPts val="1200"/>
+                </a:spcBef>
+              </a:pPr>
+              <a:r>
+                <a:rPr lang="en-US" dirty="0"/>
+                <a:t>Zm00001d026188</a:t>
+              </a:r>
+            </a:p>
+            <a:p>
+              <a:pPr>
+                <a:spcBef>
+                  <a:spcPts val="1200"/>
+                </a:spcBef>
+              </a:pPr>
+              <a:r>
+                <a:rPr lang="en-US" dirty="0"/>
+                <a:t>Zm00001d025531</a:t>
+              </a:r>
+            </a:p>
+            <a:p>
+              <a:pPr>
+                <a:spcBef>
+                  <a:spcPts val="1200"/>
+                </a:spcBef>
+              </a:pPr>
+              <a:r>
+                <a:rPr lang="en-US" dirty="0"/>
+                <a:t>Zm00001d012394_PSY2</a:t>
+              </a:r>
+            </a:p>
+            <a:p>
+              <a:pPr>
+                <a:spcBef>
+                  <a:spcPts val="1200"/>
+                </a:spcBef>
+              </a:pPr>
+              <a:endParaRPr lang="en-US" dirty="0"/>
+            </a:p>
+          </p:txBody>
+        </p:sp>
+        <p:sp>
+          <p:nvSpPr>
+            <p:cNvPr id="394" name="TextBox 393">
+              <a:extLst>
+                <a:ext uri="{FF2B5EF4-FFF2-40B4-BE49-F238E27FC236}">
+                  <a16:creationId xmlns:a16="http://schemas.microsoft.com/office/drawing/2014/main" id="{00569DF6-330B-418C-BEB4-4D16D67E6813}"/>
+                </a:ext>
+              </a:extLst>
+            </p:cNvPr>
+            <p:cNvSpPr txBox="1"/>
+            <p:nvPr/>
+          </p:nvSpPr>
+          <p:spPr>
+            <a:xfrm>
+              <a:off x="12500975" y="29774954"/>
+              <a:ext cx="5451489" cy="307777"/>
+            </a:xfrm>
+            <a:prstGeom prst="rect">
+              <a:avLst/>
+            </a:prstGeom>
+            <a:noFill/>
+          </p:spPr>
+          <p:txBody>
+            <a:bodyPr wrap="square" rtlCol="0">
+              <a:spAutoFit/>
+            </a:bodyPr>
+            <a:lstStyle/>
+            <a:p>
+              <a:r>
+                <a:rPr lang="en-US" sz="1400" dirty="0"/>
+                <a:t>ND207  A679 CH70130 CML322 CML341 Florida32 IL14H   Ki21      NC206</a:t>
+              </a:r>
+            </a:p>
+          </p:txBody>
+        </p:sp>
+        <p:sp>
+          <p:nvSpPr>
+            <p:cNvPr id="395" name="TextBox 394">
+              <a:extLst>
+                <a:ext uri="{FF2B5EF4-FFF2-40B4-BE49-F238E27FC236}">
+                  <a16:creationId xmlns:a16="http://schemas.microsoft.com/office/drawing/2014/main" id="{A34BEEB2-C81A-4811-A304-6C2B77297BCA}"/>
+                </a:ext>
+              </a:extLst>
+            </p:cNvPr>
+            <p:cNvSpPr txBox="1"/>
+            <p:nvPr/>
+          </p:nvSpPr>
+          <p:spPr>
+            <a:xfrm>
+              <a:off x="20766956" y="29774954"/>
+              <a:ext cx="6329425" cy="307777"/>
+            </a:xfrm>
+            <a:prstGeom prst="rect">
+              <a:avLst/>
+            </a:prstGeom>
+            <a:noFill/>
+          </p:spPr>
+          <p:txBody>
+            <a:bodyPr wrap="square" rtlCol="0">
+              <a:spAutoFit/>
+            </a:bodyPr>
+            <a:lstStyle/>
+            <a:p>
+              <a:r>
+                <a:rPr lang="en-US" sz="1400" dirty="0"/>
+                <a:t>   B68             B97          CML341    Florida32        K64           KY228           LH52           T8</a:t>
+              </a:r>
+            </a:p>
+          </p:txBody>
+        </p:sp>
+      </p:grpSp>
+      <p:grpSp>
+        <p:nvGrpSpPr>
+          <p:cNvPr id="391" name="Group 390">
+            <a:extLst>
+              <a:ext uri="{FF2B5EF4-FFF2-40B4-BE49-F238E27FC236}">
+                <a16:creationId xmlns:a16="http://schemas.microsoft.com/office/drawing/2014/main" id="{1B9C5C80-78F2-45F5-8293-47756CC5668A}"/>
+              </a:ext>
+            </a:extLst>
+          </p:cNvPr>
+          <p:cNvGrpSpPr/>
+          <p:nvPr/>
+        </p:nvGrpSpPr>
+        <p:grpSpPr>
+          <a:xfrm>
+            <a:off x="10740014" y="18751231"/>
+            <a:ext cx="17819029" cy="4638648"/>
+            <a:chOff x="10696934" y="25096938"/>
+            <a:chExt cx="17819029" cy="4638648"/>
+          </a:xfrm>
+        </p:grpSpPr>
+        <p:sp>
+          <p:nvSpPr>
+            <p:cNvPr id="396" name="Rectangle 395">
+              <a:extLst>
+                <a:ext uri="{FF2B5EF4-FFF2-40B4-BE49-F238E27FC236}">
+                  <a16:creationId xmlns:a16="http://schemas.microsoft.com/office/drawing/2014/main" id="{C1276D3B-616F-410C-AA00-5023332D613E}"/>
                 </a:ext>
               </a:extLst>
             </p:cNvPr>
@@ -15099,18 +16971,118 @@
           </p:nvSpPr>
           <p:spPr>
             <a:xfrm>
-              <a:off x="10946481" y="23972495"/>
-              <a:ext cx="17582087" cy="615926"/>
+              <a:off x="10748764" y="25096938"/>
+              <a:ext cx="17757132" cy="1402553"/>
+            </a:xfrm>
+            <a:prstGeom prst="rect">
+              <a:avLst/>
+            </a:prstGeom>
+            <a:solidFill>
+              <a:srgbClr val="2A4C7D"/>
+            </a:solidFill>
+          </p:spPr>
+          <p:style>
+            <a:lnRef idx="2">
+              <a:schemeClr val="accent1">
+                <a:shade val="50000"/>
+              </a:schemeClr>
+            </a:lnRef>
+            <a:fillRef idx="1">
+              <a:schemeClr val="accent1"/>
+            </a:fillRef>
+            <a:effectRef idx="0">
+              <a:schemeClr val="accent1"/>
+            </a:effectRef>
+            <a:fontRef idx="minor">
+              <a:schemeClr val="lt1"/>
+            </a:fontRef>
+          </p:style>
+          <p:txBody>
+            <a:bodyPr rot="0" spcFirstLastPara="0" vertOverflow="overflow" horzOverflow="overflow" vert="horz" wrap="square" lIns="91440" tIns="45720" rIns="91440" bIns="45720" numCol="1" spcCol="0" rtlCol="0" fromWordArt="0" anchor="ctr" anchorCtr="0" forceAA="0" compatLnSpc="1">
+              <a:prstTxWarp prst="textNoShape">
+                <a:avLst/>
+              </a:prstTxWarp>
+              <a:noAutofit/>
+            </a:bodyPr>
+            <a:lstStyle/>
+            <a:p>
+              <a:pPr algn="ctr"/>
+              <a:endParaRPr lang="en-US"/>
+            </a:p>
+          </p:txBody>
+        </p:sp>
+        <p:sp>
+          <p:nvSpPr>
+            <p:cNvPr id="397" name="TextBox 396">
+              <a:extLst>
+                <a:ext uri="{FF2B5EF4-FFF2-40B4-BE49-F238E27FC236}">
+                  <a16:creationId xmlns:a16="http://schemas.microsoft.com/office/drawing/2014/main" id="{6AACDE2C-9D93-42CD-9773-D4961CC06E5C}"/>
+                </a:ext>
+              </a:extLst>
+            </p:cNvPr>
+            <p:cNvSpPr txBox="1"/>
+            <p:nvPr/>
+          </p:nvSpPr>
+          <p:spPr>
+            <a:xfrm>
+              <a:off x="12900112" y="25361494"/>
+              <a:ext cx="14000190" cy="830997"/>
             </a:xfrm>
             <a:prstGeom prst="rect">
               <a:avLst/>
             </a:prstGeom>
             <a:noFill/>
-            <a:ln w="38100">
-              <a:solidFill>
-                <a:srgbClr val="2A4C7D"/>
-              </a:solidFill>
-            </a:ln>
+          </p:spPr>
+          <p:txBody>
+            <a:bodyPr wrap="square" rtlCol="0">
+              <a:spAutoFit/>
+            </a:bodyPr>
+            <a:lstStyle/>
+            <a:p>
+              <a:pPr algn="ctr"/>
+              <a:r>
+                <a:rPr lang="en-US" sz="4800" dirty="0" err="1">
+                  <a:solidFill>
+                    <a:schemeClr val="bg1"/>
+                  </a:solidFill>
+                </a:rPr>
+                <a:t>RNASeq</a:t>
+              </a:r>
+              <a:r>
+                <a:rPr lang="en-US" sz="4800" dirty="0">
+                  <a:solidFill>
+                    <a:schemeClr val="bg1"/>
+                  </a:solidFill>
+                </a:rPr>
+                <a:t> Analysis Pipeline</a:t>
+              </a:r>
+            </a:p>
+          </p:txBody>
+        </p:sp>
+        <p:sp>
+          <p:nvSpPr>
+            <p:cNvPr id="398" name="Rectangle 397">
+              <a:extLst>
+                <a:ext uri="{FF2B5EF4-FFF2-40B4-BE49-F238E27FC236}">
+                  <a16:creationId xmlns:a16="http://schemas.microsoft.com/office/drawing/2014/main" id="{70358778-D69B-47E9-AF0F-7E4AF538BAD8}"/>
+                </a:ext>
+              </a:extLst>
+            </p:cNvPr>
+            <p:cNvSpPr/>
+            <p:nvPr/>
+          </p:nvSpPr>
+          <p:spPr>
+            <a:xfrm>
+              <a:off x="10696934" y="26489070"/>
+              <a:ext cx="17819029" cy="3246516"/>
+            </a:xfrm>
+            <a:prstGeom prst="rect">
+              <a:avLst/>
+            </a:prstGeom>
+            <a:solidFill>
+              <a:schemeClr val="bg1"/>
+            </a:solidFill>
+            <a:ln w="38100"/>
           </p:spPr>
           <p:style>
             <a:lnRef idx="2">
@@ -15133,123 +17105,37 @@
             <a:lstStyle/>
             <a:p>
               <a:pPr algn="ctr"/>
-              <a:endParaRPr lang="en-US">
-                <a:ln>
-                  <a:solidFill>
-                    <a:srgbClr val="2A4C7D"/>
-                  </a:solidFill>
-                </a:ln>
-                <a:noFill/>
-              </a:endParaRPr>
-            </a:p>
-          </p:txBody>
-        </p:sp>
-        <p:sp>
-          <p:nvSpPr>
-            <p:cNvPr id="240" name="TextBox 239">
-              <a:extLst>
-                <a:ext uri="{FF2B5EF4-FFF2-40B4-BE49-F238E27FC236}">
-                  <a16:creationId xmlns:a16="http://schemas.microsoft.com/office/drawing/2014/main" id="{45FF1DC0-A5BA-4CF3-85E4-91CD60DD2A75}"/>
-                </a:ext>
-              </a:extLst>
-            </p:cNvPr>
-            <p:cNvSpPr txBox="1"/>
-            <p:nvPr/>
-          </p:nvSpPr>
-          <p:spPr>
-            <a:xfrm>
-              <a:off x="10914170" y="23959794"/>
-              <a:ext cx="17444930" cy="923330"/>
-            </a:xfrm>
-            <a:prstGeom prst="rect">
-              <a:avLst/>
-            </a:prstGeom>
-            <a:noFill/>
-          </p:spPr>
-          <p:txBody>
-            <a:bodyPr wrap="square" rtlCol="0">
-              <a:spAutoFit/>
-            </a:bodyPr>
-            <a:lstStyle/>
-            <a:p>
-              <a:r>
-                <a:rPr lang="en-US" b="1" dirty="0">
-                  <a:solidFill>
-                    <a:srgbClr val="0D0D0D"/>
-                  </a:solidFill>
-                  <a:ea typeface="Calibri"/>
-                  <a:cs typeface="Calibri"/>
-                  <a:sym typeface="Calibri"/>
-                </a:rPr>
-                <a:t>RNA-</a:t>
-              </a:r>
-              <a:r>
-                <a:rPr lang="en-US" b="1" dirty="0" err="1">
-                  <a:solidFill>
-                    <a:srgbClr val="0D0D0D"/>
-                  </a:solidFill>
-                  <a:ea typeface="Calibri"/>
-                  <a:cs typeface="Calibri"/>
-                  <a:sym typeface="Calibri"/>
-                </a:rPr>
-                <a:t>seq</a:t>
-              </a:r>
-              <a:r>
-                <a:rPr lang="en-US" b="1" dirty="0">
-                  <a:solidFill>
-                    <a:srgbClr val="0D0D0D"/>
-                  </a:solidFill>
-                  <a:ea typeface="Calibri"/>
-                  <a:cs typeface="Calibri"/>
-                  <a:sym typeface="Calibri"/>
-                </a:rPr>
-                <a:t> analyses were performed using the Tuxedo workflow at </a:t>
-              </a:r>
-              <a:r>
-                <a:rPr lang="en-US" b="1" dirty="0" err="1">
-                  <a:solidFill>
-                    <a:srgbClr val="0D0D0D"/>
-                  </a:solidFill>
-                  <a:ea typeface="Calibri"/>
-                  <a:cs typeface="Calibri"/>
-                  <a:sym typeface="Calibri"/>
-                </a:rPr>
-                <a:t>CyVerse’s</a:t>
-              </a:r>
-              <a:r>
-                <a:rPr lang="en-US" b="1" dirty="0">
-                  <a:solidFill>
-                    <a:srgbClr val="0D0D0D"/>
-                  </a:solidFill>
-                  <a:ea typeface="Calibri"/>
-                  <a:cs typeface="Calibri"/>
-                  <a:sym typeface="Calibri"/>
-                </a:rPr>
-                <a:t> Discovery Environment (http://www.cyverse.org/discovery- environment) and the maize reference genome AGPv4. </a:t>
-              </a:r>
-              <a:r>
-                <a:rPr lang="en-US" b="1" dirty="0">
-                  <a:solidFill>
-                    <a:srgbClr val="FF0000"/>
-                  </a:solidFill>
-                  <a:ea typeface="Calibri"/>
-                  <a:cs typeface="Calibri"/>
-                  <a:sym typeface="Calibri"/>
-                </a:rPr>
-                <a:t>Genes names highlighted in red are statistically  different in B73 compared to Mo17 or W22 samples, or among root zones (q &lt; 0.05).</a:t>
-              </a:r>
-            </a:p>
-            <a:p>
               <a:endParaRPr lang="en-US" dirty="0"/>
             </a:p>
           </p:txBody>
         </p:sp>
+      </p:grpSp>
+      <p:grpSp>
+        <p:nvGrpSpPr>
+          <p:cNvPr id="412" name="Group 411">
+            <a:extLst>
+              <a:ext uri="{FF2B5EF4-FFF2-40B4-BE49-F238E27FC236}">
+                <a16:creationId xmlns:a16="http://schemas.microsoft.com/office/drawing/2014/main" id="{C0309E7B-7A61-462B-A116-6FDAAA491545}"/>
+              </a:ext>
+            </a:extLst>
+          </p:cNvPr>
+          <p:cNvGrpSpPr/>
+          <p:nvPr/>
+        </p:nvGrpSpPr>
+        <p:grpSpPr>
+          <a:xfrm>
+            <a:off x="11220696" y="20126723"/>
+            <a:ext cx="16889971" cy="3352984"/>
+            <a:chOff x="-48830" y="1640027"/>
+            <a:chExt cx="8990660" cy="5294915"/>
+          </a:xfrm>
+        </p:grpSpPr>
         <p:grpSp>
           <p:nvGrpSpPr>
-            <p:cNvPr id="105" name="Group 104">
+            <p:cNvPr id="413" name="Group 412">
               <a:extLst>
                 <a:ext uri="{FF2B5EF4-FFF2-40B4-BE49-F238E27FC236}">
-                  <a16:creationId xmlns:a16="http://schemas.microsoft.com/office/drawing/2014/main" id="{7FB230BD-1A50-4AAC-9E18-31569E3BE7F5}"/>
+                  <a16:creationId xmlns:a16="http://schemas.microsoft.com/office/drawing/2014/main" id="{0581C7CC-9EFB-4CB7-A6DE-802F654DD826}"/>
                 </a:ext>
               </a:extLst>
             </p:cNvPr>
@@ -15258,211 +17144,166 @@
           </p:nvGrpSpPr>
           <p:grpSpPr>
             <a:xfrm>
-              <a:off x="10958963" y="20396840"/>
-              <a:ext cx="5407281" cy="3110445"/>
-              <a:chOff x="11016933" y="20523699"/>
-              <a:chExt cx="5407281" cy="3110445"/>
+              <a:off x="162112" y="1640027"/>
+              <a:ext cx="8779718" cy="5002273"/>
+              <a:chOff x="162112" y="1046082"/>
+              <a:chExt cx="8779718" cy="3751700"/>
             </a:xfrm>
           </p:grpSpPr>
-          <p:grpSp>
-            <p:nvGrpSpPr>
-              <p:cNvPr id="102" name="Group 101">
+          <p:sp>
+            <p:nvSpPr>
+              <p:cNvPr id="415" name="Rounded Rectangle 543">
                 <a:extLst>
                   <a:ext uri="{FF2B5EF4-FFF2-40B4-BE49-F238E27FC236}">
-                    <a16:creationId xmlns:a16="http://schemas.microsoft.com/office/drawing/2014/main" id="{BFEAA388-57A7-462C-83C7-33FF4CAF8B4E}"/>
-                  </a:ext>
-                </a:extLst>
-              </p:cNvPr>
-              <p:cNvGrpSpPr/>
-              <p:nvPr/>
-            </p:nvGrpSpPr>
-            <p:grpSpPr>
-              <a:xfrm>
-                <a:off x="13314573" y="20523699"/>
-                <a:ext cx="3109641" cy="2834640"/>
-                <a:chOff x="12325233" y="20571544"/>
-                <a:chExt cx="3109641" cy="2834640"/>
-              </a:xfrm>
-            </p:grpSpPr>
-            <p:pic>
-              <p:nvPicPr>
-                <p:cNvPr id="370" name="Content Placeholder 4">
-                  <a:extLst>
-                    <a:ext uri="{FF2B5EF4-FFF2-40B4-BE49-F238E27FC236}">
-                      <a16:creationId xmlns:a16="http://schemas.microsoft.com/office/drawing/2014/main" id="{8956D69A-1F5A-4A1A-9251-7711B992A2FB}"/>
-                    </a:ext>
-                  </a:extLst>
-                </p:cNvPr>
-                <p:cNvPicPr>
-                  <a:picLocks noChangeAspect="1"/>
-                </p:cNvPicPr>
-                <p:nvPr/>
-              </p:nvPicPr>
-              <p:blipFill rotWithShape="1">
-                <a:blip r:embed="rId7">
-                  <a:extLst>
-                    <a:ext uri="{28A0092B-C50C-407E-A947-70E740481C1C}">
-                      <a14:useLocalDpi xmlns:a14="http://schemas.microsoft.com/office/drawing/2010/main" val="0"/>
-                    </a:ext>
-                  </a:extLst>
-                </a:blip>
-                <a:srcRect l="31388" t="2585" r="29908" b="10038"/>
-                <a:stretch/>
-              </p:blipFill>
-              <p:spPr>
-                <a:xfrm>
-                  <a:off x="12325233" y="20571544"/>
-                  <a:ext cx="1971336" cy="2834640"/>
-                </a:xfrm>
-                <a:prstGeom prst="rect">
-                  <a:avLst/>
-                </a:prstGeom>
-              </p:spPr>
-            </p:pic>
-            <p:pic>
-              <p:nvPicPr>
-                <p:cNvPr id="373" name="Content Placeholder 4">
-                  <a:extLst>
-                    <a:ext uri="{FF2B5EF4-FFF2-40B4-BE49-F238E27FC236}">
-                      <a16:creationId xmlns:a16="http://schemas.microsoft.com/office/drawing/2014/main" id="{719AA162-8850-43D9-98CB-3E8A23C83F39}"/>
-                    </a:ext>
-                  </a:extLst>
-                </p:cNvPr>
-                <p:cNvPicPr>
-                  <a:picLocks noChangeAspect="1"/>
-                </p:cNvPicPr>
-                <p:nvPr/>
-              </p:nvPicPr>
-              <p:blipFill rotWithShape="1">
-                <a:blip r:embed="rId7">
-                  <a:extLst>
-                    <a:ext uri="{28A0092B-C50C-407E-A947-70E740481C1C}">
-                      <a14:useLocalDpi xmlns:a14="http://schemas.microsoft.com/office/drawing/2010/main" val="0"/>
-                    </a:ext>
-                  </a:extLst>
-                </a:blip>
-                <a:srcRect l="71504" t="25240" r="2804" b="31451"/>
-                <a:stretch/>
-              </p:blipFill>
-              <p:spPr>
-                <a:xfrm>
-                  <a:off x="14296569" y="21377788"/>
-                  <a:ext cx="1138305" cy="1222149"/>
-                </a:xfrm>
-                <a:prstGeom prst="rect">
-                  <a:avLst/>
-                </a:prstGeom>
-              </p:spPr>
-            </p:pic>
-          </p:grpSp>
-          <p:sp>
-            <p:nvSpPr>
-              <p:cNvPr id="103" name="Rectangle 102">
-                <a:extLst>
-                  <a:ext uri="{FF2B5EF4-FFF2-40B4-BE49-F238E27FC236}">
-                    <a16:creationId xmlns:a16="http://schemas.microsoft.com/office/drawing/2014/main" id="{59B5D820-979D-41A4-8106-71C42282C9D7}"/>
+                    <a16:creationId xmlns:a16="http://schemas.microsoft.com/office/drawing/2014/main" id="{152BE03E-793A-4352-A203-0570323281CC}"/>
                   </a:ext>
                 </a:extLst>
               </p:cNvPr>
               <p:cNvSpPr/>
               <p:nvPr/>
             </p:nvSpPr>
-            <p:spPr>
+            <p:spPr bwMode="auto">
               <a:xfrm>
-                <a:off x="11016933" y="20661477"/>
-                <a:ext cx="2606642" cy="2539157"/>
+                <a:off x="162112" y="2012458"/>
+                <a:ext cx="1505099" cy="869462"/>
               </a:xfrm>
-              <a:prstGeom prst="rect">
+              <a:prstGeom prst="roundRect">
                 <a:avLst/>
               </a:prstGeom>
+              <a:solidFill>
+                <a:schemeClr val="accent2">
+                  <a:lumMod val="40000"/>
+                  <a:lumOff val="60000"/>
+                </a:schemeClr>
+              </a:solidFill>
+              <a:ln w="9525" cap="flat" cmpd="sng" algn="ctr">
+                <a:solidFill>
+                  <a:schemeClr val="tx1"/>
+                </a:solidFill>
+                <a:prstDash val="solid"/>
+                <a:round/>
+                <a:headEnd type="none" w="med" len="med"/>
+                <a:tailEnd type="none" w="med" len="med"/>
+              </a:ln>
+              <a:effectLst>
+                <a:glow rad="63500">
+                  <a:schemeClr val="accent1">
+                    <a:satMod val="175000"/>
+                    <a:alpha val="40000"/>
+                  </a:schemeClr>
+                </a:glow>
+                <a:outerShdw blurRad="50800" dist="38100" dir="16200000" rotWithShape="0">
+                  <a:prstClr val="black">
+                    <a:alpha val="40000"/>
+                  </a:prstClr>
+                </a:outerShdw>
+              </a:effectLst>
             </p:spPr>
             <p:txBody>
-              <a:bodyPr wrap="square">
-                <a:spAutoFit/>
+              <a:bodyPr vert="horz" wrap="square" lIns="91440" tIns="45720" rIns="91440" bIns="45720" numCol="1" rtlCol="0" anchor="ctr" anchorCtr="0" compatLnSpc="1">
+                <a:prstTxWarp prst="textNoShape">
+                  <a:avLst/>
+                </a:prstTxWarp>
               </a:bodyPr>
               <a:lstStyle/>
               <a:p>
-                <a:pPr>
-                  <a:lnSpc>
-                    <a:spcPct val="200000"/>
-                  </a:lnSpc>
+                <a:pPr algn="ctr" defTabSz="724571" eaLnBrk="0" fontAlgn="base" hangingPunct="0">
                   <a:spcBef>
-                    <a:spcPts val="600"/>
+                    <a:spcPct val="0"/>
                   </a:spcBef>
+                  <a:spcAft>
+                    <a:spcPct val="0"/>
+                  </a:spcAft>
                 </a:pPr>
                 <a:r>
-                  <a:rPr lang="en-US" dirty="0"/>
-                  <a:t>Zm00001d045909 </a:t>
-                </a:r>
-                <a:endParaRPr lang="en-US" dirty="0">
-                  <a:solidFill>
-                    <a:srgbClr val="FF0000"/>
-                  </a:solidFill>
-                </a:endParaRPr>
-              </a:p>
-              <a:p>
-                <a:pPr>
-                  <a:lnSpc>
-                    <a:spcPct val="200000"/>
-                  </a:lnSpc>
-                  <a:spcBef>
-                    <a:spcPts val="600"/>
-                  </a:spcBef>
-                </a:pPr>
-                <a:r>
-                  <a:rPr lang="en-US" dirty="0">
+                  <a:rPr lang="en-US" sz="1900" b="1" dirty="0">
                     <a:solidFill>
-                      <a:srgbClr val="FF0000"/>
+                      <a:schemeClr val="tx1"/>
                     </a:solidFill>
+                    <a:latin typeface="Calibri" panose="020F0502020204030204" pitchFamily="34" charset="0"/>
+                    <a:ea typeface="ＭＳ Ｐゴシック" pitchFamily="16" charset="-128"/>
                   </a:rPr>
-                  <a:t>Zm00001d036345_PSY1</a:t>
+                  <a:t>RNA Sequencing Reads </a:t>
                 </a:r>
               </a:p>
               <a:p>
-                <a:pPr>
-                  <a:lnSpc>
-                    <a:spcPct val="200000"/>
-                  </a:lnSpc>
+                <a:pPr algn="ctr" defTabSz="724571" eaLnBrk="0" fontAlgn="base" hangingPunct="0">
                   <a:spcBef>
-                    <a:spcPts val="600"/>
+                    <a:spcPct val="0"/>
                   </a:spcBef>
+                  <a:spcAft>
+                    <a:spcPct val="0"/>
+                  </a:spcAft>
                 </a:pPr>
                 <a:r>
-                  <a:rPr lang="en-US" dirty="0"/>
-                  <a:t>Zm00001d021410_PSY3</a:t>
+                  <a:rPr lang="en-US" sz="1600" b="1" dirty="0">
+                    <a:solidFill>
+                      <a:schemeClr val="tx1"/>
+                    </a:solidFill>
+                    <a:latin typeface="Calibri" panose="020F0502020204030204" pitchFamily="34" charset="0"/>
+                    <a:ea typeface="ＭＳ Ｐゴシック" pitchFamily="16" charset="-128"/>
+                  </a:rPr>
+                  <a:t>(100 </a:t>
                 </a:r>
-                <a:endParaRPr lang="en-US" dirty="0">
-                  <a:solidFill>
-                    <a:srgbClr val="FF0000"/>
-                  </a:solidFill>
-                </a:endParaRPr>
-              </a:p>
-              <a:p>
-                <a:pPr>
-                  <a:lnSpc>
-                    <a:spcPct val="200000"/>
-                  </a:lnSpc>
-                  <a:spcBef>
-                    <a:spcPts val="600"/>
-                  </a:spcBef>
-                </a:pPr>
                 <a:r>
-                  <a:rPr lang="en-US" dirty="0">
+                  <a:rPr lang="en-US" sz="1600" b="1" dirty="0" err="1">
                     <a:solidFill>
-                      <a:srgbClr val="FF0000"/>
+                      <a:schemeClr val="tx1"/>
                     </a:solidFill>
+                    <a:latin typeface="Calibri" panose="020F0502020204030204" pitchFamily="34" charset="0"/>
+                    <a:ea typeface="ＭＳ Ｐゴシック" pitchFamily="16" charset="-128"/>
                   </a:rPr>
-                  <a:t>Zm00001d012394_PSY2</a:t>
+                  <a:t>bp</a:t>
+                </a:r>
+                <a:r>
+                  <a:rPr lang="en-US" sz="1600" b="1" dirty="0">
+                    <a:solidFill>
+                      <a:schemeClr val="tx1"/>
+                    </a:solidFill>
+                    <a:latin typeface="Calibri" panose="020F0502020204030204" pitchFamily="34" charset="0"/>
+                    <a:ea typeface="ＭＳ Ｐゴシック" pitchFamily="16" charset="-128"/>
+                  </a:rPr>
+                  <a:t>) </a:t>
+                </a:r>
+                <a:r>
+                  <a:rPr lang="en-US" sz="1900" b="1" dirty="0">
+                    <a:solidFill>
+                      <a:schemeClr val="tx1"/>
+                    </a:solidFill>
+                    <a:latin typeface="Calibri" panose="020F0502020204030204" pitchFamily="34" charset="0"/>
+                    <a:ea typeface="ＭＳ Ｐゴシック" pitchFamily="16" charset="-128"/>
+                  </a:rPr>
+                  <a:t>.</a:t>
+                </a:r>
+                <a:r>
+                  <a:rPr lang="en-US" sz="1900" b="1" dirty="0" err="1">
+                    <a:solidFill>
+                      <a:schemeClr val="tx1"/>
+                    </a:solidFill>
+                    <a:latin typeface="Calibri" panose="020F0502020204030204" pitchFamily="34" charset="0"/>
+                    <a:ea typeface="ＭＳ Ｐゴシック" pitchFamily="16" charset="-128"/>
+                  </a:rPr>
+                  <a:t>fastq</a:t>
+                </a:r>
+                <a:r>
+                  <a:rPr lang="en-US" sz="1900" b="1" dirty="0">
+                    <a:solidFill>
+                      <a:schemeClr val="tx1"/>
+                    </a:solidFill>
+                    <a:latin typeface="Calibri" panose="020F0502020204030204" pitchFamily="34" charset="0"/>
+                    <a:ea typeface="ＭＳ Ｐゴシック" pitchFamily="16" charset="-128"/>
+                  </a:rPr>
+                  <a:t> files</a:t>
                 </a:r>
               </a:p>
             </p:txBody>
           </p:sp>
           <p:sp>
             <p:nvSpPr>
-              <p:cNvPr id="104" name="TextBox 103">
+              <p:cNvPr id="416" name="TextBox 415">
                 <a:extLst>
                   <a:ext uri="{FF2B5EF4-FFF2-40B4-BE49-F238E27FC236}">
-                    <a16:creationId xmlns:a16="http://schemas.microsoft.com/office/drawing/2014/main" id="{95854F98-B7C9-4484-8D28-1B2BE47592BC}"/>
+                    <a16:creationId xmlns:a16="http://schemas.microsoft.com/office/drawing/2014/main" id="{B0244AB4-7182-49C4-8DD5-EFE7FE8754F8}"/>
                   </a:ext>
                 </a:extLst>
               </p:cNvPr>
@@ -15471,8 +17312,881 @@
             </p:nvSpPr>
             <p:spPr>
               <a:xfrm>
-                <a:off x="13379758" y="23264812"/>
-                <a:ext cx="1733210" cy="369332"/>
+                <a:off x="564313" y="1337701"/>
+                <a:ext cx="680856" cy="692591"/>
+              </a:xfrm>
+              <a:prstGeom prst="rect">
+                <a:avLst/>
+              </a:prstGeom>
+              <a:noFill/>
+            </p:spPr>
+            <p:txBody>
+              <a:bodyPr wrap="none" rtlCol="0">
+                <a:spAutoFit/>
+              </a:bodyPr>
+              <a:lstStyle/>
+              <a:p>
+                <a:pPr algn="ctr"/>
+                <a:r>
+                  <a:rPr lang="en-US" sz="1600" b="1" dirty="0" err="1">
+                    <a:solidFill>
+                      <a:schemeClr val="tx1"/>
+                    </a:solidFill>
+                    <a:latin typeface="Calibri" panose="020F0502020204030204" pitchFamily="34" charset="0"/>
+                  </a:rPr>
+                  <a:t>Illumina</a:t>
+                </a:r>
+                <a:endParaRPr lang="en-US" sz="1600" b="1" dirty="0">
+                  <a:solidFill>
+                    <a:schemeClr val="tx1"/>
+                  </a:solidFill>
+                  <a:latin typeface="Calibri" panose="020F0502020204030204" pitchFamily="34" charset="0"/>
+                </a:endParaRPr>
+              </a:p>
+              <a:p>
+                <a:pPr algn="ctr"/>
+                <a:r>
+                  <a:rPr lang="en-US" sz="1600" b="1" dirty="0">
+                    <a:solidFill>
+                      <a:schemeClr val="tx1"/>
+                    </a:solidFill>
+                    <a:latin typeface="Calibri" panose="020F0502020204030204" pitchFamily="34" charset="0"/>
+                  </a:rPr>
+                  <a:t>Sequencing</a:t>
+                </a:r>
+              </a:p>
+            </p:txBody>
+          </p:sp>
+          <p:sp>
+            <p:nvSpPr>
+              <p:cNvPr id="417" name="TextBox 416">
+                <a:extLst>
+                  <a:ext uri="{FF2B5EF4-FFF2-40B4-BE49-F238E27FC236}">
+                    <a16:creationId xmlns:a16="http://schemas.microsoft.com/office/drawing/2014/main" id="{3E7B7BC5-6F41-4D8A-9D16-2D381B9BE65A}"/>
+                  </a:ext>
+                </a:extLst>
+              </p:cNvPr>
+              <p:cNvSpPr txBox="1"/>
+              <p:nvPr/>
+            </p:nvSpPr>
+            <p:spPr>
+              <a:xfrm>
+                <a:off x="2057399" y="1046082"/>
+                <a:ext cx="1710741" cy="984210"/>
+              </a:xfrm>
+              <a:prstGeom prst="rect">
+                <a:avLst/>
+              </a:prstGeom>
+              <a:noFill/>
+            </p:spPr>
+            <p:txBody>
+              <a:bodyPr wrap="square" rtlCol="0">
+                <a:spAutoFit/>
+              </a:bodyPr>
+              <a:lstStyle/>
+              <a:p>
+                <a:pPr algn="ctr"/>
+                <a:r>
+                  <a:rPr lang="en-US" sz="1600" b="1" dirty="0">
+                    <a:solidFill>
+                      <a:schemeClr val="tx1"/>
+                    </a:solidFill>
+                    <a:latin typeface="Calibri" panose="020F0502020204030204" pitchFamily="34" charset="0"/>
+                  </a:rPr>
+                  <a:t>Read Alignment onto</a:t>
+                </a:r>
+              </a:p>
+              <a:p>
+                <a:pPr algn="ctr"/>
+                <a:r>
+                  <a:rPr lang="en-US" sz="1600" b="1" dirty="0">
+                    <a:solidFill>
+                      <a:schemeClr val="tx1"/>
+                    </a:solidFill>
+                    <a:latin typeface="Calibri" panose="020F0502020204030204" pitchFamily="34" charset="0"/>
+                  </a:rPr>
+                  <a:t>Maize Reference Genome</a:t>
+                </a:r>
+              </a:p>
+              <a:p>
+                <a:pPr algn="ctr"/>
+                <a:r>
+                  <a:rPr lang="en-US" sz="1600" b="1" dirty="0">
+                    <a:solidFill>
+                      <a:schemeClr val="tx1"/>
+                    </a:solidFill>
+                    <a:latin typeface="Calibri" panose="020F0502020204030204" pitchFamily="34" charset="0"/>
+                  </a:rPr>
+                  <a:t>Splice Site Discovery</a:t>
+                </a:r>
+              </a:p>
+            </p:txBody>
+          </p:sp>
+          <p:sp>
+            <p:nvSpPr>
+              <p:cNvPr id="418" name="TextBox 417">
+                <a:extLst>
+                  <a:ext uri="{FF2B5EF4-FFF2-40B4-BE49-F238E27FC236}">
+                    <a16:creationId xmlns:a16="http://schemas.microsoft.com/office/drawing/2014/main" id="{DF72DAC2-0C64-44E5-88D3-98A86D9F9058}"/>
+                  </a:ext>
+                </a:extLst>
+              </p:cNvPr>
+              <p:cNvSpPr txBox="1"/>
+              <p:nvPr/>
+            </p:nvSpPr>
+            <p:spPr>
+              <a:xfrm>
+                <a:off x="4232148" y="1337699"/>
+                <a:ext cx="1006190" cy="692591"/>
+              </a:xfrm>
+              <a:prstGeom prst="rect">
+                <a:avLst/>
+              </a:prstGeom>
+              <a:noFill/>
+            </p:spPr>
+            <p:txBody>
+              <a:bodyPr wrap="none" rtlCol="0">
+                <a:spAutoFit/>
+              </a:bodyPr>
+              <a:lstStyle/>
+              <a:p>
+                <a:pPr algn="ctr"/>
+                <a:r>
+                  <a:rPr lang="en-US" sz="1600" b="1" dirty="0">
+                    <a:solidFill>
+                      <a:schemeClr val="tx1"/>
+                    </a:solidFill>
+                    <a:latin typeface="Calibri" panose="020F0502020204030204" pitchFamily="34" charset="0"/>
+                  </a:rPr>
+                  <a:t>Reads Assembled </a:t>
+                </a:r>
+              </a:p>
+              <a:p>
+                <a:pPr algn="ctr"/>
+                <a:r>
+                  <a:rPr lang="en-US" sz="1600" b="1" dirty="0">
+                    <a:solidFill>
+                      <a:schemeClr val="tx1"/>
+                    </a:solidFill>
+                    <a:latin typeface="Calibri" panose="020F0502020204030204" pitchFamily="34" charset="0"/>
+                  </a:rPr>
+                  <a:t>into Transcripts</a:t>
+                </a:r>
+              </a:p>
+            </p:txBody>
+          </p:sp>
+          <p:sp>
+            <p:nvSpPr>
+              <p:cNvPr id="419" name="Rounded Rectangle 547">
+                <a:extLst>
+                  <a:ext uri="{FF2B5EF4-FFF2-40B4-BE49-F238E27FC236}">
+                    <a16:creationId xmlns:a16="http://schemas.microsoft.com/office/drawing/2014/main" id="{CBE4D278-F201-4DE8-A1F3-870CC16C35BB}"/>
+                  </a:ext>
+                </a:extLst>
+              </p:cNvPr>
+              <p:cNvSpPr/>
+              <p:nvPr/>
+            </p:nvSpPr>
+            <p:spPr bwMode="auto">
+              <a:xfrm>
+                <a:off x="2057400" y="2007633"/>
+                <a:ext cx="1614121" cy="869462"/>
+              </a:xfrm>
+              <a:prstGeom prst="roundRect">
+                <a:avLst/>
+              </a:prstGeom>
+              <a:solidFill>
+                <a:schemeClr val="accent3">
+                  <a:lumMod val="60000"/>
+                  <a:lumOff val="40000"/>
+                </a:schemeClr>
+              </a:solidFill>
+              <a:ln w="9525" cap="flat" cmpd="sng" algn="ctr">
+                <a:solidFill>
+                  <a:schemeClr val="tx1"/>
+                </a:solidFill>
+                <a:prstDash val="solid"/>
+                <a:round/>
+                <a:headEnd type="none" w="med" len="med"/>
+                <a:tailEnd type="none" w="med" len="med"/>
+              </a:ln>
+              <a:effectLst>
+                <a:glow rad="63500">
+                  <a:schemeClr val="accent1">
+                    <a:satMod val="175000"/>
+                    <a:alpha val="40000"/>
+                  </a:schemeClr>
+                </a:glow>
+                <a:outerShdw blurRad="50800" dist="38100" dir="16200000" rotWithShape="0">
+                  <a:prstClr val="black">
+                    <a:alpha val="40000"/>
+                  </a:prstClr>
+                </a:outerShdw>
+              </a:effectLst>
+            </p:spPr>
+            <p:txBody>
+              <a:bodyPr vert="horz" wrap="square" lIns="91440" tIns="45720" rIns="91440" bIns="45720" numCol="1" rtlCol="0" anchor="ctr" anchorCtr="0" compatLnSpc="1">
+                <a:prstTxWarp prst="textNoShape">
+                  <a:avLst/>
+                </a:prstTxWarp>
+              </a:bodyPr>
+              <a:lstStyle/>
+              <a:p>
+                <a:pPr algn="ctr" defTabSz="724571" eaLnBrk="0" fontAlgn="base" hangingPunct="0">
+                  <a:spcBef>
+                    <a:spcPct val="0"/>
+                  </a:spcBef>
+                  <a:spcAft>
+                    <a:spcPct val="0"/>
+                  </a:spcAft>
+                </a:pPr>
+                <a:r>
+                  <a:rPr lang="en-US" sz="1900" b="1" dirty="0">
+                    <a:solidFill>
+                      <a:schemeClr val="tx1"/>
+                    </a:solidFill>
+                    <a:latin typeface="Calibri" panose="020F0502020204030204" pitchFamily="34" charset="0"/>
+                    <a:ea typeface="ＭＳ Ｐゴシック" pitchFamily="16" charset="-128"/>
+                  </a:rPr>
+                  <a:t>Bowtie/</a:t>
+                </a:r>
+                <a:r>
+                  <a:rPr lang="en-US" sz="1900" b="1" dirty="0" err="1">
+                    <a:solidFill>
+                      <a:schemeClr val="tx1"/>
+                    </a:solidFill>
+                    <a:latin typeface="Calibri" panose="020F0502020204030204" pitchFamily="34" charset="0"/>
+                    <a:ea typeface="ＭＳ Ｐゴシック" pitchFamily="16" charset="-128"/>
+                  </a:rPr>
+                  <a:t>TopHat</a:t>
+                </a:r>
+                <a:r>
+                  <a:rPr lang="en-US" sz="1900" b="1" dirty="0">
+                    <a:solidFill>
+                      <a:schemeClr val="tx1"/>
+                    </a:solidFill>
+                    <a:latin typeface="Calibri" panose="020F0502020204030204" pitchFamily="34" charset="0"/>
+                    <a:ea typeface="ＭＳ Ｐゴシック" pitchFamily="16" charset="-128"/>
+                  </a:rPr>
+                  <a:t> Alignment</a:t>
+                </a:r>
+              </a:p>
+            </p:txBody>
+          </p:sp>
+          <p:sp>
+            <p:nvSpPr>
+              <p:cNvPr id="420" name="Rounded Rectangle 548">
+                <a:extLst>
+                  <a:ext uri="{FF2B5EF4-FFF2-40B4-BE49-F238E27FC236}">
+                    <a16:creationId xmlns:a16="http://schemas.microsoft.com/office/drawing/2014/main" id="{C9C23A17-4A48-4FC9-950A-F12FFEEDC746}"/>
+                  </a:ext>
+                </a:extLst>
+              </p:cNvPr>
+              <p:cNvSpPr/>
+              <p:nvPr/>
+            </p:nvSpPr>
+            <p:spPr bwMode="auto">
+              <a:xfrm>
+                <a:off x="3987351" y="2008552"/>
+                <a:ext cx="1505099" cy="869461"/>
+              </a:xfrm>
+              <a:prstGeom prst="roundRect">
+                <a:avLst/>
+              </a:prstGeom>
+              <a:solidFill>
+                <a:schemeClr val="accent6">
+                  <a:lumMod val="20000"/>
+                  <a:lumOff val="80000"/>
+                </a:schemeClr>
+              </a:solidFill>
+              <a:ln w="9525" cap="flat" cmpd="sng" algn="ctr">
+                <a:solidFill>
+                  <a:schemeClr val="tx1"/>
+                </a:solidFill>
+                <a:prstDash val="solid"/>
+                <a:round/>
+                <a:headEnd type="none" w="med" len="med"/>
+                <a:tailEnd type="none" w="med" len="med"/>
+              </a:ln>
+              <a:effectLst>
+                <a:glow rad="63500">
+                  <a:schemeClr val="accent1">
+                    <a:satMod val="175000"/>
+                    <a:alpha val="40000"/>
+                  </a:schemeClr>
+                </a:glow>
+                <a:outerShdw blurRad="50800" dist="38100" dir="16200000" rotWithShape="0">
+                  <a:prstClr val="black">
+                    <a:alpha val="40000"/>
+                  </a:prstClr>
+                </a:outerShdw>
+              </a:effectLst>
+            </p:spPr>
+            <p:txBody>
+              <a:bodyPr vert="horz" wrap="square" lIns="91440" tIns="45720" rIns="91440" bIns="45720" numCol="1" rtlCol="0" anchor="ctr" anchorCtr="0" compatLnSpc="1">
+                <a:prstTxWarp prst="textNoShape">
+                  <a:avLst/>
+                </a:prstTxWarp>
+              </a:bodyPr>
+              <a:lstStyle/>
+              <a:p>
+                <a:pPr algn="ctr" defTabSz="724571" eaLnBrk="0" fontAlgn="base" hangingPunct="0">
+                  <a:spcBef>
+                    <a:spcPct val="0"/>
+                  </a:spcBef>
+                  <a:spcAft>
+                    <a:spcPct val="0"/>
+                  </a:spcAft>
+                </a:pPr>
+                <a:r>
+                  <a:rPr lang="en-US" sz="1900" b="1" dirty="0">
+                    <a:solidFill>
+                      <a:schemeClr val="tx1"/>
+                    </a:solidFill>
+                    <a:latin typeface="Calibri" panose="020F0502020204030204" pitchFamily="34" charset="0"/>
+                    <a:ea typeface="ＭＳ Ｐゴシック" pitchFamily="16" charset="-128"/>
+                  </a:rPr>
+                  <a:t>Cufflinks</a:t>
+                </a:r>
+              </a:p>
+            </p:txBody>
+          </p:sp>
+          <p:sp>
+            <p:nvSpPr>
+              <p:cNvPr id="421" name="Rounded Rectangle 549">
+                <a:extLst>
+                  <a:ext uri="{FF2B5EF4-FFF2-40B4-BE49-F238E27FC236}">
+                    <a16:creationId xmlns:a16="http://schemas.microsoft.com/office/drawing/2014/main" id="{3678503A-4726-4096-A846-9BB69D59EC70}"/>
+                  </a:ext>
+                </a:extLst>
+              </p:cNvPr>
+              <p:cNvSpPr/>
+              <p:nvPr/>
+            </p:nvSpPr>
+            <p:spPr bwMode="auto">
+              <a:xfrm>
+                <a:off x="5755563" y="2024182"/>
+                <a:ext cx="1417177" cy="869462"/>
+              </a:xfrm>
+              <a:prstGeom prst="roundRect">
+                <a:avLst/>
+              </a:prstGeom>
+              <a:solidFill>
+                <a:schemeClr val="accent6">
+                  <a:lumMod val="40000"/>
+                  <a:lumOff val="60000"/>
+                </a:schemeClr>
+              </a:solidFill>
+              <a:ln w="9525" cap="flat" cmpd="sng" algn="ctr">
+                <a:solidFill>
+                  <a:schemeClr val="tx1"/>
+                </a:solidFill>
+                <a:prstDash val="solid"/>
+                <a:round/>
+                <a:headEnd type="none" w="med" len="med"/>
+                <a:tailEnd type="none" w="med" len="med"/>
+              </a:ln>
+              <a:effectLst>
+                <a:glow rad="63500">
+                  <a:schemeClr val="accent1">
+                    <a:satMod val="175000"/>
+                    <a:alpha val="40000"/>
+                  </a:schemeClr>
+                </a:glow>
+                <a:outerShdw blurRad="50800" dist="38100" dir="16200000" rotWithShape="0">
+                  <a:prstClr val="black">
+                    <a:alpha val="40000"/>
+                  </a:prstClr>
+                </a:outerShdw>
+              </a:effectLst>
+            </p:spPr>
+            <p:txBody>
+              <a:bodyPr vert="horz" wrap="square" lIns="91440" tIns="45720" rIns="91440" bIns="45720" numCol="1" rtlCol="0" anchor="ctr" anchorCtr="0" compatLnSpc="1">
+                <a:prstTxWarp prst="textNoShape">
+                  <a:avLst/>
+                </a:prstTxWarp>
+              </a:bodyPr>
+              <a:lstStyle/>
+              <a:p>
+                <a:pPr algn="ctr" defTabSz="724571" eaLnBrk="0" fontAlgn="base" hangingPunct="0">
+                  <a:spcBef>
+                    <a:spcPct val="0"/>
+                  </a:spcBef>
+                  <a:spcAft>
+                    <a:spcPct val="0"/>
+                  </a:spcAft>
+                </a:pPr>
+                <a:r>
+                  <a:rPr lang="en-US" sz="1900" b="1" dirty="0" err="1">
+                    <a:solidFill>
+                      <a:schemeClr val="tx1"/>
+                    </a:solidFill>
+                    <a:latin typeface="Calibri" panose="020F0502020204030204" pitchFamily="34" charset="0"/>
+                    <a:ea typeface="ＭＳ Ｐゴシック" pitchFamily="16" charset="-128"/>
+                  </a:rPr>
+                  <a:t>Cuffmerge</a:t>
+                </a:r>
+                <a:endParaRPr lang="en-US" sz="1900" b="1" dirty="0">
+                  <a:solidFill>
+                    <a:schemeClr val="tx1"/>
+                  </a:solidFill>
+                  <a:latin typeface="Calibri" panose="020F0502020204030204" pitchFamily="34" charset="0"/>
+                  <a:ea typeface="ＭＳ Ｐゴシック" pitchFamily="16" charset="-128"/>
+                </a:endParaRPr>
+              </a:p>
+            </p:txBody>
+          </p:sp>
+          <p:sp>
+            <p:nvSpPr>
+              <p:cNvPr id="422" name="Rounded Rectangle 550">
+                <a:extLst>
+                  <a:ext uri="{FF2B5EF4-FFF2-40B4-BE49-F238E27FC236}">
+                    <a16:creationId xmlns:a16="http://schemas.microsoft.com/office/drawing/2014/main" id="{851EF9C8-A2A4-4B04-9FB5-44EAE402698E}"/>
+                  </a:ext>
+                </a:extLst>
+              </p:cNvPr>
+              <p:cNvSpPr/>
+              <p:nvPr/>
+            </p:nvSpPr>
+            <p:spPr bwMode="auto">
+              <a:xfrm>
+                <a:off x="7480499" y="2020279"/>
+                <a:ext cx="1417177" cy="869462"/>
+              </a:xfrm>
+              <a:prstGeom prst="roundRect">
+                <a:avLst/>
+              </a:prstGeom>
+              <a:solidFill>
+                <a:schemeClr val="accent6">
+                  <a:lumMod val="60000"/>
+                  <a:lumOff val="40000"/>
+                </a:schemeClr>
+              </a:solidFill>
+              <a:ln w="9525" cap="flat" cmpd="sng" algn="ctr">
+                <a:solidFill>
+                  <a:schemeClr val="tx1"/>
+                </a:solidFill>
+                <a:prstDash val="solid"/>
+                <a:round/>
+                <a:headEnd type="none" w="med" len="med"/>
+                <a:tailEnd type="none" w="med" len="med"/>
+              </a:ln>
+              <a:effectLst>
+                <a:glow rad="63500">
+                  <a:schemeClr val="accent1">
+                    <a:satMod val="175000"/>
+                    <a:alpha val="40000"/>
+                  </a:schemeClr>
+                </a:glow>
+                <a:outerShdw blurRad="50800" dist="38100" dir="16200000" rotWithShape="0">
+                  <a:prstClr val="black">
+                    <a:alpha val="40000"/>
+                  </a:prstClr>
+                </a:outerShdw>
+              </a:effectLst>
+            </p:spPr>
+            <p:txBody>
+              <a:bodyPr vert="horz" wrap="square" lIns="91440" tIns="45720" rIns="91440" bIns="45720" numCol="1" rtlCol="0" anchor="ctr" anchorCtr="0" compatLnSpc="1">
+                <a:prstTxWarp prst="textNoShape">
+                  <a:avLst/>
+                </a:prstTxWarp>
+              </a:bodyPr>
+              <a:lstStyle/>
+              <a:p>
+                <a:pPr algn="ctr" defTabSz="724571" eaLnBrk="0" fontAlgn="base" hangingPunct="0">
+                  <a:spcBef>
+                    <a:spcPct val="0"/>
+                  </a:spcBef>
+                  <a:spcAft>
+                    <a:spcPct val="0"/>
+                  </a:spcAft>
+                </a:pPr>
+                <a:r>
+                  <a:rPr lang="en-US" sz="1900" b="1" dirty="0" err="1">
+                    <a:solidFill>
+                      <a:schemeClr val="tx1"/>
+                    </a:solidFill>
+                    <a:latin typeface="Calibri" panose="020F0502020204030204" pitchFamily="34" charset="0"/>
+                    <a:ea typeface="ＭＳ Ｐゴシック" pitchFamily="16" charset="-128"/>
+                  </a:rPr>
+                  <a:t>Cuffdiff</a:t>
+                </a:r>
+                <a:endParaRPr lang="en-US" sz="1900" b="1" dirty="0">
+                  <a:solidFill>
+                    <a:schemeClr val="tx1"/>
+                  </a:solidFill>
+                  <a:latin typeface="Calibri" panose="020F0502020204030204" pitchFamily="34" charset="0"/>
+                  <a:ea typeface="ＭＳ Ｐゴシック" pitchFamily="16" charset="-128"/>
+                </a:endParaRPr>
+              </a:p>
+              <a:p>
+                <a:pPr algn="ctr" defTabSz="724571" eaLnBrk="0" fontAlgn="base" hangingPunct="0">
+                  <a:spcBef>
+                    <a:spcPct val="0"/>
+                  </a:spcBef>
+                  <a:spcAft>
+                    <a:spcPct val="0"/>
+                  </a:spcAft>
+                </a:pPr>
+                <a:r>
+                  <a:rPr lang="en-US" sz="1300" b="1" dirty="0">
+                    <a:solidFill>
+                      <a:schemeClr val="tx1"/>
+                    </a:solidFill>
+                    <a:latin typeface="Calibri" panose="020F0502020204030204" pitchFamily="34" charset="0"/>
+                    <a:ea typeface="ＭＳ Ｐゴシック" pitchFamily="16" charset="-128"/>
+                  </a:rPr>
+                  <a:t>(compare RPKM)</a:t>
+                </a:r>
+              </a:p>
+            </p:txBody>
+          </p:sp>
+          <p:sp>
+            <p:nvSpPr>
+              <p:cNvPr id="423" name="TextBox 422">
+                <a:extLst>
+                  <a:ext uri="{FF2B5EF4-FFF2-40B4-BE49-F238E27FC236}">
+                    <a16:creationId xmlns:a16="http://schemas.microsoft.com/office/drawing/2014/main" id="{CEC14EEA-6A12-4F1D-9758-9CA6AE338482}"/>
+                  </a:ext>
+                </a:extLst>
+              </p:cNvPr>
+              <p:cNvSpPr txBox="1"/>
+              <p:nvPr/>
+            </p:nvSpPr>
+            <p:spPr>
+              <a:xfrm>
+                <a:off x="5882039" y="1337699"/>
+                <a:ext cx="1269010" cy="692591"/>
+              </a:xfrm>
+              <a:prstGeom prst="rect">
+                <a:avLst/>
+              </a:prstGeom>
+              <a:noFill/>
+            </p:spPr>
+            <p:txBody>
+              <a:bodyPr wrap="square" rtlCol="0">
+                <a:spAutoFit/>
+              </a:bodyPr>
+              <a:lstStyle/>
+              <a:p>
+                <a:pPr algn="ctr"/>
+                <a:r>
+                  <a:rPr lang="en-US" sz="1600" b="1" dirty="0">
+                    <a:solidFill>
+                      <a:schemeClr val="tx1"/>
+                    </a:solidFill>
+                    <a:latin typeface="Calibri" panose="020F0502020204030204" pitchFamily="34" charset="0"/>
+                  </a:rPr>
+                  <a:t>Generate Transcript</a:t>
+                </a:r>
+              </a:p>
+              <a:p>
+                <a:pPr algn="ctr"/>
+                <a:r>
+                  <a:rPr lang="en-US" sz="1600" b="1" dirty="0">
+                    <a:solidFill>
+                      <a:schemeClr val="tx1"/>
+                    </a:solidFill>
+                    <a:latin typeface="Calibri" panose="020F0502020204030204" pitchFamily="34" charset="0"/>
+                  </a:rPr>
+                  <a:t>Reference</a:t>
+                </a:r>
+              </a:p>
+            </p:txBody>
+          </p:sp>
+          <p:sp>
+            <p:nvSpPr>
+              <p:cNvPr id="424" name="TextBox 423">
+                <a:extLst>
+                  <a:ext uri="{FF2B5EF4-FFF2-40B4-BE49-F238E27FC236}">
+                    <a16:creationId xmlns:a16="http://schemas.microsoft.com/office/drawing/2014/main" id="{49F4C5AB-6FF8-4E27-8A15-418B60F693F0}"/>
+                  </a:ext>
+                </a:extLst>
+              </p:cNvPr>
+              <p:cNvSpPr txBox="1"/>
+              <p:nvPr/>
+            </p:nvSpPr>
+            <p:spPr>
+              <a:xfrm>
+                <a:off x="7514243" y="1629316"/>
+                <a:ext cx="1383433" cy="400974"/>
+              </a:xfrm>
+              <a:prstGeom prst="rect">
+                <a:avLst/>
+              </a:prstGeom>
+              <a:noFill/>
+            </p:spPr>
+            <p:txBody>
+              <a:bodyPr wrap="square" rtlCol="0">
+                <a:spAutoFit/>
+              </a:bodyPr>
+              <a:lstStyle/>
+              <a:p>
+                <a:pPr algn="ctr"/>
+                <a:r>
+                  <a:rPr lang="en-US" sz="1600" b="1" dirty="0">
+                    <a:solidFill>
+                      <a:schemeClr val="tx1"/>
+                    </a:solidFill>
+                    <a:latin typeface="Calibri" panose="020F0502020204030204" pitchFamily="34" charset="0"/>
+                  </a:rPr>
+                  <a:t>Differential Expression</a:t>
+                </a:r>
+              </a:p>
+            </p:txBody>
+          </p:sp>
+          <p:sp>
+            <p:nvSpPr>
+              <p:cNvPr id="425" name="Rounded Rectangle 553">
+                <a:extLst>
+                  <a:ext uri="{FF2B5EF4-FFF2-40B4-BE49-F238E27FC236}">
+                    <a16:creationId xmlns:a16="http://schemas.microsoft.com/office/drawing/2014/main" id="{64F4A120-B51A-4A53-A6FF-76C7041B3F28}"/>
+                  </a:ext>
+                </a:extLst>
+              </p:cNvPr>
+              <p:cNvSpPr/>
+              <p:nvPr/>
+            </p:nvSpPr>
+            <p:spPr bwMode="auto">
+              <a:xfrm>
+                <a:off x="2057400" y="3479788"/>
+                <a:ext cx="1600200" cy="869461"/>
+              </a:xfrm>
+              <a:prstGeom prst="roundRect">
+                <a:avLst/>
+              </a:prstGeom>
+              <a:solidFill>
+                <a:schemeClr val="accent5">
+                  <a:lumMod val="60000"/>
+                  <a:lumOff val="40000"/>
+                </a:schemeClr>
+              </a:solidFill>
+              <a:ln w="9525" cap="flat" cmpd="sng" algn="ctr">
+                <a:solidFill>
+                  <a:schemeClr val="tx1"/>
+                </a:solidFill>
+                <a:prstDash val="solid"/>
+                <a:round/>
+                <a:headEnd type="none" w="med" len="med"/>
+                <a:tailEnd type="none" w="med" len="med"/>
+              </a:ln>
+              <a:effectLst>
+                <a:glow rad="63500">
+                  <a:schemeClr val="accent1">
+                    <a:satMod val="175000"/>
+                    <a:alpha val="40000"/>
+                  </a:schemeClr>
+                </a:glow>
+                <a:outerShdw blurRad="50800" dist="38100" dir="16200000" rotWithShape="0">
+                  <a:prstClr val="black">
+                    <a:alpha val="40000"/>
+                  </a:prstClr>
+                </a:outerShdw>
+              </a:effectLst>
+            </p:spPr>
+            <p:txBody>
+              <a:bodyPr vert="horz" wrap="square" lIns="91440" tIns="45720" rIns="91440" bIns="45720" numCol="1" rtlCol="0" anchor="ctr" anchorCtr="0" compatLnSpc="1">
+                <a:prstTxWarp prst="textNoShape">
+                  <a:avLst/>
+                </a:prstTxWarp>
+              </a:bodyPr>
+              <a:lstStyle/>
+              <a:p>
+                <a:pPr algn="ctr" defTabSz="724571" eaLnBrk="0" fontAlgn="base" hangingPunct="0">
+                  <a:spcBef>
+                    <a:spcPct val="0"/>
+                  </a:spcBef>
+                  <a:spcAft>
+                    <a:spcPct val="0"/>
+                  </a:spcAft>
+                </a:pPr>
+                <a:r>
+                  <a:rPr lang="en-US" sz="1900" b="1" dirty="0">
+                    <a:solidFill>
+                      <a:schemeClr val="tx1"/>
+                    </a:solidFill>
+                    <a:latin typeface="Calibri" panose="020F0502020204030204" pitchFamily="34" charset="0"/>
+                    <a:ea typeface="ＭＳ Ｐゴシック" pitchFamily="16" charset="-128"/>
+                  </a:rPr>
+                  <a:t>Reference Genome</a:t>
+                </a:r>
+              </a:p>
+              <a:p>
+                <a:pPr algn="ctr" defTabSz="724571" eaLnBrk="0" fontAlgn="base" hangingPunct="0">
+                  <a:spcBef>
+                    <a:spcPct val="0"/>
+                  </a:spcBef>
+                  <a:spcAft>
+                    <a:spcPct val="0"/>
+                  </a:spcAft>
+                </a:pPr>
+                <a:r>
+                  <a:rPr lang="en-US" sz="1900" b="1" dirty="0">
+                    <a:solidFill>
+                      <a:schemeClr val="tx1"/>
+                    </a:solidFill>
+                    <a:latin typeface="Calibri" panose="020F0502020204030204" pitchFamily="34" charset="0"/>
+                    <a:ea typeface="ＭＳ Ｐゴシック" pitchFamily="16" charset="-128"/>
+                  </a:rPr>
+                  <a:t>(.</a:t>
+                </a:r>
+                <a:r>
+                  <a:rPr lang="en-US" sz="1900" b="1" dirty="0" err="1">
+                    <a:solidFill>
+                      <a:schemeClr val="tx1"/>
+                    </a:solidFill>
+                    <a:latin typeface="Calibri" panose="020F0502020204030204" pitchFamily="34" charset="0"/>
+                    <a:ea typeface="ＭＳ Ｐゴシック" pitchFamily="16" charset="-128"/>
+                  </a:rPr>
+                  <a:t>fa</a:t>
+                </a:r>
+                <a:r>
+                  <a:rPr lang="en-US" sz="1900" b="1" dirty="0">
+                    <a:solidFill>
+                      <a:schemeClr val="tx1"/>
+                    </a:solidFill>
+                    <a:latin typeface="Calibri" panose="020F0502020204030204" pitchFamily="34" charset="0"/>
+                    <a:ea typeface="ＭＳ Ｐゴシック" pitchFamily="16" charset="-128"/>
+                  </a:rPr>
+                  <a:t> file)</a:t>
+                </a:r>
+              </a:p>
+            </p:txBody>
+          </p:sp>
+          <p:sp>
+            <p:nvSpPr>
+              <p:cNvPr id="426" name="Rounded Rectangle 554">
+                <a:extLst>
+                  <a:ext uri="{FF2B5EF4-FFF2-40B4-BE49-F238E27FC236}">
+                    <a16:creationId xmlns:a16="http://schemas.microsoft.com/office/drawing/2014/main" id="{348EFA6A-098A-4223-A57A-DA00C534F84C}"/>
+                  </a:ext>
+                </a:extLst>
+              </p:cNvPr>
+              <p:cNvSpPr/>
+              <p:nvPr/>
+            </p:nvSpPr>
+            <p:spPr bwMode="auto">
+              <a:xfrm>
+                <a:off x="3985630" y="3499330"/>
+                <a:ext cx="1505099" cy="869462"/>
+              </a:xfrm>
+              <a:prstGeom prst="roundRect">
+                <a:avLst/>
+              </a:prstGeom>
+              <a:solidFill>
+                <a:schemeClr val="accent5">
+                  <a:lumMod val="60000"/>
+                  <a:lumOff val="40000"/>
+                </a:schemeClr>
+              </a:solidFill>
+              <a:ln w="9525" cap="flat" cmpd="sng" algn="ctr">
+                <a:solidFill>
+                  <a:schemeClr val="tx1"/>
+                </a:solidFill>
+                <a:prstDash val="solid"/>
+                <a:round/>
+                <a:headEnd type="none" w="med" len="med"/>
+                <a:tailEnd type="none" w="med" len="med"/>
+              </a:ln>
+              <a:effectLst>
+                <a:glow rad="63500">
+                  <a:schemeClr val="accent1">
+                    <a:satMod val="175000"/>
+                    <a:alpha val="40000"/>
+                  </a:schemeClr>
+                </a:glow>
+                <a:outerShdw blurRad="50800" dist="38100" dir="16200000" rotWithShape="0">
+                  <a:prstClr val="black">
+                    <a:alpha val="40000"/>
+                  </a:prstClr>
+                </a:outerShdw>
+              </a:effectLst>
+            </p:spPr>
+            <p:txBody>
+              <a:bodyPr vert="horz" wrap="square" lIns="91440" tIns="45720" rIns="91440" bIns="45720" numCol="1" rtlCol="0" anchor="ctr" anchorCtr="0" compatLnSpc="1">
+                <a:prstTxWarp prst="textNoShape">
+                  <a:avLst/>
+                </a:prstTxWarp>
+              </a:bodyPr>
+              <a:lstStyle/>
+              <a:p>
+                <a:pPr algn="ctr" defTabSz="724571" eaLnBrk="0" fontAlgn="base" hangingPunct="0">
+                  <a:spcBef>
+                    <a:spcPct val="0"/>
+                  </a:spcBef>
+                  <a:spcAft>
+                    <a:spcPct val="0"/>
+                  </a:spcAft>
+                </a:pPr>
+                <a:r>
+                  <a:rPr lang="en-US" sz="1900" b="1" dirty="0">
+                    <a:solidFill>
+                      <a:schemeClr val="tx1"/>
+                    </a:solidFill>
+                    <a:latin typeface="Calibri" panose="020F0502020204030204" pitchFamily="34" charset="0"/>
+                    <a:ea typeface="ＭＳ Ｐゴシック" pitchFamily="16" charset="-128"/>
+                  </a:rPr>
+                  <a:t>Gene Annotation</a:t>
+                </a:r>
+              </a:p>
+              <a:p>
+                <a:pPr algn="ctr" defTabSz="724571" eaLnBrk="0" fontAlgn="base" hangingPunct="0">
+                  <a:spcBef>
+                    <a:spcPct val="0"/>
+                  </a:spcBef>
+                  <a:spcAft>
+                    <a:spcPct val="0"/>
+                  </a:spcAft>
+                </a:pPr>
+                <a:r>
+                  <a:rPr lang="en-US" sz="1900" b="1" dirty="0">
+                    <a:solidFill>
+                      <a:schemeClr val="tx1"/>
+                    </a:solidFill>
+                    <a:latin typeface="Calibri" panose="020F0502020204030204" pitchFamily="34" charset="0"/>
+                    <a:ea typeface="ＭＳ Ｐゴシック" pitchFamily="16" charset="-128"/>
+                  </a:rPr>
+                  <a:t>(.</a:t>
+                </a:r>
+                <a:r>
+                  <a:rPr lang="en-US" sz="1900" b="1" dirty="0" err="1">
+                    <a:solidFill>
+                      <a:schemeClr val="tx1"/>
+                    </a:solidFill>
+                    <a:latin typeface="Calibri" panose="020F0502020204030204" pitchFamily="34" charset="0"/>
+                    <a:ea typeface="ＭＳ Ｐゴシック" pitchFamily="16" charset="-128"/>
+                  </a:rPr>
+                  <a:t>gtf</a:t>
+                </a:r>
+                <a:r>
+                  <a:rPr lang="en-US" sz="1900" b="1" dirty="0">
+                    <a:solidFill>
+                      <a:schemeClr val="tx1"/>
+                    </a:solidFill>
+                    <a:latin typeface="Calibri" panose="020F0502020204030204" pitchFamily="34" charset="0"/>
+                    <a:ea typeface="ＭＳ Ｐゴシック" pitchFamily="16" charset="-128"/>
+                  </a:rPr>
+                  <a:t> file)</a:t>
+                </a:r>
+              </a:p>
+            </p:txBody>
+          </p:sp>
+          <p:sp>
+            <p:nvSpPr>
+              <p:cNvPr id="427" name="TextBox 426">
+                <a:extLst>
+                  <a:ext uri="{FF2B5EF4-FFF2-40B4-BE49-F238E27FC236}">
+                    <a16:creationId xmlns:a16="http://schemas.microsoft.com/office/drawing/2014/main" id="{6B824B9F-8DD3-44CD-9F98-139DF7FBF722}"/>
+                  </a:ext>
+                </a:extLst>
+              </p:cNvPr>
+              <p:cNvSpPr txBox="1"/>
+              <p:nvPr/>
+            </p:nvSpPr>
+            <p:spPr>
+              <a:xfrm>
+                <a:off x="2645132" y="4396808"/>
+                <a:ext cx="457676" cy="400974"/>
               </a:xfrm>
               <a:prstGeom prst="rect">
                 <a:avLst/>
@@ -15486,217 +18200,381 @@
               <a:lstStyle/>
               <a:p>
                 <a:r>
-                  <a:rPr lang="en-US" dirty="0"/>
-                  <a:t>Ear    Leaf   Stem</a:t>
+                  <a:rPr lang="en-US" sz="1600" b="1" dirty="0">
+                    <a:solidFill>
+                      <a:schemeClr val="tx1"/>
+                    </a:solidFill>
+                    <a:latin typeface="Calibri" panose="020F0502020204030204" pitchFamily="34" charset="0"/>
+                  </a:rPr>
+                  <a:t>Inputs</a:t>
                 </a:r>
               </a:p>
             </p:txBody>
           </p:sp>
-        </p:grpSp>
-        <p:grpSp>
-          <p:nvGrpSpPr>
-            <p:cNvPr id="106" name="Group 105">
-              <a:extLst>
-                <a:ext uri="{FF2B5EF4-FFF2-40B4-BE49-F238E27FC236}">
-                  <a16:creationId xmlns:a16="http://schemas.microsoft.com/office/drawing/2014/main" id="{2BAB59DD-22E4-4880-AA08-03AC732B7EE9}"/>
-                </a:ext>
-              </a:extLst>
-            </p:cNvPr>
-            <p:cNvGrpSpPr/>
-            <p:nvPr/>
-          </p:nvGrpSpPr>
-          <p:grpSpPr>
-            <a:xfrm>
-              <a:off x="16439293" y="20571544"/>
-              <a:ext cx="6086744" cy="2352346"/>
-              <a:chOff x="16477393" y="20571544"/>
-              <a:chExt cx="6086744" cy="2352346"/>
-            </a:xfrm>
-          </p:grpSpPr>
-          <p:grpSp>
-            <p:nvGrpSpPr>
-              <p:cNvPr id="101" name="Group 100">
+          <p:cxnSp>
+            <p:nvCxnSpPr>
+              <p:cNvPr id="428" name="Straight Arrow Connector 427">
                 <a:extLst>
                   <a:ext uri="{FF2B5EF4-FFF2-40B4-BE49-F238E27FC236}">
-                    <a16:creationId xmlns:a16="http://schemas.microsoft.com/office/drawing/2014/main" id="{B7FF9BBD-060A-40B7-8BDA-4493261C193A}"/>
+                    <a16:creationId xmlns:a16="http://schemas.microsoft.com/office/drawing/2014/main" id="{5FE820C4-D612-460F-BC82-4C432EE6147A}"/>
                   </a:ext>
                 </a:extLst>
               </p:cNvPr>
-              <p:cNvGrpSpPr/>
+              <p:cNvCxnSpPr>
+                <a:cxnSpLocks/>
+                <a:stCxn id="425" idx="0"/>
+                <a:endCxn id="419" idx="2"/>
+              </p:cNvCxnSpPr>
               <p:nvPr/>
-            </p:nvGrpSpPr>
-            <p:grpSpPr>
+            </p:nvCxnSpPr>
+            <p:spPr bwMode="auto">
+              <a:xfrm flipV="1">
+                <a:off x="2857500" y="2877096"/>
+                <a:ext cx="6961" cy="602692"/>
+              </a:xfrm>
+              <a:prstGeom prst="straightConnector1">
+                <a:avLst/>
+              </a:prstGeom>
+              <a:solidFill>
+                <a:schemeClr val="accent1"/>
+              </a:solidFill>
+              <a:ln w="38100" cap="flat" cmpd="sng" algn="ctr">
+                <a:solidFill>
+                  <a:schemeClr val="tx1"/>
+                </a:solidFill>
+                <a:prstDash val="solid"/>
+                <a:round/>
+                <a:headEnd type="none" w="med" len="med"/>
+                <a:tailEnd type="arrow"/>
+              </a:ln>
+              <a:effectLst/>
+            </p:spPr>
+          </p:cxnSp>
+          <p:cxnSp>
+            <p:nvCxnSpPr>
+              <p:cNvPr id="429" name="Straight Arrow Connector 428">
+                <a:extLst>
+                  <a:ext uri="{FF2B5EF4-FFF2-40B4-BE49-F238E27FC236}">
+                    <a16:creationId xmlns:a16="http://schemas.microsoft.com/office/drawing/2014/main" id="{972D9313-7C08-402F-8A16-166C1E18ACFC}"/>
+                  </a:ext>
+                </a:extLst>
+              </p:cNvPr>
+              <p:cNvCxnSpPr>
+                <a:cxnSpLocks/>
+                <a:stCxn id="426" idx="0"/>
+                <a:endCxn id="420" idx="2"/>
+              </p:cNvCxnSpPr>
+              <p:nvPr/>
+            </p:nvCxnSpPr>
+            <p:spPr bwMode="auto">
+              <a:xfrm flipV="1">
+                <a:off x="4738180" y="2878013"/>
+                <a:ext cx="1721" cy="621316"/>
+              </a:xfrm>
+              <a:prstGeom prst="straightConnector1">
+                <a:avLst/>
+              </a:prstGeom>
+              <a:solidFill>
+                <a:schemeClr val="accent1"/>
+              </a:solidFill>
+              <a:ln w="38100" cap="flat" cmpd="sng" algn="ctr">
+                <a:solidFill>
+                  <a:schemeClr val="tx1"/>
+                </a:solidFill>
+                <a:prstDash val="solid"/>
+                <a:round/>
+                <a:headEnd type="none" w="med" len="med"/>
+                <a:tailEnd type="arrow"/>
+              </a:ln>
+              <a:effectLst/>
+            </p:spPr>
+          </p:cxnSp>
+          <p:cxnSp>
+            <p:nvCxnSpPr>
+              <p:cNvPr id="430" name="Straight Arrow Connector 429">
+                <a:extLst>
+                  <a:ext uri="{FF2B5EF4-FFF2-40B4-BE49-F238E27FC236}">
+                    <a16:creationId xmlns:a16="http://schemas.microsoft.com/office/drawing/2014/main" id="{FEAFFA4D-9364-4D39-9873-27B5700E1F2E}"/>
+                  </a:ext>
+                </a:extLst>
+              </p:cNvPr>
+              <p:cNvCxnSpPr>
+                <a:cxnSpLocks/>
+                <a:stCxn id="415" idx="3"/>
+                <a:endCxn id="419" idx="1"/>
+              </p:cNvCxnSpPr>
+              <p:nvPr/>
+            </p:nvCxnSpPr>
+            <p:spPr bwMode="auto">
+              <a:xfrm flipV="1">
+                <a:off x="1667211" y="2442364"/>
+                <a:ext cx="390189" cy="4825"/>
+              </a:xfrm>
+              <a:prstGeom prst="straightConnector1">
+                <a:avLst/>
+              </a:prstGeom>
+              <a:solidFill>
+                <a:schemeClr val="accent1"/>
+              </a:solidFill>
+              <a:ln w="38100" cap="flat" cmpd="sng" algn="ctr">
+                <a:solidFill>
+                  <a:schemeClr val="tx1"/>
+                </a:solidFill>
+                <a:prstDash val="solid"/>
+                <a:round/>
+                <a:headEnd type="none" w="med" len="med"/>
+                <a:tailEnd type="arrow"/>
+              </a:ln>
+              <a:effectLst/>
+            </p:spPr>
+          </p:cxnSp>
+          <p:cxnSp>
+            <p:nvCxnSpPr>
+              <p:cNvPr id="431" name="Straight Arrow Connector 430">
+                <a:extLst>
+                  <a:ext uri="{FF2B5EF4-FFF2-40B4-BE49-F238E27FC236}">
+                    <a16:creationId xmlns:a16="http://schemas.microsoft.com/office/drawing/2014/main" id="{7923D079-FE62-41F0-A576-A4EB66F77BF9}"/>
+                  </a:ext>
+                </a:extLst>
+              </p:cNvPr>
+              <p:cNvCxnSpPr>
+                <a:cxnSpLocks/>
+                <a:stCxn id="419" idx="3"/>
+                <a:endCxn id="420" idx="1"/>
+              </p:cNvCxnSpPr>
+              <p:nvPr/>
+            </p:nvCxnSpPr>
+            <p:spPr bwMode="auto">
               <a:xfrm>
-                <a:off x="18817931" y="20571544"/>
-                <a:ext cx="3746206" cy="2103120"/>
-                <a:chOff x="16423253" y="20616924"/>
-                <a:chExt cx="3746206" cy="2103120"/>
+                <a:off x="3671521" y="2442364"/>
+                <a:ext cx="315830" cy="919"/>
               </a:xfrm>
-            </p:grpSpPr>
-            <p:pic>
-              <p:nvPicPr>
-                <p:cNvPr id="371" name="Content Placeholder 4">
-                  <a:extLst>
-                    <a:ext uri="{FF2B5EF4-FFF2-40B4-BE49-F238E27FC236}">
-                      <a16:creationId xmlns:a16="http://schemas.microsoft.com/office/drawing/2014/main" id="{3ED16B21-1684-438F-800F-17E4B152B442}"/>
-                    </a:ext>
-                  </a:extLst>
-                </p:cNvPr>
-                <p:cNvPicPr>
-                  <a:picLocks noChangeAspect="1"/>
-                </p:cNvPicPr>
-                <p:nvPr/>
-              </p:nvPicPr>
-              <p:blipFill rotWithShape="1">
-                <a:blip r:embed="rId8">
-                  <a:extLst>
-                    <a:ext uri="{28A0092B-C50C-407E-A947-70E740481C1C}">
-                      <a14:useLocalDpi xmlns:a14="http://schemas.microsoft.com/office/drawing/2010/main" val="0"/>
-                    </a:ext>
-                  </a:extLst>
-                </a:blip>
-                <a:srcRect l="24846" t="4710" r="23045" b="9727"/>
-                <a:stretch/>
-              </p:blipFill>
-              <p:spPr>
-                <a:xfrm>
-                  <a:off x="16423253" y="20616924"/>
-                  <a:ext cx="2613322" cy="2103120"/>
-                </a:xfrm>
-                <a:prstGeom prst="rect">
-                  <a:avLst/>
-                </a:prstGeom>
-              </p:spPr>
-            </p:pic>
-            <p:pic>
-              <p:nvPicPr>
-                <p:cNvPr id="375" name="Content Placeholder 4">
-                  <a:extLst>
-                    <a:ext uri="{FF2B5EF4-FFF2-40B4-BE49-F238E27FC236}">
-                      <a16:creationId xmlns:a16="http://schemas.microsoft.com/office/drawing/2014/main" id="{65007B4B-E7DC-46C0-87FC-413A38F3BF74}"/>
-                    </a:ext>
-                  </a:extLst>
-                </p:cNvPr>
-                <p:cNvPicPr>
-                  <a:picLocks noChangeAspect="1"/>
-                </p:cNvPicPr>
-                <p:nvPr/>
-              </p:nvPicPr>
-              <p:blipFill rotWithShape="1">
-                <a:blip r:embed="rId7">
-                  <a:extLst>
-                    <a:ext uri="{28A0092B-C50C-407E-A947-70E740481C1C}">
-                      <a14:useLocalDpi xmlns:a14="http://schemas.microsoft.com/office/drawing/2010/main" val="0"/>
-                    </a:ext>
-                  </a:extLst>
-                </a:blip>
-                <a:srcRect l="71504" t="25240" r="2804" b="31451"/>
-                <a:stretch/>
-              </p:blipFill>
-              <p:spPr>
-                <a:xfrm>
-                  <a:off x="19031154" y="21377789"/>
-                  <a:ext cx="1138305" cy="1222149"/>
-                </a:xfrm>
-                <a:prstGeom prst="rect">
-                  <a:avLst/>
-                </a:prstGeom>
-              </p:spPr>
-            </p:pic>
-          </p:grpSp>
+              <a:prstGeom prst="straightConnector1">
+                <a:avLst/>
+              </a:prstGeom>
+              <a:solidFill>
+                <a:schemeClr val="accent1"/>
+              </a:solidFill>
+              <a:ln w="38100" cap="flat" cmpd="sng" algn="ctr">
+                <a:solidFill>
+                  <a:schemeClr val="tx1"/>
+                </a:solidFill>
+                <a:prstDash val="solid"/>
+                <a:round/>
+                <a:headEnd type="none" w="med" len="med"/>
+                <a:tailEnd type="arrow"/>
+              </a:ln>
+              <a:effectLst/>
+            </p:spPr>
+          </p:cxnSp>
+          <p:cxnSp>
+            <p:nvCxnSpPr>
+              <p:cNvPr id="432" name="Straight Arrow Connector 431">
+                <a:extLst>
+                  <a:ext uri="{FF2B5EF4-FFF2-40B4-BE49-F238E27FC236}">
+                    <a16:creationId xmlns:a16="http://schemas.microsoft.com/office/drawing/2014/main" id="{F48BE9CA-B410-4582-84DB-9D6F0C2E3A6A}"/>
+                  </a:ext>
+                </a:extLst>
+              </p:cNvPr>
+              <p:cNvCxnSpPr>
+                <a:cxnSpLocks/>
+                <a:stCxn id="421" idx="3"/>
+                <a:endCxn id="422" idx="1"/>
+              </p:cNvCxnSpPr>
+              <p:nvPr/>
+            </p:nvCxnSpPr>
+            <p:spPr bwMode="auto">
+              <a:xfrm flipV="1">
+                <a:off x="7172740" y="2455010"/>
+                <a:ext cx="307759" cy="3903"/>
+              </a:xfrm>
+              <a:prstGeom prst="straightConnector1">
+                <a:avLst/>
+              </a:prstGeom>
+              <a:solidFill>
+                <a:schemeClr val="accent1"/>
+              </a:solidFill>
+              <a:ln w="38100" cap="flat" cmpd="sng" algn="ctr">
+                <a:solidFill>
+                  <a:schemeClr val="tx1"/>
+                </a:solidFill>
+                <a:prstDash val="solid"/>
+                <a:round/>
+                <a:headEnd type="none" w="med" len="med"/>
+                <a:tailEnd type="arrow"/>
+              </a:ln>
+              <a:effectLst/>
+            </p:spPr>
+          </p:cxnSp>
+          <p:cxnSp>
+            <p:nvCxnSpPr>
+              <p:cNvPr id="433" name="Straight Arrow Connector 432">
+                <a:extLst>
+                  <a:ext uri="{FF2B5EF4-FFF2-40B4-BE49-F238E27FC236}">
+                    <a16:creationId xmlns:a16="http://schemas.microsoft.com/office/drawing/2014/main" id="{F37B3B78-D6F3-4171-99F7-7D3DB830D5BB}"/>
+                  </a:ext>
+                </a:extLst>
+              </p:cNvPr>
+              <p:cNvCxnSpPr>
+                <a:cxnSpLocks/>
+                <a:stCxn id="420" idx="3"/>
+                <a:endCxn id="421" idx="1"/>
+              </p:cNvCxnSpPr>
+              <p:nvPr/>
+            </p:nvCxnSpPr>
+            <p:spPr bwMode="auto">
+              <a:xfrm>
+                <a:off x="5492450" y="2443283"/>
+                <a:ext cx="263113" cy="15630"/>
+              </a:xfrm>
+              <a:prstGeom prst="straightConnector1">
+                <a:avLst/>
+              </a:prstGeom>
+              <a:solidFill>
+                <a:schemeClr val="accent1"/>
+              </a:solidFill>
+              <a:ln w="38100" cap="flat" cmpd="sng" algn="ctr">
+                <a:solidFill>
+                  <a:schemeClr val="tx1"/>
+                </a:solidFill>
+                <a:prstDash val="solid"/>
+                <a:round/>
+                <a:headEnd type="none" w="med" len="med"/>
+                <a:tailEnd type="arrow"/>
+              </a:ln>
+              <a:effectLst/>
+            </p:spPr>
+          </p:cxnSp>
           <p:sp>
             <p:nvSpPr>
-              <p:cNvPr id="377" name="Rectangle 376">
+              <p:cNvPr id="434" name="Rounded Rectangle 562">
                 <a:extLst>
                   <a:ext uri="{FF2B5EF4-FFF2-40B4-BE49-F238E27FC236}">
-                    <a16:creationId xmlns:a16="http://schemas.microsoft.com/office/drawing/2014/main" id="{758DE261-6462-4608-ABF1-08DD1C90F5D9}"/>
+                    <a16:creationId xmlns:a16="http://schemas.microsoft.com/office/drawing/2014/main" id="{6FB7B3E3-04C7-4C66-98A8-CC812093B0BF}"/>
                   </a:ext>
                 </a:extLst>
               </p:cNvPr>
               <p:cNvSpPr/>
               <p:nvPr/>
             </p:nvSpPr>
-            <p:spPr>
+            <p:spPr bwMode="auto">
               <a:xfrm>
-                <a:off x="16477393" y="20582892"/>
-                <a:ext cx="2606642" cy="1908215"/>
+                <a:off x="7436731" y="3503224"/>
+                <a:ext cx="1505099" cy="869462"/>
               </a:xfrm>
-              <a:prstGeom prst="rect">
+              <a:prstGeom prst="roundRect">
                 <a:avLst/>
               </a:prstGeom>
+              <a:solidFill>
+                <a:schemeClr val="accent4">
+                  <a:lumMod val="40000"/>
+                  <a:lumOff val="60000"/>
+                </a:schemeClr>
+              </a:solidFill>
+              <a:ln w="9525" cap="flat" cmpd="sng" algn="ctr">
+                <a:solidFill>
+                  <a:schemeClr val="tx1"/>
+                </a:solidFill>
+                <a:prstDash val="solid"/>
+                <a:round/>
+                <a:headEnd type="none" w="med" len="med"/>
+                <a:tailEnd type="none" w="med" len="med"/>
+              </a:ln>
+              <a:effectLst>
+                <a:glow rad="63500">
+                  <a:schemeClr val="accent1">
+                    <a:satMod val="175000"/>
+                    <a:alpha val="40000"/>
+                  </a:schemeClr>
+                </a:glow>
+                <a:outerShdw blurRad="50800" dist="38100" dir="16200000" rotWithShape="0">
+                  <a:prstClr val="black">
+                    <a:alpha val="40000"/>
+                  </a:prstClr>
+                </a:outerShdw>
+              </a:effectLst>
             </p:spPr>
             <p:txBody>
-              <a:bodyPr wrap="square">
-                <a:spAutoFit/>
+              <a:bodyPr vert="horz" wrap="square" lIns="91440" tIns="45720" rIns="91440" bIns="45720" numCol="1" rtlCol="0" anchor="ctr" anchorCtr="0" compatLnSpc="1">
+                <a:prstTxWarp prst="textNoShape">
+                  <a:avLst/>
+                </a:prstTxWarp>
               </a:bodyPr>
               <a:lstStyle/>
               <a:p>
-                <a:pPr>
-                  <a:lnSpc>
-                    <a:spcPct val="200000"/>
-                  </a:lnSpc>
+                <a:pPr algn="ctr" defTabSz="724571" eaLnBrk="0" fontAlgn="base" hangingPunct="0">
                   <a:spcBef>
-                    <a:spcPts val="600"/>
+                    <a:spcPct val="0"/>
                   </a:spcBef>
+                  <a:spcAft>
+                    <a:spcPct val="0"/>
+                  </a:spcAft>
                 </a:pPr>
                 <a:r>
-                  <a:rPr lang="en-US" dirty="0"/>
-                  <a:t> </a:t>
+                  <a:rPr lang="en-US" sz="1900" b="1" dirty="0" err="1">
+                    <a:solidFill>
+                      <a:schemeClr val="tx1"/>
+                    </a:solidFill>
+                    <a:latin typeface="Calibri" panose="020F0502020204030204" pitchFamily="34" charset="0"/>
+                    <a:ea typeface="ＭＳ Ｐゴシック" pitchFamily="16" charset="-128"/>
+                  </a:rPr>
+                  <a:t>CummeRbund</a:t>
                 </a:r>
-                <a:r>
-                  <a:rPr lang="en-US" dirty="0">
-                    <a:solidFill>
-                      <a:srgbClr val="FF0000"/>
-                    </a:solidFill>
-                  </a:rPr>
-                  <a:t>Zm00001d036345_PSY1</a:t>
-                </a:r>
-              </a:p>
-              <a:p>
-                <a:pPr>
-                  <a:lnSpc>
-                    <a:spcPct val="200000"/>
-                  </a:lnSpc>
-                  <a:spcBef>
-                    <a:spcPts val="600"/>
-                  </a:spcBef>
-                </a:pPr>
-                <a:r>
-                  <a:rPr lang="en-US" dirty="0"/>
-                  <a:t>Zm00001d021410_PSY3</a:t>
-                </a:r>
-                <a:endParaRPr lang="en-US" dirty="0">
+                <a:endParaRPr lang="en-US" sz="1900" b="1" dirty="0">
                   <a:solidFill>
-                    <a:srgbClr val="FF0000"/>
+                    <a:schemeClr val="tx1"/>
                   </a:solidFill>
+                  <a:latin typeface="Calibri" panose="020F0502020204030204" pitchFamily="34" charset="0"/>
+                  <a:ea typeface="ＭＳ Ｐゴシック" pitchFamily="16" charset="-128"/>
                 </a:endParaRPr>
-              </a:p>
-              <a:p>
-                <a:pPr>
-                  <a:lnSpc>
-                    <a:spcPct val="200000"/>
-                  </a:lnSpc>
-                  <a:spcBef>
-                    <a:spcPts val="600"/>
-                  </a:spcBef>
-                </a:pPr>
-                <a:r>
-                  <a:rPr lang="en-US" dirty="0">
-                    <a:solidFill>
-                      <a:srgbClr val="FF0000"/>
-                    </a:solidFill>
-                  </a:rPr>
-                  <a:t>Zm00001d012394_PSY2</a:t>
-                </a:r>
               </a:p>
             </p:txBody>
           </p:sp>
+          <p:cxnSp>
+            <p:nvCxnSpPr>
+              <p:cNvPr id="435" name="Straight Arrow Connector 434">
+                <a:extLst>
+                  <a:ext uri="{FF2B5EF4-FFF2-40B4-BE49-F238E27FC236}">
+                    <a16:creationId xmlns:a16="http://schemas.microsoft.com/office/drawing/2014/main" id="{1843501E-53CA-45C1-BD0F-FC381FAEB171}"/>
+                  </a:ext>
+                </a:extLst>
+              </p:cNvPr>
+              <p:cNvCxnSpPr>
+                <a:cxnSpLocks/>
+                <a:stCxn id="434" idx="0"/>
+                <a:endCxn id="422" idx="2"/>
+              </p:cNvCxnSpPr>
+              <p:nvPr/>
+            </p:nvCxnSpPr>
+            <p:spPr bwMode="auto">
+              <a:xfrm flipH="1" flipV="1">
+                <a:off x="8189088" y="2889741"/>
+                <a:ext cx="193" cy="613484"/>
+              </a:xfrm>
+              <a:prstGeom prst="straightConnector1">
+                <a:avLst/>
+              </a:prstGeom>
+              <a:solidFill>
+                <a:schemeClr val="accent1"/>
+              </a:solidFill>
+              <a:ln w="38100" cap="flat" cmpd="sng" algn="ctr">
+                <a:solidFill>
+                  <a:schemeClr val="tx1"/>
+                </a:solidFill>
+                <a:prstDash val="solid"/>
+                <a:round/>
+                <a:headEnd type="arrow" w="med" len="med"/>
+                <a:tailEnd type="none"/>
+              </a:ln>
+              <a:effectLst/>
+            </p:spPr>
+          </p:cxnSp>
           <p:sp>
             <p:nvSpPr>
-              <p:cNvPr id="378" name="TextBox 377">
+              <p:cNvPr id="436" name="TextBox 435">
                 <a:extLst>
                   <a:ext uri="{FF2B5EF4-FFF2-40B4-BE49-F238E27FC236}">
-                    <a16:creationId xmlns:a16="http://schemas.microsoft.com/office/drawing/2014/main" id="{F26921A8-8BF2-4A70-B5AE-6B5D42AFE6EC}"/>
+                    <a16:creationId xmlns:a16="http://schemas.microsoft.com/office/drawing/2014/main" id="{0040A38F-AB52-4174-89D2-B69B29ACB385}"/>
                   </a:ext>
                 </a:extLst>
               </p:cNvPr>
@@ -15705,8 +18583,8 @@
             </p:nvSpPr>
             <p:spPr>
               <a:xfrm>
-                <a:off x="18880560" y="22554558"/>
-                <a:ext cx="2393400" cy="369332"/>
+                <a:off x="7906400" y="4390737"/>
+                <a:ext cx="744610" cy="400974"/>
               </a:xfrm>
               <a:prstGeom prst="rect">
                 <a:avLst/>
@@ -15714,641 +18592,77 @@
               <a:noFill/>
             </p:spPr>
             <p:txBody>
-              <a:bodyPr wrap="square" rtlCol="0">
+              <a:bodyPr wrap="none" rtlCol="0">
                 <a:spAutoFit/>
               </a:bodyPr>
               <a:lstStyle/>
               <a:p>
+                <a:pPr algn="ctr"/>
                 <a:r>
-                  <a:rPr lang="en-US" dirty="0"/>
-                  <a:t>   Ear          Leaf       Stem</a:t>
+                  <a:rPr lang="en-US" sz="1600" b="1" dirty="0">
+                    <a:solidFill>
+                      <a:schemeClr val="tx1"/>
+                    </a:solidFill>
+                    <a:latin typeface="Calibri" panose="020F0502020204030204" pitchFamily="34" charset="0"/>
+                  </a:rPr>
+                  <a:t>Visualization</a:t>
                 </a:r>
               </a:p>
             </p:txBody>
           </p:sp>
         </p:grpSp>
-        <p:grpSp>
-          <p:nvGrpSpPr>
-            <p:cNvPr id="107" name="Group 106">
+        <p:pic>
+          <p:nvPicPr>
+            <p:cNvPr id="414" name="Picture 2" descr="https://de.cyverse.org/cyverse_logo.png">
               <a:extLst>
                 <a:ext uri="{FF2B5EF4-FFF2-40B4-BE49-F238E27FC236}">
-                  <a16:creationId xmlns:a16="http://schemas.microsoft.com/office/drawing/2014/main" id="{82E1612C-7274-4E95-9FB8-6BE947B1B506}"/>
+                  <a16:creationId xmlns:a16="http://schemas.microsoft.com/office/drawing/2014/main" id="{C3C7DB9B-AF27-46D5-96A0-C9BE41EA747B}"/>
                 </a:ext>
               </a:extLst>
             </p:cNvPr>
-            <p:cNvGrpSpPr/>
+            <p:cNvPicPr>
+              <a:picLocks noChangeAspect="1" noChangeArrowheads="1"/>
+            </p:cNvPicPr>
             <p:nvPr/>
-          </p:nvGrpSpPr>
-          <p:grpSpPr>
-            <a:xfrm>
-              <a:off x="22526245" y="20548926"/>
-              <a:ext cx="6002323" cy="2374964"/>
-              <a:chOff x="22526245" y="20548926"/>
-              <a:chExt cx="6002323" cy="2374964"/>
-            </a:xfrm>
-          </p:grpSpPr>
-          <p:grpSp>
-            <p:nvGrpSpPr>
-              <p:cNvPr id="100" name="Group 99">
-                <a:extLst>
-                  <a:ext uri="{FF2B5EF4-FFF2-40B4-BE49-F238E27FC236}">
-                    <a16:creationId xmlns:a16="http://schemas.microsoft.com/office/drawing/2014/main" id="{9A1AB8B0-81F7-441F-8930-AB1E8CD71824}"/>
-                  </a:ext>
-                </a:extLst>
-              </p:cNvPr>
-              <p:cNvGrpSpPr/>
-              <p:nvPr/>
-            </p:nvGrpSpPr>
-            <p:grpSpPr>
-              <a:xfrm>
-                <a:off x="24874753" y="20548926"/>
-                <a:ext cx="3653815" cy="2103120"/>
-                <a:chOff x="21592357" y="20595659"/>
-                <a:chExt cx="3653815" cy="2103120"/>
-              </a:xfrm>
-            </p:grpSpPr>
-            <p:pic>
-              <p:nvPicPr>
-                <p:cNvPr id="372" name="Content Placeholder 4">
-                  <a:extLst>
-                    <a:ext uri="{FF2B5EF4-FFF2-40B4-BE49-F238E27FC236}">
-                      <a16:creationId xmlns:a16="http://schemas.microsoft.com/office/drawing/2014/main" id="{019A0F55-A0FF-4E1B-98BD-73F2CDC33EEE}"/>
-                    </a:ext>
-                  </a:extLst>
-                </p:cNvPr>
-                <p:cNvPicPr>
-                  <a:picLocks noChangeAspect="1"/>
-                </p:cNvPicPr>
-                <p:nvPr/>
-              </p:nvPicPr>
-              <p:blipFill rotWithShape="1">
-                <a:blip r:embed="rId9">
-                  <a:extLst>
-                    <a:ext uri="{28A0092B-C50C-407E-A947-70E740481C1C}">
-                      <a14:useLocalDpi xmlns:a14="http://schemas.microsoft.com/office/drawing/2010/main" val="0"/>
-                    </a:ext>
-                  </a:extLst>
-                </a:blip>
-                <a:srcRect l="24596" t="6077" r="24938" b="11508"/>
-                <a:stretch/>
-              </p:blipFill>
-              <p:spPr>
-                <a:xfrm>
-                  <a:off x="21592357" y="20595659"/>
-                  <a:ext cx="2370006" cy="2103120"/>
-                </a:xfrm>
-                <a:prstGeom prst="rect">
-                  <a:avLst/>
-                </a:prstGeom>
-              </p:spPr>
-            </p:pic>
-            <p:pic>
-              <p:nvPicPr>
-                <p:cNvPr id="376" name="Content Placeholder 4">
-                  <a:extLst>
-                    <a:ext uri="{FF2B5EF4-FFF2-40B4-BE49-F238E27FC236}">
-                      <a16:creationId xmlns:a16="http://schemas.microsoft.com/office/drawing/2014/main" id="{44E08A18-2117-499A-90D0-C926F6851A3B}"/>
-                    </a:ext>
-                  </a:extLst>
-                </p:cNvPr>
-                <p:cNvPicPr>
-                  <a:picLocks noChangeAspect="1"/>
-                </p:cNvPicPr>
-                <p:nvPr/>
-              </p:nvPicPr>
-              <p:blipFill rotWithShape="1">
-                <a:blip r:embed="rId7">
-                  <a:extLst>
-                    <a:ext uri="{28A0092B-C50C-407E-A947-70E740481C1C}">
-                      <a14:useLocalDpi xmlns:a14="http://schemas.microsoft.com/office/drawing/2010/main" val="0"/>
-                    </a:ext>
-                  </a:extLst>
-                </a:blip>
-                <a:srcRect l="71504" t="25240" r="2804" b="31451"/>
-                <a:stretch/>
-              </p:blipFill>
-              <p:spPr>
-                <a:xfrm>
-                  <a:off x="24107867" y="21377788"/>
-                  <a:ext cx="1138305" cy="1222149"/>
-                </a:xfrm>
-                <a:prstGeom prst="rect">
-                  <a:avLst/>
-                </a:prstGeom>
-              </p:spPr>
-            </p:pic>
-          </p:grpSp>
-          <p:sp>
-            <p:nvSpPr>
-              <p:cNvPr id="379" name="Rectangle 378">
-                <a:extLst>
-                  <a:ext uri="{FF2B5EF4-FFF2-40B4-BE49-F238E27FC236}">
-                    <a16:creationId xmlns:a16="http://schemas.microsoft.com/office/drawing/2014/main" id="{3FD806C0-5CF5-4BA2-AD12-F9590CC7CC2B}"/>
-                  </a:ext>
-                </a:extLst>
-              </p:cNvPr>
-              <p:cNvSpPr/>
-              <p:nvPr/>
-            </p:nvSpPr>
-            <p:spPr>
-              <a:xfrm>
-                <a:off x="22526245" y="20582891"/>
-                <a:ext cx="2606642" cy="1908215"/>
-              </a:xfrm>
-              <a:prstGeom prst="rect">
-                <a:avLst/>
-              </a:prstGeom>
-            </p:spPr>
-            <p:txBody>
-              <a:bodyPr wrap="square">
-                <a:spAutoFit/>
-              </a:bodyPr>
-              <a:lstStyle/>
-              <a:p>
-                <a:pPr>
-                  <a:lnSpc>
-                    <a:spcPct val="200000"/>
-                  </a:lnSpc>
-                  <a:spcBef>
-                    <a:spcPts val="600"/>
-                  </a:spcBef>
-                </a:pPr>
-                <a:r>
-                  <a:rPr lang="en-US" dirty="0"/>
-                  <a:t> </a:t>
-                </a:r>
-                <a:r>
-                  <a:rPr lang="en-US" dirty="0">
-                    <a:solidFill>
-                      <a:srgbClr val="FF0000"/>
-                    </a:solidFill>
-                  </a:rPr>
-                  <a:t>Zm00001d036345_PSY1</a:t>
-                </a:r>
-              </a:p>
-              <a:p>
-                <a:pPr>
-                  <a:lnSpc>
-                    <a:spcPct val="200000"/>
-                  </a:lnSpc>
-                  <a:spcBef>
-                    <a:spcPts val="600"/>
-                  </a:spcBef>
-                </a:pPr>
-                <a:r>
-                  <a:rPr lang="en-US" dirty="0"/>
-                  <a:t>Zm00001d021410_PSY3</a:t>
-                </a:r>
-                <a:endParaRPr lang="en-US" dirty="0">
-                  <a:solidFill>
-                    <a:srgbClr val="FF0000"/>
-                  </a:solidFill>
-                </a:endParaRPr>
-              </a:p>
-              <a:p>
-                <a:pPr>
-                  <a:lnSpc>
-                    <a:spcPct val="200000"/>
-                  </a:lnSpc>
-                  <a:spcBef>
-                    <a:spcPts val="600"/>
-                  </a:spcBef>
-                </a:pPr>
-                <a:r>
-                  <a:rPr lang="en-US" dirty="0">
-                    <a:solidFill>
-                      <a:srgbClr val="FF0000"/>
-                    </a:solidFill>
-                  </a:rPr>
-                  <a:t>Zm00001d012394_PSY2</a:t>
-                </a:r>
-              </a:p>
-            </p:txBody>
-          </p:sp>
-          <p:sp>
-            <p:nvSpPr>
-              <p:cNvPr id="380" name="TextBox 379">
-                <a:extLst>
-                  <a:ext uri="{FF2B5EF4-FFF2-40B4-BE49-F238E27FC236}">
-                    <a16:creationId xmlns:a16="http://schemas.microsoft.com/office/drawing/2014/main" id="{DBBADDEC-8D0D-4D0E-A110-FC6C3D46955A}"/>
-                  </a:ext>
-                </a:extLst>
-              </p:cNvPr>
-              <p:cNvSpPr txBox="1"/>
-              <p:nvPr/>
-            </p:nvSpPr>
-            <p:spPr>
-              <a:xfrm>
-                <a:off x="24851359" y="22554558"/>
-                <a:ext cx="2393400" cy="369332"/>
-              </a:xfrm>
-              <a:prstGeom prst="rect">
-                <a:avLst/>
-              </a:prstGeom>
-              <a:noFill/>
-            </p:spPr>
-            <p:txBody>
-              <a:bodyPr wrap="square" rtlCol="0">
-                <a:spAutoFit/>
-              </a:bodyPr>
-              <a:lstStyle/>
-              <a:p>
-                <a:r>
-                  <a:rPr lang="en-US" dirty="0"/>
-                  <a:t>   Ear          Leaf       Stem</a:t>
-                </a:r>
-              </a:p>
-            </p:txBody>
-          </p:sp>
-        </p:grpSp>
-      </p:grpSp>
-      <p:grpSp>
-        <p:nvGrpSpPr>
-          <p:cNvPr id="115" name="Group 114">
-            <a:extLst>
-              <a:ext uri="{FF2B5EF4-FFF2-40B4-BE49-F238E27FC236}">
-                <a16:creationId xmlns:a16="http://schemas.microsoft.com/office/drawing/2014/main" id="{E1E7793D-A7C1-459F-BB52-51DAB9D026B7}"/>
-              </a:ext>
-            </a:extLst>
-          </p:cNvPr>
-          <p:cNvGrpSpPr/>
-          <p:nvPr/>
-        </p:nvGrpSpPr>
-        <p:grpSpPr>
-          <a:xfrm>
-            <a:off x="10832186" y="20290178"/>
-            <a:ext cx="5356218" cy="3545387"/>
-            <a:chOff x="10832186" y="20290178"/>
-            <a:chExt cx="5356218" cy="3545387"/>
-          </a:xfrm>
-        </p:grpSpPr>
-        <p:sp>
-          <p:nvSpPr>
-            <p:cNvPr id="109" name="Rectangle 108">
+          </p:nvPicPr>
+          <p:blipFill rotWithShape="1">
+            <a:blip r:embed="rId12" cstate="print">
               <a:extLst>
-                <a:ext uri="{FF2B5EF4-FFF2-40B4-BE49-F238E27FC236}">
-                  <a16:creationId xmlns:a16="http://schemas.microsoft.com/office/drawing/2014/main" id="{21243DE7-4310-4C28-9D96-C406276617E4}"/>
+                <a:ext uri="{28A0092B-C50C-407E-A947-70E740481C1C}">
+                  <a14:useLocalDpi xmlns:a14="http://schemas.microsoft.com/office/drawing/2010/main" val="0"/>
                 </a:ext>
               </a:extLst>
-            </p:cNvPr>
-            <p:cNvSpPr/>
-            <p:nvPr/>
-          </p:nvSpPr>
-          <p:spPr>
+            </a:blip>
+            <a:srcRect t="22522" b="11385"/>
+            <a:stretch/>
+          </p:blipFill>
+          <p:spPr bwMode="auto">
             <a:xfrm>
-              <a:off x="10832186" y="20290178"/>
-              <a:ext cx="5356218" cy="3110446"/>
+              <a:off x="-48830" y="5500394"/>
+              <a:ext cx="2117868" cy="1434548"/>
             </a:xfrm>
             <a:prstGeom prst="rect">
               <a:avLst/>
             </a:prstGeom>
             <a:noFill/>
-            <a:ln w="57150">
-              <a:solidFill>
-                <a:srgbClr val="00B050"/>
-              </a:solidFill>
-            </a:ln>
-          </p:spPr>
-          <p:style>
-            <a:lnRef idx="2">
-              <a:schemeClr val="accent1">
-                <a:shade val="50000"/>
-              </a:schemeClr>
-            </a:lnRef>
-            <a:fillRef idx="1">
-              <a:schemeClr val="accent1"/>
-            </a:fillRef>
-            <a:effectRef idx="0">
-              <a:schemeClr val="accent1"/>
-            </a:effectRef>
-            <a:fontRef idx="minor">
-              <a:schemeClr val="lt1"/>
-            </a:fontRef>
-          </p:style>
-          <p:txBody>
-            <a:bodyPr rtlCol="0" anchor="ctr"/>
-            <a:lstStyle/>
-            <a:p>
-              <a:pPr algn="ctr"/>
-              <a:endParaRPr lang="en-US"/>
-            </a:p>
-          </p:txBody>
-        </p:sp>
-        <p:sp>
-          <p:nvSpPr>
-            <p:cNvPr id="112" name="TextBox 111">
-              <a:extLst>
-                <a:ext uri="{FF2B5EF4-FFF2-40B4-BE49-F238E27FC236}">
-                  <a16:creationId xmlns:a16="http://schemas.microsoft.com/office/drawing/2014/main" id="{BBB1FBD6-54C6-45F0-9747-7F6213E1CA3E}"/>
-                </a:ext>
-              </a:extLst>
-            </p:cNvPr>
-            <p:cNvSpPr txBox="1"/>
-            <p:nvPr/>
-          </p:nvSpPr>
-          <p:spPr>
-            <a:xfrm>
-              <a:off x="13090358" y="23435455"/>
-              <a:ext cx="629664" cy="400110"/>
-            </a:xfrm>
-            <a:prstGeom prst="rect">
-              <a:avLst/>
-            </a:prstGeom>
-            <a:noFill/>
-          </p:spPr>
-          <p:txBody>
-            <a:bodyPr wrap="square" rtlCol="0">
-              <a:spAutoFit/>
-            </a:bodyPr>
-            <a:lstStyle/>
-            <a:p>
-              <a:pPr algn="ctr"/>
-              <a:r>
-                <a:rPr lang="en-US" sz="2000" b="1" dirty="0"/>
-                <a:t>B73</a:t>
-              </a:r>
-            </a:p>
-          </p:txBody>
-        </p:sp>
-      </p:grpSp>
-      <p:grpSp>
-        <p:nvGrpSpPr>
-          <p:cNvPr id="114" name="Group 113">
             <a:extLst>
-              <a:ext uri="{FF2B5EF4-FFF2-40B4-BE49-F238E27FC236}">
-                <a16:creationId xmlns:a16="http://schemas.microsoft.com/office/drawing/2014/main" id="{CBB9B7B5-3B27-458A-BC4D-DD58EDF0FCF6}"/>
+              <a:ext uri="{909E8E84-426E-40DD-AFC4-6F175D3DCCD1}">
+                <a14:hiddenFill xmlns:a14="http://schemas.microsoft.com/office/drawing/2010/main">
+                  <a:solidFill>
+                    <a:srgbClr val="FFFFFF"/>
+                  </a:solidFill>
+                </a14:hiddenFill>
               </a:ext>
             </a:extLst>
-          </p:cNvPr>
-          <p:cNvGrpSpPr/>
-          <p:nvPr/>
-        </p:nvGrpSpPr>
-        <p:grpSpPr>
-          <a:xfrm>
-            <a:off x="16292219" y="20307442"/>
-            <a:ext cx="6030830" cy="3519491"/>
-            <a:chOff x="16292219" y="20307442"/>
-            <a:chExt cx="6030830" cy="3519491"/>
-          </a:xfrm>
-        </p:grpSpPr>
-        <p:sp>
-          <p:nvSpPr>
-            <p:cNvPr id="381" name="Rectangle 380">
-              <a:extLst>
-                <a:ext uri="{FF2B5EF4-FFF2-40B4-BE49-F238E27FC236}">
-                  <a16:creationId xmlns:a16="http://schemas.microsoft.com/office/drawing/2014/main" id="{F72CA97F-44D3-4C71-99D8-F28E919F46FF}"/>
-                </a:ext>
-              </a:extLst>
-            </p:cNvPr>
-            <p:cNvSpPr/>
-            <p:nvPr/>
-          </p:nvSpPr>
-          <p:spPr>
-            <a:xfrm>
-              <a:off x="16292219" y="20307442"/>
-              <a:ext cx="6030830" cy="3110446"/>
-            </a:xfrm>
-            <a:prstGeom prst="rect">
-              <a:avLst/>
-            </a:prstGeom>
-            <a:noFill/>
-            <a:ln w="57150">
-              <a:solidFill>
-                <a:srgbClr val="7030A0"/>
-              </a:solidFill>
-            </a:ln>
           </p:spPr>
-          <p:style>
-            <a:lnRef idx="2">
-              <a:schemeClr val="accent1">
-                <a:shade val="50000"/>
-              </a:schemeClr>
-            </a:lnRef>
-            <a:fillRef idx="1">
-              <a:schemeClr val="accent1"/>
-            </a:fillRef>
-            <a:effectRef idx="0">
-              <a:schemeClr val="accent1"/>
-            </a:effectRef>
-            <a:fontRef idx="minor">
-              <a:schemeClr val="lt1"/>
-            </a:fontRef>
-          </p:style>
-          <p:txBody>
-            <a:bodyPr rtlCol="0" anchor="ctr"/>
-            <a:lstStyle/>
-            <a:p>
-              <a:pPr algn="ctr"/>
-              <a:endParaRPr lang="en-US"/>
-            </a:p>
-          </p:txBody>
-        </p:sp>
-        <p:sp>
-          <p:nvSpPr>
-            <p:cNvPr id="383" name="TextBox 382">
-              <a:extLst>
-                <a:ext uri="{FF2B5EF4-FFF2-40B4-BE49-F238E27FC236}">
-                  <a16:creationId xmlns:a16="http://schemas.microsoft.com/office/drawing/2014/main" id="{D11C669E-7644-41ED-9D1F-EF7E134EB20F}"/>
-                </a:ext>
-              </a:extLst>
-            </p:cNvPr>
-            <p:cNvSpPr txBox="1"/>
-            <p:nvPr/>
-          </p:nvSpPr>
-          <p:spPr>
-            <a:xfrm>
-              <a:off x="19014285" y="23426823"/>
-              <a:ext cx="885922" cy="400110"/>
-            </a:xfrm>
-            <a:prstGeom prst="rect">
-              <a:avLst/>
-            </a:prstGeom>
-            <a:noFill/>
-          </p:spPr>
-          <p:txBody>
-            <a:bodyPr wrap="square" rtlCol="0">
-              <a:spAutoFit/>
-            </a:bodyPr>
-            <a:lstStyle/>
-            <a:p>
-              <a:pPr algn="ctr"/>
-              <a:r>
-                <a:rPr lang="en-US" sz="2000" b="1" dirty="0"/>
-                <a:t>Mo17</a:t>
-              </a:r>
-            </a:p>
-          </p:txBody>
-        </p:sp>
-      </p:grpSp>
-      <p:grpSp>
-        <p:nvGrpSpPr>
-          <p:cNvPr id="113" name="Group 112">
-            <a:extLst>
-              <a:ext uri="{FF2B5EF4-FFF2-40B4-BE49-F238E27FC236}">
-                <a16:creationId xmlns:a16="http://schemas.microsoft.com/office/drawing/2014/main" id="{B7577384-0103-40A6-AA88-946C1EB495E1}"/>
-              </a:ext>
-            </a:extLst>
-          </p:cNvPr>
-          <p:cNvGrpSpPr/>
-          <p:nvPr/>
-        </p:nvGrpSpPr>
-        <p:grpSpPr>
-          <a:xfrm>
-            <a:off x="22411741" y="20303086"/>
-            <a:ext cx="6040631" cy="3487463"/>
-            <a:chOff x="22411741" y="20303086"/>
-            <a:chExt cx="6040631" cy="3487463"/>
-          </a:xfrm>
-        </p:grpSpPr>
-        <p:sp>
-          <p:nvSpPr>
-            <p:cNvPr id="382" name="Rectangle 381">
-              <a:extLst>
-                <a:ext uri="{FF2B5EF4-FFF2-40B4-BE49-F238E27FC236}">
-                  <a16:creationId xmlns:a16="http://schemas.microsoft.com/office/drawing/2014/main" id="{9016D31D-D360-46E9-94CC-029898F6EC8B}"/>
-                </a:ext>
-              </a:extLst>
-            </p:cNvPr>
-            <p:cNvSpPr/>
-            <p:nvPr/>
-          </p:nvSpPr>
-          <p:spPr>
-            <a:xfrm>
-              <a:off x="22411741" y="20303086"/>
-              <a:ext cx="6040631" cy="3114802"/>
-            </a:xfrm>
-            <a:prstGeom prst="rect">
-              <a:avLst/>
-            </a:prstGeom>
-            <a:noFill/>
-            <a:ln w="57150">
-              <a:solidFill>
-                <a:srgbClr val="00B0F0"/>
-              </a:solidFill>
-            </a:ln>
-          </p:spPr>
-          <p:style>
-            <a:lnRef idx="2">
-              <a:schemeClr val="accent1">
-                <a:shade val="50000"/>
-              </a:schemeClr>
-            </a:lnRef>
-            <a:fillRef idx="1">
-              <a:schemeClr val="accent1"/>
-            </a:fillRef>
-            <a:effectRef idx="0">
-              <a:schemeClr val="accent1"/>
-            </a:effectRef>
-            <a:fontRef idx="minor">
-              <a:schemeClr val="lt1"/>
-            </a:fontRef>
-          </p:style>
-          <p:txBody>
-            <a:bodyPr rtlCol="0" anchor="ctr"/>
-            <a:lstStyle/>
-            <a:p>
-              <a:pPr algn="ctr"/>
-              <a:endParaRPr lang="en-US"/>
-            </a:p>
-          </p:txBody>
-        </p:sp>
-        <p:sp>
-          <p:nvSpPr>
-            <p:cNvPr id="384" name="TextBox 383">
-              <a:extLst>
-                <a:ext uri="{FF2B5EF4-FFF2-40B4-BE49-F238E27FC236}">
-                  <a16:creationId xmlns:a16="http://schemas.microsoft.com/office/drawing/2014/main" id="{522C3FDE-0BC4-44F4-B526-32D812DE756A}"/>
-                </a:ext>
-              </a:extLst>
-            </p:cNvPr>
-            <p:cNvSpPr txBox="1"/>
-            <p:nvPr/>
-          </p:nvSpPr>
-          <p:spPr>
-            <a:xfrm>
-              <a:off x="25178902" y="23390439"/>
-              <a:ext cx="885922" cy="400110"/>
-            </a:xfrm>
-            <a:prstGeom prst="rect">
-              <a:avLst/>
-            </a:prstGeom>
-            <a:noFill/>
-          </p:spPr>
-          <p:txBody>
-            <a:bodyPr wrap="square" rtlCol="0">
-              <a:spAutoFit/>
-            </a:bodyPr>
-            <a:lstStyle/>
-            <a:p>
-              <a:pPr algn="ctr"/>
-              <a:r>
-                <a:rPr lang="en-US" sz="2000" b="1" dirty="0"/>
-                <a:t>W22</a:t>
-              </a:r>
-            </a:p>
-          </p:txBody>
-        </p:sp>
+        </p:pic>
       </p:grpSp>
       <p:sp>
         <p:nvSpPr>
-          <p:cNvPr id="374" name="Rectangle 373">
+          <p:cNvPr id="437" name="TextBox 436">
             <a:extLst>
               <a:ext uri="{FF2B5EF4-FFF2-40B4-BE49-F238E27FC236}">
-                <a16:creationId xmlns:a16="http://schemas.microsoft.com/office/drawing/2014/main" id="{02FF92E4-DEE7-403E-A8FA-502AE113A660}"/>
-              </a:ext>
-            </a:extLst>
-          </p:cNvPr>
-          <p:cNvSpPr/>
-          <p:nvPr/>
-        </p:nvSpPr>
-        <p:spPr>
-          <a:xfrm>
-            <a:off x="10748764" y="25096938"/>
-            <a:ext cx="17757132" cy="1402553"/>
-          </a:xfrm>
-          <a:prstGeom prst="rect">
-            <a:avLst/>
-          </a:prstGeom>
-          <a:solidFill>
-            <a:srgbClr val="2A4C7D"/>
-          </a:solidFill>
-        </p:spPr>
-        <p:style>
-          <a:lnRef idx="2">
-            <a:schemeClr val="accent1">
-              <a:shade val="50000"/>
-            </a:schemeClr>
-          </a:lnRef>
-          <a:fillRef idx="1">
-            <a:schemeClr val="accent1"/>
-          </a:fillRef>
-          <a:effectRef idx="0">
-            <a:schemeClr val="accent1"/>
-          </a:effectRef>
-          <a:fontRef idx="minor">
-            <a:schemeClr val="lt1"/>
-          </a:fontRef>
-        </p:style>
-        <p:txBody>
-          <a:bodyPr rot="0" spcFirstLastPara="0" vertOverflow="overflow" horzOverflow="overflow" vert="horz" wrap="square" lIns="91440" tIns="45720" rIns="91440" bIns="45720" numCol="1" spcCol="0" rtlCol="0" fromWordArt="0" anchor="ctr" anchorCtr="0" forceAA="0" compatLnSpc="1">
-            <a:prstTxWarp prst="textNoShape">
-              <a:avLst/>
-            </a:prstTxWarp>
-            <a:noAutofit/>
-          </a:bodyPr>
-          <a:lstStyle/>
-          <a:p>
-            <a:pPr algn="ctr"/>
-            <a:endParaRPr lang="en-US"/>
-          </a:p>
-        </p:txBody>
-      </p:sp>
-      <p:sp>
-        <p:nvSpPr>
-          <p:cNvPr id="385" name="TextBox 384">
-            <a:extLst>
-              <a:ext uri="{FF2B5EF4-FFF2-40B4-BE49-F238E27FC236}">
-                <a16:creationId xmlns:a16="http://schemas.microsoft.com/office/drawing/2014/main" id="{1E5E2B9D-25D0-4560-BBA0-2F747F204BD0}"/>
+                <a16:creationId xmlns:a16="http://schemas.microsoft.com/office/drawing/2014/main" id="{24B14B32-C740-49A3-B03A-653E9F128989}"/>
               </a:ext>
             </a:extLst>
           </p:cNvPr>
@@ -16357,8 +18671,8 @@
         </p:nvSpPr>
         <p:spPr>
           <a:xfrm>
-            <a:off x="12900112" y="25361494"/>
-            <a:ext cx="14000190" cy="830997"/>
+            <a:off x="10857777" y="28776336"/>
+            <a:ext cx="17701265" cy="923330"/>
           </a:xfrm>
           <a:prstGeom prst="rect">
             <a:avLst/>
@@ -16371,40 +18685,84 @@
           </a:bodyPr>
           <a:lstStyle/>
           <a:p>
-            <a:pPr algn="ctr"/>
             <a:r>
-              <a:rPr lang="en-US" sz="4800" dirty="0">
+              <a:rPr lang="en-US" b="1" dirty="0">
                 <a:solidFill>
-                  <a:schemeClr val="bg1"/>
+                  <a:srgbClr val="0D0D0D"/>
                 </a:solidFill>
+                <a:ea typeface="Calibri"/>
+                <a:cs typeface="Calibri"/>
+                <a:sym typeface="Calibri"/>
               </a:rPr>
-              <a:t>Inbred Lines (</a:t>
+              <a:t>RNA-</a:t>
             </a:r>
             <a:r>
-              <a:rPr lang="en-US" sz="4800" dirty="0" err="1">
+              <a:rPr lang="en-US" b="1" dirty="0" err="1">
                 <a:solidFill>
-                  <a:schemeClr val="bg1"/>
+                  <a:srgbClr val="0D0D0D"/>
                 </a:solidFill>
+                <a:ea typeface="Calibri"/>
+                <a:cs typeface="Calibri"/>
+                <a:sym typeface="Calibri"/>
               </a:rPr>
-              <a:t>RNASeq</a:t>
+              <a:t>seq</a:t>
             </a:r>
             <a:r>
-              <a:rPr lang="en-US" sz="4800" dirty="0">
+              <a:rPr lang="en-US" b="1" dirty="0">
                 <a:solidFill>
-                  <a:schemeClr val="bg1"/>
+                  <a:srgbClr val="0D0D0D"/>
                 </a:solidFill>
+                <a:ea typeface="Calibri"/>
+                <a:cs typeface="Calibri"/>
+                <a:sym typeface="Calibri"/>
               </a:rPr>
-              <a:t>)</a:t>
+              <a:t> analyses were performed using the Tuxedo workflow at </a:t>
             </a:r>
+            <a:r>
+              <a:rPr lang="en-US" b="1" dirty="0" err="1">
+                <a:solidFill>
+                  <a:srgbClr val="0D0D0D"/>
+                </a:solidFill>
+                <a:ea typeface="Calibri"/>
+                <a:cs typeface="Calibri"/>
+                <a:sym typeface="Calibri"/>
+              </a:rPr>
+              <a:t>CyVerse’s</a:t>
+            </a:r>
+            <a:r>
+              <a:rPr lang="en-US" b="1" dirty="0">
+                <a:solidFill>
+                  <a:srgbClr val="0D0D0D"/>
+                </a:solidFill>
+                <a:ea typeface="Calibri"/>
+                <a:cs typeface="Calibri"/>
+                <a:sym typeface="Calibri"/>
+              </a:rPr>
+              <a:t> Discovery Environment (http://www.cyverse.org/discovery- environment) and the maize reference genome AGPv4. </a:t>
+            </a:r>
+            <a:r>
+              <a:rPr lang="en-US" b="1" dirty="0">
+                <a:solidFill>
+                  <a:srgbClr val="FF0000"/>
+                </a:solidFill>
+                <a:ea typeface="Calibri"/>
+                <a:cs typeface="Calibri"/>
+                <a:sym typeface="Calibri"/>
+              </a:rPr>
+              <a:t>Genes names highlighted in red are statistically  different in B73 compared to Mo17 or W22 samples, or among root zones (q &lt; 0.05).</a:t>
+            </a:r>
+          </a:p>
+          <a:p>
+            <a:endParaRPr lang="en-US" dirty="0"/>
           </a:p>
         </p:txBody>
       </p:sp>
       <p:sp>
         <p:nvSpPr>
-          <p:cNvPr id="386" name="Rectangle 385">
+          <p:cNvPr id="438" name="Rectangle 437">
             <a:extLst>
               <a:ext uri="{FF2B5EF4-FFF2-40B4-BE49-F238E27FC236}">
-                <a16:creationId xmlns:a16="http://schemas.microsoft.com/office/drawing/2014/main" id="{24785566-C3EE-406D-A14A-B66D53C83596}"/>
+                <a16:creationId xmlns:a16="http://schemas.microsoft.com/office/drawing/2014/main" id="{FBF41E7B-377B-429B-B763-D0313A7CB6FD}"/>
               </a:ext>
             </a:extLst>
           </p:cNvPr>
@@ -16413,16 +18771,18 @@
         </p:nvSpPr>
         <p:spPr>
           <a:xfrm>
-            <a:off x="10696934" y="26489069"/>
-            <a:ext cx="17819029" cy="4270010"/>
+            <a:off x="10822734" y="28741292"/>
+            <a:ext cx="17700552" cy="679874"/>
           </a:xfrm>
           <a:prstGeom prst="rect">
             <a:avLst/>
           </a:prstGeom>
-          <a:solidFill>
-            <a:schemeClr val="bg1"/>
-          </a:solidFill>
-          <a:ln w="38100"/>
+          <a:noFill/>
+          <a:ln w="38100">
+            <a:solidFill>
+              <a:srgbClr val="2A4C7D"/>
+            </a:solidFill>
+          </a:ln>
         </p:spPr>
         <p:style>
           <a:lnRef idx="2">
@@ -16445,132 +18805,23 @@
           <a:lstStyle/>
           <a:p>
             <a:pPr algn="ctr"/>
-            <a:endParaRPr lang="en-US" dirty="0"/>
+            <a:endParaRPr lang="en-US">
+              <a:ln>
+                <a:solidFill>
+                  <a:srgbClr val="2A4C7D"/>
+                </a:solidFill>
+              </a:ln>
+              <a:noFill/>
+            </a:endParaRPr>
           </a:p>
         </p:txBody>
       </p:sp>
       <p:pic>
         <p:nvPicPr>
-          <p:cNvPr id="387" name="Picture 2">
+          <p:cNvPr id="463" name="Content Placeholder 4">
             <a:extLst>
               <a:ext uri="{FF2B5EF4-FFF2-40B4-BE49-F238E27FC236}">
-                <a16:creationId xmlns:a16="http://schemas.microsoft.com/office/drawing/2014/main" id="{9496D576-1058-4685-BC92-8AFB3CF1BCE9}"/>
-              </a:ext>
-            </a:extLst>
-          </p:cNvPr>
-          <p:cNvPicPr>
-            <a:picLocks noChangeAspect="1" noChangeArrowheads="1"/>
-          </p:cNvPicPr>
-          <p:nvPr/>
-        </p:nvPicPr>
-        <p:blipFill rotWithShape="1">
-          <a:blip r:embed="rId10">
-            <a:extLst>
-              <a:ext uri="{28A0092B-C50C-407E-A947-70E740481C1C}">
-                <a14:useLocalDpi xmlns:a14="http://schemas.microsoft.com/office/drawing/2010/main" val="0"/>
-              </a:ext>
-            </a:extLst>
-          </a:blip>
-          <a:srcRect l="24217" t="5361" r="13465" b="10690"/>
-          <a:stretch/>
-        </p:blipFill>
-        <p:spPr bwMode="auto">
-          <a:xfrm>
-            <a:off x="12538374" y="26738987"/>
-            <a:ext cx="5414090" cy="3070537"/>
-          </a:xfrm>
-          <a:prstGeom prst="rect">
-            <a:avLst/>
-          </a:prstGeom>
-          <a:noFill/>
-          <a:ln>
-            <a:noFill/>
-          </a:ln>
-          <a:extLst>
-            <a:ext uri="{909E8E84-426E-40DD-AFC4-6F175D3DCCD1}">
-              <a14:hiddenFill xmlns:a14="http://schemas.microsoft.com/office/drawing/2010/main">
-                <a:solidFill>
-                  <a:schemeClr val="accent1"/>
-                </a:solidFill>
-              </a14:hiddenFill>
-            </a:ext>
-            <a:ext uri="{91240B29-F687-4F45-9708-019B960494DF}">
-              <a14:hiddenLine xmlns:a14="http://schemas.microsoft.com/office/drawing/2010/main" w="9525">
-                <a:solidFill>
-                  <a:schemeClr val="tx1"/>
-                </a:solidFill>
-                <a:miter lim="800000"/>
-                <a:headEnd/>
-                <a:tailEnd/>
-              </a14:hiddenLine>
-            </a:ext>
-          </a:extLst>
-        </p:spPr>
-      </p:pic>
-      <p:pic>
-        <p:nvPicPr>
-          <p:cNvPr id="388" name="Picture 2">
-            <a:extLst>
-              <a:ext uri="{FF2B5EF4-FFF2-40B4-BE49-F238E27FC236}">
-                <a16:creationId xmlns:a16="http://schemas.microsoft.com/office/drawing/2014/main" id="{DEEA6ADE-1C24-4A56-BB79-B97BA078D0BF}"/>
-              </a:ext>
-            </a:extLst>
-          </p:cNvPr>
-          <p:cNvPicPr>
-            <a:picLocks noChangeAspect="1" noChangeArrowheads="1"/>
-          </p:cNvPicPr>
-          <p:nvPr/>
-        </p:nvPicPr>
-        <p:blipFill rotWithShape="1">
-          <a:blip r:embed="rId11">
-            <a:extLst>
-              <a:ext uri="{28A0092B-C50C-407E-A947-70E740481C1C}">
-                <a14:useLocalDpi xmlns:a14="http://schemas.microsoft.com/office/drawing/2010/main" val="0"/>
-              </a:ext>
-            </a:extLst>
-          </a:blip>
-          <a:srcRect l="23927" t="5123" r="14301" b="14246"/>
-          <a:stretch/>
-        </p:blipFill>
-        <p:spPr bwMode="auto">
-          <a:xfrm>
-            <a:off x="20756403" y="26716044"/>
-            <a:ext cx="6329425" cy="3072384"/>
-          </a:xfrm>
-          <a:prstGeom prst="rect">
-            <a:avLst/>
-          </a:prstGeom>
-          <a:noFill/>
-          <a:ln>
-            <a:noFill/>
-          </a:ln>
-          <a:extLst>
-            <a:ext uri="{909E8E84-426E-40DD-AFC4-6F175D3DCCD1}">
-              <a14:hiddenFill xmlns:a14="http://schemas.microsoft.com/office/drawing/2010/main">
-                <a:solidFill>
-                  <a:schemeClr val="accent1"/>
-                </a:solidFill>
-              </a14:hiddenFill>
-            </a:ext>
-            <a:ext uri="{91240B29-F687-4F45-9708-019B960494DF}">
-              <a14:hiddenLine xmlns:a14="http://schemas.microsoft.com/office/drawing/2010/main" w="9525">
-                <a:solidFill>
-                  <a:schemeClr val="tx1"/>
-                </a:solidFill>
-                <a:miter lim="800000"/>
-                <a:headEnd/>
-                <a:tailEnd/>
-              </a14:hiddenLine>
-            </a:ext>
-          </a:extLst>
-        </p:spPr>
-      </p:pic>
-      <p:pic>
-        <p:nvPicPr>
-          <p:cNvPr id="389" name="Content Placeholder 4">
-            <a:extLst>
-              <a:ext uri="{FF2B5EF4-FFF2-40B4-BE49-F238E27FC236}">
-                <a16:creationId xmlns:a16="http://schemas.microsoft.com/office/drawing/2014/main" id="{DB15AD8A-7151-4648-B98F-56510C449BBB}"/>
+                <a16:creationId xmlns:a16="http://schemas.microsoft.com/office/drawing/2014/main" id="{A6768219-14B2-4FA0-BAAD-D51FF6DABD60}"/>
               </a:ext>
             </a:extLst>
           </p:cNvPr>
@@ -16592,7 +18843,7 @@
         </p:blipFill>
         <p:spPr>
           <a:xfrm>
-            <a:off x="17972144" y="27663180"/>
+            <a:off x="33633952" y="6760090"/>
             <a:ext cx="1138305" cy="1222149"/>
           </a:xfrm>
           <a:prstGeom prst="rect">
@@ -16600,339 +18851,780 @@
           </a:prstGeom>
         </p:spPr>
       </p:pic>
-      <p:pic>
-        <p:nvPicPr>
-          <p:cNvPr id="390" name="Content Placeholder 4">
+      <p:grpSp>
+        <p:nvGrpSpPr>
+          <p:cNvPr id="9" name="Group 8">
             <a:extLst>
               <a:ext uri="{FF2B5EF4-FFF2-40B4-BE49-F238E27FC236}">
-                <a16:creationId xmlns:a16="http://schemas.microsoft.com/office/drawing/2014/main" id="{87A9242A-755A-463F-8167-4FCF4666DE9F}"/>
+                <a16:creationId xmlns:a16="http://schemas.microsoft.com/office/drawing/2014/main" id="{B0F3BC48-94EE-4831-8797-AC7FFEDF9F4C}"/>
               </a:ext>
             </a:extLst>
           </p:cNvPr>
-          <p:cNvPicPr>
-            <a:picLocks noChangeAspect="1"/>
-          </p:cNvPicPr>
+          <p:cNvGrpSpPr/>
           <p:nvPr/>
-        </p:nvPicPr>
-        <p:blipFill rotWithShape="1">
-          <a:blip r:embed="rId7">
-            <a:extLst>
-              <a:ext uri="{28A0092B-C50C-407E-A947-70E740481C1C}">
-                <a14:useLocalDpi xmlns:a14="http://schemas.microsoft.com/office/drawing/2010/main" val="0"/>
-              </a:ext>
-            </a:extLst>
-          </a:blip>
-          <a:srcRect l="71504" t="25240" r="2804" b="31451"/>
-          <a:stretch/>
-        </p:blipFill>
-        <p:spPr>
+        </p:nvGrpSpPr>
+        <p:grpSpPr>
           <a:xfrm>
-            <a:off x="27163673" y="27663179"/>
-            <a:ext cx="1138305" cy="1222149"/>
+            <a:off x="28788879" y="11034270"/>
+            <a:ext cx="11150847" cy="5625648"/>
+            <a:chOff x="28788879" y="11034270"/>
+            <a:chExt cx="11150847" cy="5625648"/>
           </a:xfrm>
-          <a:prstGeom prst="rect">
-            <a:avLst/>
-          </a:prstGeom>
-        </p:spPr>
-      </p:pic>
-      <p:sp>
-        <p:nvSpPr>
-          <p:cNvPr id="392" name="TextBox 391">
-            <a:extLst>
-              <a:ext uri="{FF2B5EF4-FFF2-40B4-BE49-F238E27FC236}">
-                <a16:creationId xmlns:a16="http://schemas.microsoft.com/office/drawing/2014/main" id="{F9C45C75-6130-44AF-AD39-CB3BCC8A1C62}"/>
-              </a:ext>
-            </a:extLst>
-          </p:cNvPr>
-          <p:cNvSpPr txBox="1"/>
-          <p:nvPr/>
-        </p:nvSpPr>
-        <p:spPr>
-          <a:xfrm>
-            <a:off x="19018788" y="26821266"/>
-            <a:ext cx="2895600" cy="3385542"/>
-          </a:xfrm>
-          <a:prstGeom prst="rect">
-            <a:avLst/>
-          </a:prstGeom>
-          <a:noFill/>
-        </p:spPr>
-        <p:txBody>
-          <a:bodyPr wrap="square" rtlCol="0">
-            <a:spAutoFit/>
-          </a:bodyPr>
-          <a:lstStyle/>
-          <a:p>
-            <a:pPr>
-              <a:spcBef>
-                <a:spcPts val="1200"/>
-              </a:spcBef>
-            </a:pPr>
-            <a:r>
-              <a:rPr lang="en-US" dirty="0"/>
-              <a:t>Zm00001d045909</a:t>
-            </a:r>
-          </a:p>
-          <a:p>
-            <a:pPr>
-              <a:spcBef>
-                <a:spcPts val="1200"/>
-              </a:spcBef>
-            </a:pPr>
-            <a:r>
-              <a:rPr lang="en-US" dirty="0"/>
-              <a:t>Zm00001d036345_PSY1_T2</a:t>
-            </a:r>
-          </a:p>
-          <a:p>
-            <a:pPr>
-              <a:spcBef>
-                <a:spcPts val="1200"/>
-              </a:spcBef>
-            </a:pPr>
-            <a:r>
-              <a:rPr lang="en-US" dirty="0"/>
-              <a:t>ZM00001d036345_PSY1_T1</a:t>
-            </a:r>
-          </a:p>
-          <a:p>
-            <a:pPr>
-              <a:spcBef>
-                <a:spcPts val="1200"/>
-              </a:spcBef>
-            </a:pPr>
-            <a:r>
-              <a:rPr lang="en-US" dirty="0"/>
-              <a:t>Zm00001d033547</a:t>
-            </a:r>
-          </a:p>
-          <a:p>
-            <a:pPr>
-              <a:spcBef>
-                <a:spcPts val="1200"/>
-              </a:spcBef>
-            </a:pPr>
-            <a:r>
-              <a:rPr lang="en-US" dirty="0"/>
-              <a:t>Zm00001d026188</a:t>
-            </a:r>
-          </a:p>
-          <a:p>
-            <a:pPr>
-              <a:spcBef>
-                <a:spcPts val="1200"/>
-              </a:spcBef>
-            </a:pPr>
-            <a:r>
-              <a:rPr lang="en-US" dirty="0"/>
-              <a:t>Zm00001d025531</a:t>
-            </a:r>
-          </a:p>
-          <a:p>
-            <a:pPr>
-              <a:spcBef>
-                <a:spcPts val="1200"/>
-              </a:spcBef>
-            </a:pPr>
-            <a:r>
-              <a:rPr lang="en-US" dirty="0"/>
-              <a:t>Zm00001d012394_PSY2</a:t>
-            </a:r>
-          </a:p>
-          <a:p>
-            <a:pPr>
-              <a:spcBef>
-                <a:spcPts val="1200"/>
-              </a:spcBef>
-            </a:pPr>
-            <a:endParaRPr lang="en-US" dirty="0"/>
-          </a:p>
-        </p:txBody>
-      </p:sp>
-      <p:sp>
-        <p:nvSpPr>
-          <p:cNvPr id="393" name="TextBox 392">
-            <a:extLst>
-              <a:ext uri="{FF2B5EF4-FFF2-40B4-BE49-F238E27FC236}">
-                <a16:creationId xmlns:a16="http://schemas.microsoft.com/office/drawing/2014/main" id="{6848FF10-A7CF-4C43-85C2-E76E729DC458}"/>
-              </a:ext>
-            </a:extLst>
-          </p:cNvPr>
-          <p:cNvSpPr txBox="1"/>
-          <p:nvPr/>
-        </p:nvSpPr>
-        <p:spPr>
-          <a:xfrm>
-            <a:off x="10679795" y="26821266"/>
-            <a:ext cx="2895600" cy="3385542"/>
-          </a:xfrm>
-          <a:prstGeom prst="rect">
-            <a:avLst/>
-          </a:prstGeom>
-          <a:noFill/>
-        </p:spPr>
-        <p:txBody>
-          <a:bodyPr wrap="square" rtlCol="0">
-            <a:spAutoFit/>
-          </a:bodyPr>
-          <a:lstStyle/>
-          <a:p>
-            <a:pPr>
-              <a:spcBef>
-                <a:spcPts val="1200"/>
-              </a:spcBef>
-            </a:pPr>
-            <a:r>
-              <a:rPr lang="en-US" dirty="0"/>
-              <a:t>Zm00001d045909</a:t>
-            </a:r>
-          </a:p>
-          <a:p>
-            <a:pPr>
-              <a:spcBef>
-                <a:spcPts val="1200"/>
-              </a:spcBef>
-            </a:pPr>
-            <a:r>
-              <a:rPr lang="en-US" dirty="0"/>
-              <a:t>Zm00001d036345_PSY1_T2</a:t>
-            </a:r>
-          </a:p>
-          <a:p>
-            <a:pPr>
-              <a:spcBef>
-                <a:spcPts val="1200"/>
-              </a:spcBef>
-            </a:pPr>
-            <a:r>
-              <a:rPr lang="en-US" dirty="0"/>
-              <a:t>ZM00001d036345_PSY1_T1</a:t>
-            </a:r>
-          </a:p>
-          <a:p>
-            <a:pPr>
-              <a:spcBef>
-                <a:spcPts val="1200"/>
-              </a:spcBef>
-            </a:pPr>
-            <a:r>
-              <a:rPr lang="en-US" dirty="0"/>
-              <a:t>Zm00001d033547</a:t>
-            </a:r>
-          </a:p>
-          <a:p>
-            <a:pPr>
-              <a:spcBef>
-                <a:spcPts val="1200"/>
-              </a:spcBef>
-            </a:pPr>
-            <a:r>
-              <a:rPr lang="en-US" dirty="0"/>
-              <a:t>Zm00001d026188</a:t>
-            </a:r>
-          </a:p>
-          <a:p>
-            <a:pPr>
-              <a:spcBef>
-                <a:spcPts val="1200"/>
-              </a:spcBef>
-            </a:pPr>
-            <a:r>
-              <a:rPr lang="en-US" dirty="0"/>
-              <a:t>Zm00001d025531</a:t>
-            </a:r>
-          </a:p>
-          <a:p>
-            <a:pPr>
-              <a:spcBef>
-                <a:spcPts val="1200"/>
-              </a:spcBef>
-            </a:pPr>
-            <a:r>
-              <a:rPr lang="en-US" dirty="0"/>
-              <a:t>Zm00001d012394_PSY2</a:t>
-            </a:r>
-          </a:p>
-          <a:p>
-            <a:pPr>
-              <a:spcBef>
-                <a:spcPts val="1200"/>
-              </a:spcBef>
-            </a:pPr>
-            <a:endParaRPr lang="en-US" dirty="0"/>
-          </a:p>
-        </p:txBody>
-      </p:sp>
-      <p:sp>
-        <p:nvSpPr>
-          <p:cNvPr id="394" name="TextBox 393">
-            <a:extLst>
-              <a:ext uri="{FF2B5EF4-FFF2-40B4-BE49-F238E27FC236}">
-                <a16:creationId xmlns:a16="http://schemas.microsoft.com/office/drawing/2014/main" id="{00569DF6-330B-418C-BEB4-4D16D67E6813}"/>
-              </a:ext>
-            </a:extLst>
-          </p:cNvPr>
-          <p:cNvSpPr txBox="1"/>
-          <p:nvPr/>
-        </p:nvSpPr>
-        <p:spPr>
-          <a:xfrm>
-            <a:off x="12500975" y="29774954"/>
-            <a:ext cx="5451489" cy="307777"/>
-          </a:xfrm>
-          <a:prstGeom prst="rect">
-            <a:avLst/>
-          </a:prstGeom>
-          <a:noFill/>
-        </p:spPr>
-        <p:txBody>
-          <a:bodyPr wrap="square" rtlCol="0">
-            <a:spAutoFit/>
-          </a:bodyPr>
-          <a:lstStyle/>
-          <a:p>
-            <a:r>
-              <a:rPr lang="en-US" sz="1400" dirty="0"/>
-              <a:t>ND207  A679 CH70130 CML322 CML341 Florida32 IL14H   Ki21      NC206</a:t>
-            </a:r>
-          </a:p>
-        </p:txBody>
-      </p:sp>
-      <p:sp>
-        <p:nvSpPr>
-          <p:cNvPr id="395" name="TextBox 394">
-            <a:extLst>
-              <a:ext uri="{FF2B5EF4-FFF2-40B4-BE49-F238E27FC236}">
-                <a16:creationId xmlns:a16="http://schemas.microsoft.com/office/drawing/2014/main" id="{A34BEEB2-C81A-4811-A304-6C2B77297BCA}"/>
-              </a:ext>
-            </a:extLst>
-          </p:cNvPr>
-          <p:cNvSpPr txBox="1"/>
-          <p:nvPr/>
-        </p:nvSpPr>
-        <p:spPr>
-          <a:xfrm>
-            <a:off x="20750914" y="29774954"/>
-            <a:ext cx="6329425" cy="369332"/>
-          </a:xfrm>
-          <a:prstGeom prst="rect">
-            <a:avLst/>
-          </a:prstGeom>
-          <a:noFill/>
-        </p:spPr>
-        <p:txBody>
-          <a:bodyPr wrap="square" rtlCol="0">
-            <a:spAutoFit/>
-          </a:bodyPr>
-          <a:lstStyle/>
-          <a:p>
-            <a:r>
-              <a:rPr lang="en-US" dirty="0"/>
-              <a:t>   B68         B97   CML341 Florida32   K64     KY228       LH52        T8</a:t>
-            </a:r>
-          </a:p>
-        </p:txBody>
-      </p:sp>
+        </p:grpSpPr>
+        <p:grpSp>
+          <p:nvGrpSpPr>
+            <p:cNvPr id="440" name="Group 439">
+              <a:extLst>
+                <a:ext uri="{FF2B5EF4-FFF2-40B4-BE49-F238E27FC236}">
+                  <a16:creationId xmlns:a16="http://schemas.microsoft.com/office/drawing/2014/main" id="{A051BCB5-B03A-4AC6-A3DA-EFCB33D7292D}"/>
+                </a:ext>
+              </a:extLst>
+            </p:cNvPr>
+            <p:cNvGrpSpPr/>
+            <p:nvPr/>
+          </p:nvGrpSpPr>
+          <p:grpSpPr>
+            <a:xfrm>
+              <a:off x="28788879" y="11034270"/>
+              <a:ext cx="11150847" cy="5625648"/>
+              <a:chOff x="28804561" y="5074436"/>
+              <a:chExt cx="10903639" cy="5625648"/>
+            </a:xfrm>
+          </p:grpSpPr>
+          <p:grpSp>
+            <p:nvGrpSpPr>
+              <p:cNvPr id="441" name="Group 440">
+                <a:extLst>
+                  <a:ext uri="{FF2B5EF4-FFF2-40B4-BE49-F238E27FC236}">
+                    <a16:creationId xmlns:a16="http://schemas.microsoft.com/office/drawing/2014/main" id="{1ED32653-16B9-48DD-9669-6F56C35A1A75}"/>
+                  </a:ext>
+                </a:extLst>
+              </p:cNvPr>
+              <p:cNvGrpSpPr/>
+              <p:nvPr/>
+            </p:nvGrpSpPr>
+            <p:grpSpPr>
+              <a:xfrm>
+                <a:off x="28804561" y="5074436"/>
+                <a:ext cx="10903639" cy="5625648"/>
+                <a:chOff x="27851886" y="4788659"/>
+                <a:chExt cx="10903639" cy="5625648"/>
+              </a:xfrm>
+            </p:grpSpPr>
+            <p:grpSp>
+              <p:nvGrpSpPr>
+                <p:cNvPr id="445" name="Group 444">
+                  <a:extLst>
+                    <a:ext uri="{FF2B5EF4-FFF2-40B4-BE49-F238E27FC236}">
+                      <a16:creationId xmlns:a16="http://schemas.microsoft.com/office/drawing/2014/main" id="{3E84FA68-6832-42BC-A420-6F57BE84A45B}"/>
+                    </a:ext>
+                  </a:extLst>
+                </p:cNvPr>
+                <p:cNvGrpSpPr/>
+                <p:nvPr/>
+              </p:nvGrpSpPr>
+              <p:grpSpPr>
+                <a:xfrm>
+                  <a:off x="27851886" y="4788659"/>
+                  <a:ext cx="10903638" cy="1402553"/>
+                  <a:chOff x="552288" y="4788659"/>
+                  <a:chExt cx="9852349" cy="1402553"/>
+                </a:xfrm>
+              </p:grpSpPr>
+              <p:sp>
+                <p:nvSpPr>
+                  <p:cNvPr id="449" name="Rectangle 448">
+                    <a:extLst>
+                      <a:ext uri="{FF2B5EF4-FFF2-40B4-BE49-F238E27FC236}">
+                        <a16:creationId xmlns:a16="http://schemas.microsoft.com/office/drawing/2014/main" id="{2EBB5E3C-0D49-404D-861D-0F44FAAFBF38}"/>
+                      </a:ext>
+                    </a:extLst>
+                  </p:cNvPr>
+                  <p:cNvSpPr/>
+                  <p:nvPr/>
+                </p:nvSpPr>
+                <p:spPr>
+                  <a:xfrm>
+                    <a:off x="552288" y="4788659"/>
+                    <a:ext cx="9852349" cy="1402553"/>
+                  </a:xfrm>
+                  <a:prstGeom prst="rect">
+                    <a:avLst/>
+                  </a:prstGeom>
+                  <a:solidFill>
+                    <a:srgbClr val="2A4C7D"/>
+                  </a:solidFill>
+                </p:spPr>
+                <p:style>
+                  <a:lnRef idx="2">
+                    <a:schemeClr val="accent1">
+                      <a:shade val="50000"/>
+                    </a:schemeClr>
+                  </a:lnRef>
+                  <a:fillRef idx="1">
+                    <a:schemeClr val="accent1"/>
+                  </a:fillRef>
+                  <a:effectRef idx="0">
+                    <a:schemeClr val="accent1"/>
+                  </a:effectRef>
+                  <a:fontRef idx="minor">
+                    <a:schemeClr val="lt1"/>
+                  </a:fontRef>
+                </p:style>
+                <p:txBody>
+                  <a:bodyPr rot="0" spcFirstLastPara="0" vertOverflow="overflow" horzOverflow="overflow" vert="horz" wrap="square" lIns="91440" tIns="45720" rIns="91440" bIns="45720" numCol="1" spcCol="0" rtlCol="0" fromWordArt="0" anchor="ctr" anchorCtr="0" forceAA="0" compatLnSpc="1">
+                    <a:prstTxWarp prst="textNoShape">
+                      <a:avLst/>
+                    </a:prstTxWarp>
+                    <a:noAutofit/>
+                  </a:bodyPr>
+                  <a:lstStyle/>
+                  <a:p>
+                    <a:pPr algn="ctr"/>
+                    <a:endParaRPr lang="en-US"/>
+                  </a:p>
+                </p:txBody>
+              </p:sp>
+              <p:sp>
+                <p:nvSpPr>
+                  <p:cNvPr id="450" name="TextBox 449">
+                    <a:extLst>
+                      <a:ext uri="{FF2B5EF4-FFF2-40B4-BE49-F238E27FC236}">
+                        <a16:creationId xmlns:a16="http://schemas.microsoft.com/office/drawing/2014/main" id="{980E446B-EDD9-4EEA-B4A5-88365B483AD0}"/>
+                      </a:ext>
+                    </a:extLst>
+                  </p:cNvPr>
+                  <p:cNvSpPr txBox="1"/>
+                  <p:nvPr/>
+                </p:nvSpPr>
+                <p:spPr>
+                  <a:xfrm>
+                    <a:off x="1495512" y="5122049"/>
+                    <a:ext cx="8686800" cy="830997"/>
+                  </a:xfrm>
+                  <a:prstGeom prst="rect">
+                    <a:avLst/>
+                  </a:prstGeom>
+                  <a:noFill/>
+                </p:spPr>
+                <p:txBody>
+                  <a:bodyPr wrap="square" rtlCol="0">
+                    <a:spAutoFit/>
+                  </a:bodyPr>
+                  <a:lstStyle/>
+                  <a:p>
+                    <a:pPr algn="ctr"/>
+                    <a:r>
+                      <a:rPr lang="en-US" sz="4800" dirty="0">
+                        <a:solidFill>
+                          <a:schemeClr val="bg1"/>
+                        </a:solidFill>
+                      </a:rPr>
+                      <a:t>Shoot Apical Meristem (</a:t>
+                    </a:r>
+                    <a:r>
+                      <a:rPr lang="en-US" sz="4800" dirty="0" err="1">
+                        <a:solidFill>
+                          <a:schemeClr val="bg1"/>
+                        </a:solidFill>
+                      </a:rPr>
+                      <a:t>RNASeq</a:t>
+                    </a:r>
+                    <a:r>
+                      <a:rPr lang="en-US" sz="4800" dirty="0">
+                        <a:solidFill>
+                          <a:schemeClr val="bg1"/>
+                        </a:solidFill>
+                      </a:rPr>
+                      <a:t>)</a:t>
+                    </a:r>
+                  </a:p>
+                </p:txBody>
+              </p:sp>
+            </p:grpSp>
+            <p:sp>
+              <p:nvSpPr>
+                <p:cNvPr id="446" name="Rectangle 445">
+                  <a:extLst>
+                    <a:ext uri="{FF2B5EF4-FFF2-40B4-BE49-F238E27FC236}">
+                      <a16:creationId xmlns:a16="http://schemas.microsoft.com/office/drawing/2014/main" id="{9637A581-FC91-452A-B9AE-036A5EC48D5E}"/>
+                    </a:ext>
+                  </a:extLst>
+                </p:cNvPr>
+                <p:cNvSpPr/>
+                <p:nvPr/>
+              </p:nvSpPr>
+              <p:spPr>
+                <a:xfrm>
+                  <a:off x="27864333" y="6191212"/>
+                  <a:ext cx="10891192" cy="4223095"/>
+                </a:xfrm>
+                <a:prstGeom prst="rect">
+                  <a:avLst/>
+                </a:prstGeom>
+                <a:solidFill>
+                  <a:schemeClr val="bg1"/>
+                </a:solidFill>
+                <a:ln w="38100"/>
+              </p:spPr>
+              <p:style>
+                <a:lnRef idx="2">
+                  <a:schemeClr val="accent1">
+                    <a:shade val="50000"/>
+                  </a:schemeClr>
+                </a:lnRef>
+                <a:fillRef idx="1">
+                  <a:schemeClr val="accent1"/>
+                </a:fillRef>
+                <a:effectRef idx="0">
+                  <a:schemeClr val="accent1"/>
+                </a:effectRef>
+                <a:fontRef idx="minor">
+                  <a:schemeClr val="lt1"/>
+                </a:fontRef>
+              </p:style>
+              <p:txBody>
+                <a:bodyPr rtlCol="0" anchor="ctr"/>
+                <a:lstStyle/>
+                <a:p>
+                  <a:pPr algn="ctr"/>
+                  <a:endParaRPr lang="en-US" dirty="0"/>
+                </a:p>
+              </p:txBody>
+            </p:sp>
+            <p:sp>
+              <p:nvSpPr>
+                <p:cNvPr id="447" name="Rectangle 446">
+                  <a:extLst>
+                    <a:ext uri="{FF2B5EF4-FFF2-40B4-BE49-F238E27FC236}">
+                      <a16:creationId xmlns:a16="http://schemas.microsoft.com/office/drawing/2014/main" id="{2B9E66E7-58CC-439A-89A8-FFB987D59B18}"/>
+                    </a:ext>
+                  </a:extLst>
+                </p:cNvPr>
+                <p:cNvSpPr/>
+                <p:nvPr/>
+              </p:nvSpPr>
+              <p:spPr>
+                <a:xfrm>
+                  <a:off x="32666976" y="8186871"/>
+                  <a:ext cx="5967705" cy="1800198"/>
+                </a:xfrm>
+                <a:prstGeom prst="rect">
+                  <a:avLst/>
+                </a:prstGeom>
+                <a:noFill/>
+                <a:ln w="38100">
+                  <a:solidFill>
+                    <a:srgbClr val="2A4C7D"/>
+                  </a:solidFill>
+                </a:ln>
+              </p:spPr>
+              <p:style>
+                <a:lnRef idx="2">
+                  <a:schemeClr val="accent1">
+                    <a:shade val="50000"/>
+                  </a:schemeClr>
+                </a:lnRef>
+                <a:fillRef idx="1">
+                  <a:schemeClr val="accent1"/>
+                </a:fillRef>
+                <a:effectRef idx="0">
+                  <a:schemeClr val="accent1"/>
+                </a:effectRef>
+                <a:fontRef idx="minor">
+                  <a:schemeClr val="lt1"/>
+                </a:fontRef>
+              </p:style>
+              <p:txBody>
+                <a:bodyPr rtlCol="0" anchor="ctr"/>
+                <a:lstStyle/>
+                <a:p>
+                  <a:pPr algn="ctr"/>
+                  <a:endParaRPr lang="en-US">
+                    <a:ln>
+                      <a:solidFill>
+                        <a:srgbClr val="2A4C7D"/>
+                      </a:solidFill>
+                    </a:ln>
+                    <a:noFill/>
+                  </a:endParaRPr>
+                </a:p>
+              </p:txBody>
+            </p:sp>
+            <p:sp>
+              <p:nvSpPr>
+                <p:cNvPr id="448" name="TextBox 447">
+                  <a:extLst>
+                    <a:ext uri="{FF2B5EF4-FFF2-40B4-BE49-F238E27FC236}">
+                      <a16:creationId xmlns:a16="http://schemas.microsoft.com/office/drawing/2014/main" id="{2C26962E-D127-4E61-988E-FC1C21949EE3}"/>
+                    </a:ext>
+                  </a:extLst>
+                </p:cNvPr>
+                <p:cNvSpPr txBox="1"/>
+                <p:nvPr/>
+              </p:nvSpPr>
+              <p:spPr>
+                <a:xfrm>
+                  <a:off x="32633159" y="8186870"/>
+                  <a:ext cx="5967704" cy="2031325"/>
+                </a:xfrm>
+                <a:prstGeom prst="rect">
+                  <a:avLst/>
+                </a:prstGeom>
+                <a:noFill/>
+              </p:spPr>
+              <p:txBody>
+                <a:bodyPr wrap="square" rtlCol="0">
+                  <a:spAutoFit/>
+                </a:bodyPr>
+                <a:lstStyle/>
+                <a:p>
+                  <a:r>
+                    <a:rPr lang="en-US" b="1" dirty="0">
+                      <a:solidFill>
+                        <a:srgbClr val="0D0D0D"/>
+                      </a:solidFill>
+                      <a:ea typeface="Calibri"/>
+                      <a:cs typeface="Calibri"/>
+                      <a:sym typeface="Calibri"/>
+                    </a:rPr>
+                    <a:t>RNA-</a:t>
+                  </a:r>
+                  <a:r>
+                    <a:rPr lang="en-US" b="1" dirty="0" err="1">
+                      <a:solidFill>
+                        <a:srgbClr val="0D0D0D"/>
+                      </a:solidFill>
+                      <a:ea typeface="Calibri"/>
+                      <a:cs typeface="Calibri"/>
+                      <a:sym typeface="Calibri"/>
+                    </a:rPr>
+                    <a:t>seq</a:t>
+                  </a:r>
+                  <a:r>
+                    <a:rPr lang="en-US" b="1" dirty="0">
+                      <a:solidFill>
+                        <a:srgbClr val="0D0D0D"/>
+                      </a:solidFill>
+                      <a:ea typeface="Calibri"/>
+                      <a:cs typeface="Calibri"/>
+                      <a:sym typeface="Calibri"/>
+                    </a:rPr>
+                    <a:t> analyses were performed using the Tuxedo workflow at </a:t>
+                  </a:r>
+                  <a:r>
+                    <a:rPr lang="en-US" b="1" dirty="0" err="1">
+                      <a:solidFill>
+                        <a:srgbClr val="0D0D0D"/>
+                      </a:solidFill>
+                      <a:ea typeface="Calibri"/>
+                      <a:cs typeface="Calibri"/>
+                      <a:sym typeface="Calibri"/>
+                    </a:rPr>
+                    <a:t>CyVerse’s</a:t>
+                  </a:r>
+                  <a:r>
+                    <a:rPr lang="en-US" b="1" dirty="0">
+                      <a:solidFill>
+                        <a:srgbClr val="0D0D0D"/>
+                      </a:solidFill>
+                      <a:ea typeface="Calibri"/>
+                      <a:cs typeface="Calibri"/>
+                      <a:sym typeface="Calibri"/>
+                    </a:rPr>
+                    <a:t> Discovery Environment (http://www.cyverse.org/discovery- environment) and the maize reference genome AGPv4. </a:t>
+                  </a:r>
+                  <a:r>
+                    <a:rPr lang="en-US" b="1" dirty="0">
+                      <a:solidFill>
+                        <a:srgbClr val="FF0000"/>
+                      </a:solidFill>
+                      <a:ea typeface="Calibri"/>
+                      <a:cs typeface="Calibri"/>
+                      <a:sym typeface="Calibri"/>
+                    </a:rPr>
+                    <a:t>Genes names highlighted in red are statistically  different in WT as compared to rgd378 (q &lt; 0.05).</a:t>
+                  </a:r>
+                </a:p>
+                <a:p>
+                  <a:endParaRPr lang="en-US" dirty="0"/>
+                </a:p>
+              </p:txBody>
+            </p:sp>
+          </p:grpSp>
+          <p:sp>
+            <p:nvSpPr>
+              <p:cNvPr id="444" name="TextBox 443">
+                <a:extLst>
+                  <a:ext uri="{FF2B5EF4-FFF2-40B4-BE49-F238E27FC236}">
+                    <a16:creationId xmlns:a16="http://schemas.microsoft.com/office/drawing/2014/main" id="{AAD9CCE3-E49C-4B81-9D61-7B11FDA55B76}"/>
+                  </a:ext>
+                </a:extLst>
+              </p:cNvPr>
+              <p:cNvSpPr txBox="1"/>
+              <p:nvPr/>
+            </p:nvSpPr>
+            <p:spPr>
+              <a:xfrm>
+                <a:off x="31727100" y="9589808"/>
+                <a:ext cx="1802233" cy="369332"/>
+              </a:xfrm>
+              <a:prstGeom prst="rect">
+                <a:avLst/>
+              </a:prstGeom>
+              <a:noFill/>
+            </p:spPr>
+            <p:txBody>
+              <a:bodyPr wrap="square" rtlCol="0">
+                <a:spAutoFit/>
+              </a:bodyPr>
+              <a:lstStyle/>
+              <a:p>
+                <a:r>
+                  <a:rPr lang="en-US" dirty="0"/>
+                  <a:t> </a:t>
+                </a:r>
+                <a:r>
+                  <a:rPr lang="en-US" dirty="0">
+                    <a:solidFill>
+                      <a:srgbClr val="00B050"/>
+                    </a:solidFill>
+                  </a:rPr>
+                  <a:t>B73</a:t>
+                </a:r>
+                <a:r>
+                  <a:rPr lang="en-US" dirty="0"/>
+                  <a:t>  </a:t>
+                </a:r>
+                <a:r>
+                  <a:rPr lang="en-US" dirty="0">
+                    <a:solidFill>
+                      <a:srgbClr val="7030A0"/>
+                    </a:solidFill>
+                  </a:rPr>
+                  <a:t>Mo17</a:t>
+                </a:r>
+                <a:r>
+                  <a:rPr lang="en-US" dirty="0"/>
+                  <a:t> </a:t>
+                </a:r>
+                <a:r>
+                  <a:rPr lang="en-US" dirty="0">
+                    <a:solidFill>
+                      <a:srgbClr val="00B0F0"/>
+                    </a:solidFill>
+                  </a:rPr>
+                  <a:t>W22</a:t>
+                </a:r>
+              </a:p>
+            </p:txBody>
+          </p:sp>
+        </p:grpSp>
+        <p:pic>
+          <p:nvPicPr>
+            <p:cNvPr id="462" name="Content Placeholder 4">
+              <a:extLst>
+                <a:ext uri="{FF2B5EF4-FFF2-40B4-BE49-F238E27FC236}">
+                  <a16:creationId xmlns:a16="http://schemas.microsoft.com/office/drawing/2014/main" id="{B66D7CF5-64EA-4804-9F40-1EB6C381F468}"/>
+                </a:ext>
+              </a:extLst>
+            </p:cNvPr>
+            <p:cNvPicPr>
+              <a:picLocks noChangeAspect="1"/>
+            </p:cNvPicPr>
+            <p:nvPr/>
+          </p:nvPicPr>
+          <p:blipFill rotWithShape="1">
+            <a:blip r:embed="rId13">
+              <a:extLst>
+                <a:ext uri="{28A0092B-C50C-407E-A947-70E740481C1C}">
+                  <a14:useLocalDpi xmlns:a14="http://schemas.microsoft.com/office/drawing/2010/main" val="0"/>
+                </a:ext>
+              </a:extLst>
+            </a:blip>
+            <a:srcRect l="46807" t="4523" r="23625" b="9428"/>
+            <a:stretch/>
+          </p:blipFill>
+          <p:spPr>
+            <a:xfrm>
+              <a:off x="31814030" y="12588217"/>
+              <a:ext cx="1770391" cy="2926080"/>
+            </a:xfrm>
+            <a:prstGeom prst="rect">
+              <a:avLst/>
+            </a:prstGeom>
+          </p:spPr>
+        </p:pic>
+        <p:pic>
+          <p:nvPicPr>
+            <p:cNvPr id="464" name="Content Placeholder 4">
+              <a:extLst>
+                <a:ext uri="{FF2B5EF4-FFF2-40B4-BE49-F238E27FC236}">
+                  <a16:creationId xmlns:a16="http://schemas.microsoft.com/office/drawing/2014/main" id="{EA56F5A1-8E5A-47EC-8754-3AB74FD24AFC}"/>
+                </a:ext>
+              </a:extLst>
+            </p:cNvPr>
+            <p:cNvPicPr>
+              <a:picLocks noChangeAspect="1"/>
+            </p:cNvPicPr>
+            <p:nvPr/>
+          </p:nvPicPr>
+          <p:blipFill rotWithShape="1">
+            <a:blip r:embed="rId7">
+              <a:extLst>
+                <a:ext uri="{28A0092B-C50C-407E-A947-70E740481C1C}">
+                  <a14:useLocalDpi xmlns:a14="http://schemas.microsoft.com/office/drawing/2010/main" val="0"/>
+                </a:ext>
+              </a:extLst>
+            </a:blip>
+            <a:srcRect l="71504" t="25240" r="2804" b="31451"/>
+            <a:stretch/>
+          </p:blipFill>
+          <p:spPr>
+            <a:xfrm>
+              <a:off x="33652525" y="12576809"/>
+              <a:ext cx="1138305" cy="1222149"/>
+            </a:xfrm>
+            <a:prstGeom prst="rect">
+              <a:avLst/>
+            </a:prstGeom>
+          </p:spPr>
+        </p:pic>
+        <p:sp>
+          <p:nvSpPr>
+            <p:cNvPr id="465" name="Content Placeholder 2">
+              <a:extLst>
+                <a:ext uri="{FF2B5EF4-FFF2-40B4-BE49-F238E27FC236}">
+                  <a16:creationId xmlns:a16="http://schemas.microsoft.com/office/drawing/2014/main" id="{6B271C85-DB64-4CD7-9334-1216CBDF4308}"/>
+                </a:ext>
+              </a:extLst>
+            </p:cNvPr>
+            <p:cNvSpPr txBox="1">
+              <a:spLocks/>
+            </p:cNvSpPr>
+            <p:nvPr/>
+          </p:nvSpPr>
+          <p:spPr>
+            <a:xfrm>
+              <a:off x="29016204" y="12721211"/>
+              <a:ext cx="2786352" cy="2718400"/>
+            </a:xfrm>
+            <a:prstGeom prst="rect">
+              <a:avLst/>
+            </a:prstGeom>
+          </p:spPr>
+          <p:txBody>
+            <a:bodyPr vert="horz" lIns="91440" tIns="45720" rIns="91440" bIns="45720" rtlCol="0">
+              <a:normAutofit lnSpcReduction="10000"/>
+            </a:bodyPr>
+            <a:lstStyle>
+              <a:lvl1pPr marL="0" indent="0" algn="ctr" defTabSz="4023290" rtl="0" eaLnBrk="1" latinLnBrk="0" hangingPunct="1">
+                <a:lnSpc>
+                  <a:spcPct val="90000"/>
+                </a:lnSpc>
+                <a:spcBef>
+                  <a:spcPts val="4400"/>
+                </a:spcBef>
+                <a:buFont typeface="Arial" panose="020B0604020202020204" pitchFamily="34" charset="0"/>
+                <a:buNone/>
+                <a:defRPr sz="10560" kern="1200">
+                  <a:solidFill>
+                    <a:schemeClr val="tx1"/>
+                  </a:solidFill>
+                  <a:latin typeface="+mn-lt"/>
+                  <a:ea typeface="+mn-ea"/>
+                  <a:cs typeface="+mn-cs"/>
+                </a:defRPr>
+              </a:lvl1pPr>
+              <a:lvl2pPr marL="2011645" indent="0" algn="ctr" defTabSz="4023290" rtl="0" eaLnBrk="1" latinLnBrk="0" hangingPunct="1">
+                <a:lnSpc>
+                  <a:spcPct val="90000"/>
+                </a:lnSpc>
+                <a:spcBef>
+                  <a:spcPts val="2200"/>
+                </a:spcBef>
+                <a:buFont typeface="Arial" panose="020B0604020202020204" pitchFamily="34" charset="0"/>
+                <a:buNone/>
+                <a:defRPr sz="8799" kern="1200">
+                  <a:solidFill>
+                    <a:schemeClr val="tx1"/>
+                  </a:solidFill>
+                  <a:latin typeface="+mn-lt"/>
+                  <a:ea typeface="+mn-ea"/>
+                  <a:cs typeface="+mn-cs"/>
+                </a:defRPr>
+              </a:lvl2pPr>
+              <a:lvl3pPr marL="4023290" indent="0" algn="ctr" defTabSz="4023290" rtl="0" eaLnBrk="1" latinLnBrk="0" hangingPunct="1">
+                <a:lnSpc>
+                  <a:spcPct val="90000"/>
+                </a:lnSpc>
+                <a:spcBef>
+                  <a:spcPts val="2200"/>
+                </a:spcBef>
+                <a:buFont typeface="Arial" panose="020B0604020202020204" pitchFamily="34" charset="0"/>
+                <a:buNone/>
+                <a:defRPr sz="7920" kern="1200">
+                  <a:solidFill>
+                    <a:schemeClr val="tx1"/>
+                  </a:solidFill>
+                  <a:latin typeface="+mn-lt"/>
+                  <a:ea typeface="+mn-ea"/>
+                  <a:cs typeface="+mn-cs"/>
+                </a:defRPr>
+              </a:lvl3pPr>
+              <a:lvl4pPr marL="6034934" indent="0" algn="ctr" defTabSz="4023290" rtl="0" eaLnBrk="1" latinLnBrk="0" hangingPunct="1">
+                <a:lnSpc>
+                  <a:spcPct val="90000"/>
+                </a:lnSpc>
+                <a:spcBef>
+                  <a:spcPts val="2200"/>
+                </a:spcBef>
+                <a:buFont typeface="Arial" panose="020B0604020202020204" pitchFamily="34" charset="0"/>
+                <a:buNone/>
+                <a:defRPr sz="7040" kern="1200">
+                  <a:solidFill>
+                    <a:schemeClr val="tx1"/>
+                  </a:solidFill>
+                  <a:latin typeface="+mn-lt"/>
+                  <a:ea typeface="+mn-ea"/>
+                  <a:cs typeface="+mn-cs"/>
+                </a:defRPr>
+              </a:lvl4pPr>
+              <a:lvl5pPr marL="8046579" indent="0" algn="ctr" defTabSz="4023290" rtl="0" eaLnBrk="1" latinLnBrk="0" hangingPunct="1">
+                <a:lnSpc>
+                  <a:spcPct val="90000"/>
+                </a:lnSpc>
+                <a:spcBef>
+                  <a:spcPts val="2200"/>
+                </a:spcBef>
+                <a:buFont typeface="Arial" panose="020B0604020202020204" pitchFamily="34" charset="0"/>
+                <a:buNone/>
+                <a:defRPr sz="7040" kern="1200">
+                  <a:solidFill>
+                    <a:schemeClr val="tx1"/>
+                  </a:solidFill>
+                  <a:latin typeface="+mn-lt"/>
+                  <a:ea typeface="+mn-ea"/>
+                  <a:cs typeface="+mn-cs"/>
+                </a:defRPr>
+              </a:lvl5pPr>
+              <a:lvl6pPr marL="10058224" indent="0" algn="ctr" defTabSz="4023290" rtl="0" eaLnBrk="1" latinLnBrk="0" hangingPunct="1">
+                <a:lnSpc>
+                  <a:spcPct val="90000"/>
+                </a:lnSpc>
+                <a:spcBef>
+                  <a:spcPts val="2200"/>
+                </a:spcBef>
+                <a:buFont typeface="Arial" panose="020B0604020202020204" pitchFamily="34" charset="0"/>
+                <a:buNone/>
+                <a:defRPr sz="7040" kern="1200">
+                  <a:solidFill>
+                    <a:schemeClr val="tx1"/>
+                  </a:solidFill>
+                  <a:latin typeface="+mn-lt"/>
+                  <a:ea typeface="+mn-ea"/>
+                  <a:cs typeface="+mn-cs"/>
+                </a:defRPr>
+              </a:lvl6pPr>
+              <a:lvl7pPr marL="12069869" indent="0" algn="ctr" defTabSz="4023290" rtl="0" eaLnBrk="1" latinLnBrk="0" hangingPunct="1">
+                <a:lnSpc>
+                  <a:spcPct val="90000"/>
+                </a:lnSpc>
+                <a:spcBef>
+                  <a:spcPts val="2200"/>
+                </a:spcBef>
+                <a:buFont typeface="Arial" panose="020B0604020202020204" pitchFamily="34" charset="0"/>
+                <a:buNone/>
+                <a:defRPr sz="7040" kern="1200">
+                  <a:solidFill>
+                    <a:schemeClr val="tx1"/>
+                  </a:solidFill>
+                  <a:latin typeface="+mn-lt"/>
+                  <a:ea typeface="+mn-ea"/>
+                  <a:cs typeface="+mn-cs"/>
+                </a:defRPr>
+              </a:lvl7pPr>
+              <a:lvl8pPr marL="14081513" indent="0" algn="ctr" defTabSz="4023290" rtl="0" eaLnBrk="1" latinLnBrk="0" hangingPunct="1">
+                <a:lnSpc>
+                  <a:spcPct val="90000"/>
+                </a:lnSpc>
+                <a:spcBef>
+                  <a:spcPts val="2200"/>
+                </a:spcBef>
+                <a:buFont typeface="Arial" panose="020B0604020202020204" pitchFamily="34" charset="0"/>
+                <a:buNone/>
+                <a:defRPr sz="7040" kern="1200">
+                  <a:solidFill>
+                    <a:schemeClr val="tx1"/>
+                  </a:solidFill>
+                  <a:latin typeface="+mn-lt"/>
+                  <a:ea typeface="+mn-ea"/>
+                  <a:cs typeface="+mn-cs"/>
+                </a:defRPr>
+              </a:lvl8pPr>
+              <a:lvl9pPr marL="16093159" indent="0" algn="ctr" defTabSz="4023290" rtl="0" eaLnBrk="1" latinLnBrk="0" hangingPunct="1">
+                <a:lnSpc>
+                  <a:spcPct val="90000"/>
+                </a:lnSpc>
+                <a:spcBef>
+                  <a:spcPts val="2200"/>
+                </a:spcBef>
+                <a:buFont typeface="Arial" panose="020B0604020202020204" pitchFamily="34" charset="0"/>
+                <a:buNone/>
+                <a:defRPr sz="7040" kern="1200">
+                  <a:solidFill>
+                    <a:schemeClr val="tx1"/>
+                  </a:solidFill>
+                  <a:latin typeface="+mn-lt"/>
+                  <a:ea typeface="+mn-ea"/>
+                  <a:cs typeface="+mn-cs"/>
+                </a:defRPr>
+              </a:lvl9pPr>
+            </a:lstStyle>
+            <a:p>
+              <a:pPr algn="l"/>
+              <a:r>
+                <a:rPr lang="en-US" sz="1800" dirty="0">
+                  <a:solidFill>
+                    <a:srgbClr val="FF0000"/>
+                  </a:solidFill>
+                </a:rPr>
+                <a:t>Zm00001d036345_PSY1_T1</a:t>
+              </a:r>
+            </a:p>
+            <a:p>
+              <a:pPr algn="l"/>
+              <a:r>
+                <a:rPr lang="en-US" sz="1800" dirty="0">
+                  <a:solidFill>
+                    <a:srgbClr val="FF0000"/>
+                  </a:solidFill>
+                </a:rPr>
+                <a:t>Zm00001d036345_PSY1_T1</a:t>
+              </a:r>
+              <a:endParaRPr lang="en-US" sz="1800" dirty="0"/>
+            </a:p>
+            <a:p>
+              <a:pPr algn="l"/>
+              <a:r>
+                <a:rPr lang="en-US" sz="1800" dirty="0"/>
+                <a:t>Zm00001d012394_PSY2</a:t>
+              </a:r>
+            </a:p>
+            <a:p>
+              <a:pPr algn="l"/>
+              <a:r>
+                <a:rPr lang="en-US" sz="1800" dirty="0"/>
+                <a:t>Zm00001d021410_PSY3</a:t>
+              </a:r>
+            </a:p>
+            <a:p>
+              <a:pPr algn="l"/>
+              <a:endParaRPr lang="en-US" sz="1800" dirty="0"/>
+            </a:p>
+          </p:txBody>
+        </p:sp>
+      </p:grpSp>
     </p:spTree>
     <p:extLst>
       <p:ext uri="{BB962C8B-B14F-4D97-AF65-F5344CB8AC3E}">
